--- a/Exploits.pptx
+++ b/Exploits.pptx
@@ -17,8 +17,8 @@
     <p:sldId id="259" r:id="rId5"/>
     <p:sldId id="260" r:id="rId6"/>
     <p:sldId id="261" r:id="rId7"/>
-    <p:sldId id="270" r:id="rId8"/>
-    <p:sldId id="269" r:id="rId9"/>
+    <p:sldId id="269" r:id="rId8"/>
+    <p:sldId id="270" r:id="rId9"/>
     <p:sldId id="264" r:id="rId10"/>
     <p:sldId id="273" r:id="rId11"/>
     <p:sldId id="272" r:id="rId12"/>
@@ -217,7 +217,7 @@
           <a:p>
             <a:fld id="{29228CA5-FEE5-4A85-921B-FD2B8F499A85}" type="datetime1">
               <a:rPr lang="en-GB" smtClean="0"/>
-              <a:t>05/11/2016</a:t>
+              <a:t>06/11/2016</a:t>
             </a:fld>
             <a:endParaRPr lang="en-GB"/>
           </a:p>
@@ -286,7 +286,7 @@
           <a:p>
             <a:fld id="{4E223468-7D2A-4028-AEA7-426711321BC2}" type="slidenum">
               <a:rPr lang="en-GB" smtClean="0"/>
-              <a:t>‹#›</a:t>
+              <a:t>‹N›</a:t>
             </a:fld>
             <a:endParaRPr lang="en-GB"/>
           </a:p>
@@ -389,7 +389,7 @@
           <a:p>
             <a:fld id="{BE4AF187-3660-4FF3-AF58-BDE4ACCD1CD1}" type="datetime1">
               <a:rPr lang="en-GB" smtClean="0"/>
-              <a:t>05/11/2016</a:t>
+              <a:t>06/11/2016</a:t>
             </a:fld>
             <a:endParaRPr lang="en-GB"/>
           </a:p>
@@ -551,7 +551,7 @@
           <a:p>
             <a:fld id="{DED007A4-55F1-44BE-946F-4C6275799D11}" type="slidenum">
               <a:rPr lang="en-GB" smtClean="0"/>
-              <a:t>‹#›</a:t>
+              <a:t>‹N›</a:t>
             </a:fld>
             <a:endParaRPr lang="en-GB"/>
           </a:p>
@@ -846,7 +846,7 @@
           <a:p>
             <a:fld id="{D706A797-FECA-4863-B6F1-5712752FDC28}" type="datetime1">
               <a:rPr lang="en-GB" smtClean="0"/>
-              <a:t>05/11/2016</a:t>
+              <a:t>06/11/2016</a:t>
             </a:fld>
             <a:endParaRPr lang="en-GB"/>
           </a:p>
@@ -891,7 +891,7 @@
           <a:p>
             <a:fld id="{F4B4BBA8-8F23-41D6-9C2C-09C456314A51}" type="slidenum">
               <a:rPr lang="en-GB" smtClean="0"/>
-              <a:t>‹#›</a:t>
+              <a:t>‹N›</a:t>
             </a:fld>
             <a:endParaRPr lang="en-GB"/>
           </a:p>
@@ -1147,7 +1147,7 @@
           <a:p>
             <a:fld id="{55CD8349-0497-4FA5-A497-D2AEAFB2913F}" type="datetime1">
               <a:rPr lang="en-GB" smtClean="0"/>
-              <a:t>05/11/2016</a:t>
+              <a:t>06/11/2016</a:t>
             </a:fld>
             <a:endParaRPr lang="en-GB"/>
           </a:p>
@@ -1192,7 +1192,7 @@
           <a:p>
             <a:fld id="{F4B4BBA8-8F23-41D6-9C2C-09C456314A51}" type="slidenum">
               <a:rPr lang="en-GB" smtClean="0"/>
-              <a:t>‹#›</a:t>
+              <a:t>‹N›</a:t>
             </a:fld>
             <a:endParaRPr lang="en-GB"/>
           </a:p>
@@ -1343,7 +1343,7 @@
           <a:p>
             <a:fld id="{55CD8349-0497-4FA5-A497-D2AEAFB2913F}" type="datetime1">
               <a:rPr lang="en-GB" smtClean="0"/>
-              <a:t>05/11/2016</a:t>
+              <a:t>06/11/2016</a:t>
             </a:fld>
             <a:endParaRPr lang="en-GB"/>
           </a:p>
@@ -1388,7 +1388,7 @@
           <a:p>
             <a:fld id="{F4B4BBA8-8F23-41D6-9C2C-09C456314A51}" type="slidenum">
               <a:rPr lang="en-GB" smtClean="0"/>
-              <a:t>‹#›</a:t>
+              <a:t>‹N›</a:t>
             </a:fld>
             <a:endParaRPr lang="en-GB"/>
           </a:p>
@@ -1608,7 +1608,7 @@
           <a:p>
             <a:fld id="{55CD8349-0497-4FA5-A497-D2AEAFB2913F}" type="datetime1">
               <a:rPr lang="en-GB" smtClean="0"/>
-              <a:t>05/11/2016</a:t>
+              <a:t>06/11/2016</a:t>
             </a:fld>
             <a:endParaRPr lang="en-GB"/>
           </a:p>
@@ -1653,7 +1653,7 @@
           <a:p>
             <a:fld id="{F4B4BBA8-8F23-41D6-9C2C-09C456314A51}" type="slidenum">
               <a:rPr lang="en-GB" smtClean="0"/>
-              <a:t>‹#›</a:t>
+              <a:t>‹N›</a:t>
             </a:fld>
             <a:endParaRPr lang="en-GB"/>
           </a:p>
@@ -2036,7 +2036,7 @@
           <a:p>
             <a:fld id="{55CD8349-0497-4FA5-A497-D2AEAFB2913F}" type="datetime1">
               <a:rPr lang="en-GB" smtClean="0"/>
-              <a:t>05/11/2016</a:t>
+              <a:t>06/11/2016</a:t>
             </a:fld>
             <a:endParaRPr lang="en-GB"/>
           </a:p>
@@ -2081,7 +2081,7 @@
           <a:p>
             <a:fld id="{F4B4BBA8-8F23-41D6-9C2C-09C456314A51}" type="slidenum">
               <a:rPr lang="en-GB" smtClean="0"/>
-              <a:t>‹#›</a:t>
+              <a:t>‹N›</a:t>
             </a:fld>
             <a:endParaRPr lang="en-GB"/>
           </a:p>
@@ -2577,7 +2577,7 @@
           <a:p>
             <a:fld id="{55CD8349-0497-4FA5-A497-D2AEAFB2913F}" type="datetime1">
               <a:rPr lang="en-GB" smtClean="0"/>
-              <a:t>05/11/2016</a:t>
+              <a:t>06/11/2016</a:t>
             </a:fld>
             <a:endParaRPr lang="en-GB"/>
           </a:p>
@@ -2622,7 +2622,7 @@
           <a:p>
             <a:fld id="{F4B4BBA8-8F23-41D6-9C2C-09C456314A51}" type="slidenum">
               <a:rPr lang="en-GB" smtClean="0"/>
-              <a:t>‹#›</a:t>
+              <a:t>‹N›</a:t>
             </a:fld>
             <a:endParaRPr lang="en-GB"/>
           </a:p>
@@ -3445,7 +3445,7 @@
           <a:p>
             <a:fld id="{55CD8349-0497-4FA5-A497-D2AEAFB2913F}" type="datetime1">
               <a:rPr lang="en-GB" smtClean="0"/>
-              <a:t>05/11/2016</a:t>
+              <a:t>06/11/2016</a:t>
             </a:fld>
             <a:endParaRPr lang="en-GB"/>
           </a:p>
@@ -3490,7 +3490,7 @@
           <a:p>
             <a:fld id="{F4B4BBA8-8F23-41D6-9C2C-09C456314A51}" type="slidenum">
               <a:rPr lang="en-GB" smtClean="0"/>
-              <a:t>‹#›</a:t>
+              <a:t>‹N›</a:t>
             </a:fld>
             <a:endParaRPr lang="en-GB"/>
           </a:p>
@@ -3619,7 +3619,7 @@
           <a:p>
             <a:fld id="{7D0DEF62-0A3D-443A-8AD8-86443FDA410C}" type="datetime1">
               <a:rPr lang="en-GB" smtClean="0"/>
-              <a:t>05/11/2016</a:t>
+              <a:t>06/11/2016</a:t>
             </a:fld>
             <a:endParaRPr lang="en-GB"/>
           </a:p>
@@ -3664,7 +3664,7 @@
           <a:p>
             <a:fld id="{F4B4BBA8-8F23-41D6-9C2C-09C456314A51}" type="slidenum">
               <a:rPr lang="en-GB" smtClean="0"/>
-              <a:t>‹#›</a:t>
+              <a:t>‹N›</a:t>
             </a:fld>
             <a:endParaRPr lang="en-GB"/>
           </a:p>
@@ -3806,7 +3806,7 @@
           <a:p>
             <a:fld id="{D6863B64-B829-41DB-8A8A-692E57C86A8A}" type="datetime1">
               <a:rPr lang="en-GB" smtClean="0"/>
-              <a:t>05/11/2016</a:t>
+              <a:t>06/11/2016</a:t>
             </a:fld>
             <a:endParaRPr lang="en-GB"/>
           </a:p>
@@ -3851,7 +3851,7 @@
           <a:p>
             <a:fld id="{F4B4BBA8-8F23-41D6-9C2C-09C456314A51}" type="slidenum">
               <a:rPr lang="en-GB" smtClean="0"/>
-              <a:t>‹#›</a:t>
+              <a:t>‹N›</a:t>
             </a:fld>
             <a:endParaRPr lang="en-GB"/>
           </a:p>
@@ -3979,7 +3979,7 @@
           <a:p>
             <a:fld id="{6FB35735-1F27-40A2-BE2F-D61DA323C134}" type="datetime1">
               <a:rPr lang="en-GB" smtClean="0"/>
-              <a:t>05/11/2016</a:t>
+              <a:t>06/11/2016</a:t>
             </a:fld>
             <a:endParaRPr lang="en-GB"/>
           </a:p>
@@ -4024,7 +4024,7 @@
           <a:p>
             <a:fld id="{F4B4BBA8-8F23-41D6-9C2C-09C456314A51}" type="slidenum">
               <a:rPr lang="en-GB" smtClean="0"/>
-              <a:t>‹#›</a:t>
+              <a:t>‹N›</a:t>
             </a:fld>
             <a:endParaRPr lang="en-GB"/>
           </a:p>
@@ -4226,7 +4226,7 @@
           <a:p>
             <a:fld id="{019B5B92-CA2B-4868-95E5-E4D9D75F5ABC}" type="datetime1">
               <a:rPr lang="en-GB" smtClean="0"/>
-              <a:t>05/11/2016</a:t>
+              <a:t>06/11/2016</a:t>
             </a:fld>
             <a:endParaRPr lang="en-GB"/>
           </a:p>
@@ -4271,7 +4271,7 @@
           <a:p>
             <a:fld id="{F4B4BBA8-8F23-41D6-9C2C-09C456314A51}" type="slidenum">
               <a:rPr lang="en-GB" smtClean="0"/>
-              <a:t>‹#›</a:t>
+              <a:t>‹N›</a:t>
             </a:fld>
             <a:endParaRPr lang="en-GB"/>
           </a:p>
@@ -4465,7 +4465,7 @@
           <a:p>
             <a:fld id="{AA26E6E7-491F-4060-9FCF-F865198FD8EB}" type="datetime1">
               <a:rPr lang="en-GB" smtClean="0"/>
-              <a:t>05/11/2016</a:t>
+              <a:t>06/11/2016</a:t>
             </a:fld>
             <a:endParaRPr lang="en-GB"/>
           </a:p>
@@ -4510,7 +4510,7 @@
           <a:p>
             <a:fld id="{F4B4BBA8-8F23-41D6-9C2C-09C456314A51}" type="slidenum">
               <a:rPr lang="en-GB" smtClean="0"/>
-              <a:t>‹#›</a:t>
+              <a:t>‹N›</a:t>
             </a:fld>
             <a:endParaRPr lang="en-GB"/>
           </a:p>
@@ -4934,7 +4934,7 @@
           <a:p>
             <a:fld id="{559F7199-6096-4CDD-961C-26438CC77496}" type="datetime1">
               <a:rPr lang="en-GB" smtClean="0"/>
-              <a:t>05/11/2016</a:t>
+              <a:t>06/11/2016</a:t>
             </a:fld>
             <a:endParaRPr lang="en-GB"/>
           </a:p>
@@ -4979,7 +4979,7 @@
           <a:p>
             <a:fld id="{F4B4BBA8-8F23-41D6-9C2C-09C456314A51}" type="slidenum">
               <a:rPr lang="en-GB" smtClean="0"/>
-              <a:t>‹#›</a:t>
+              <a:t>‹N›</a:t>
             </a:fld>
             <a:endParaRPr lang="en-GB"/>
           </a:p>
@@ -5055,7 +5055,7 @@
           <a:p>
             <a:fld id="{83B214D5-D1CA-43EC-9A3E-4951F16498E7}" type="datetime1">
               <a:rPr lang="en-GB" smtClean="0"/>
-              <a:t>05/11/2016</a:t>
+              <a:t>06/11/2016</a:t>
             </a:fld>
             <a:endParaRPr lang="en-GB"/>
           </a:p>
@@ -5100,7 +5100,7 @@
           <a:p>
             <a:fld id="{F4B4BBA8-8F23-41D6-9C2C-09C456314A51}" type="slidenum">
               <a:rPr lang="en-GB" smtClean="0"/>
-              <a:t>‹#›</a:t>
+              <a:t>‹N›</a:t>
             </a:fld>
             <a:endParaRPr lang="en-GB"/>
           </a:p>
@@ -5153,7 +5153,7 @@
           <a:p>
             <a:fld id="{7D2720BD-C90B-424E-9C01-403F51FC1BAA}" type="datetime1">
               <a:rPr lang="en-GB" smtClean="0"/>
-              <a:t>05/11/2016</a:t>
+              <a:t>06/11/2016</a:t>
             </a:fld>
             <a:endParaRPr lang="en-GB"/>
           </a:p>
@@ -5198,7 +5198,7 @@
           <a:p>
             <a:fld id="{F4B4BBA8-8F23-41D6-9C2C-09C456314A51}" type="slidenum">
               <a:rPr lang="en-GB" smtClean="0"/>
-              <a:t>‹#›</a:t>
+              <a:t>‹N›</a:t>
             </a:fld>
             <a:endParaRPr lang="en-GB"/>
           </a:p>
@@ -5411,7 +5411,7 @@
           <a:p>
             <a:fld id="{27F225C7-03D7-4773-89AF-D96A9020C9D4}" type="datetime1">
               <a:rPr lang="en-GB" smtClean="0"/>
-              <a:t>05/11/2016</a:t>
+              <a:t>06/11/2016</a:t>
             </a:fld>
             <a:endParaRPr lang="en-GB"/>
           </a:p>
@@ -5456,7 +5456,7 @@
           <a:p>
             <a:fld id="{F4B4BBA8-8F23-41D6-9C2C-09C456314A51}" type="slidenum">
               <a:rPr lang="en-GB" smtClean="0"/>
-              <a:t>‹#›</a:t>
+              <a:t>‹N›</a:t>
             </a:fld>
             <a:endParaRPr lang="en-GB"/>
           </a:p>
@@ -5714,7 +5714,7 @@
           <a:p>
             <a:fld id="{A4FE40E4-001E-4EEC-BFC3-0AF202B90770}" type="datetime1">
               <a:rPr lang="en-GB" smtClean="0"/>
-              <a:t>05/11/2016</a:t>
+              <a:t>06/11/2016</a:t>
             </a:fld>
             <a:endParaRPr lang="en-GB"/>
           </a:p>
@@ -5759,7 +5759,7 @@
           <a:p>
             <a:fld id="{F4B4BBA8-8F23-41D6-9C2C-09C456314A51}" type="slidenum">
               <a:rPr lang="en-GB" smtClean="0"/>
-              <a:t>‹#›</a:t>
+              <a:t>‹N›</a:t>
             </a:fld>
             <a:endParaRPr lang="en-GB"/>
           </a:p>
@@ -5951,7 +5951,7 @@
           <a:p>
             <a:fld id="{55CD8349-0497-4FA5-A497-D2AEAFB2913F}" type="datetime1">
               <a:rPr lang="en-GB" smtClean="0"/>
-              <a:t>05/11/2016</a:t>
+              <a:t>06/11/2016</a:t>
             </a:fld>
             <a:endParaRPr lang="en-GB"/>
           </a:p>
@@ -6046,7 +6046,7 @@
           <a:p>
             <a:fld id="{F4B4BBA8-8F23-41D6-9C2C-09C456314A51}" type="slidenum">
               <a:rPr lang="en-GB" smtClean="0"/>
-              <a:t>‹#›</a:t>
+              <a:t>‹N›</a:t>
             </a:fld>
             <a:endParaRPr lang="en-GB"/>
           </a:p>
@@ -6658,8 +6658,8 @@
                   <a:schemeClr val="tx1"/>
                 </a:solidFill>
                 <a:effectLst/>
-                <a:latin typeface="Microsoft Sans Serif" panose="020B0604020202020204" pitchFamily="34" charset="0"/>
-                <a:ea typeface="Microsoft Sans Serif" panose="020B0604020202020204" pitchFamily="34" charset="0"/>
+                <a:latin typeface="Microsoft YaHei UI Light" panose="020B0502040204020203" pitchFamily="34" charset="-122"/>
+                <a:ea typeface="Microsoft YaHei UI Light" panose="020B0502040204020203" pitchFamily="34" charset="-122"/>
                 <a:cs typeface="Microsoft Sans Serif" panose="020B0604020202020204" pitchFamily="34" charset="0"/>
               </a:rPr>
               <a:t>EXPLOIT PRESENTATION</a:t>
@@ -6669,8 +6669,8 @@
                 <a:schemeClr val="tx1"/>
               </a:solidFill>
               <a:effectLst/>
-              <a:latin typeface="Microsoft Sans Serif" panose="020B0604020202020204" pitchFamily="34" charset="0"/>
-              <a:ea typeface="Microsoft Sans Serif" panose="020B0604020202020204" pitchFamily="34" charset="0"/>
+              <a:latin typeface="Microsoft YaHei UI Light" panose="020B0502040204020203" pitchFamily="34" charset="-122"/>
+              <a:ea typeface="Microsoft YaHei UI Light" panose="020B0502040204020203" pitchFamily="34" charset="-122"/>
               <a:cs typeface="Microsoft Sans Serif" panose="020B0604020202020204" pitchFamily="34" charset="0"/>
             </a:endParaRPr>
           </a:p>
@@ -6709,8 +6709,8 @@
                   <a:schemeClr val="tx2"/>
                 </a:solidFill>
                 <a:effectLst/>
-                <a:latin typeface="Microsoft Sans Serif" panose="020B0604020202020204" pitchFamily="34" charset="0"/>
-                <a:ea typeface="Microsoft Sans Serif" panose="020B0604020202020204" pitchFamily="34" charset="0"/>
+                <a:latin typeface="Microsoft YaHei UI Light" panose="020B0502040204020203" pitchFamily="34" charset="-122"/>
+                <a:ea typeface="Microsoft YaHei UI Light" panose="020B0502040204020203" pitchFamily="34" charset="-122"/>
                 <a:cs typeface="Microsoft Sans Serif" panose="020B0604020202020204" pitchFamily="34" charset="0"/>
               </a:rPr>
               <a:t>CVE-2008-2938 | CVE-2016-1240</a:t>
@@ -6747,11 +6747,11 @@
                   </a:schemeClr>
                 </a:solidFill>
                 <a:effectLst/>
-                <a:latin typeface="Microsoft Sans Serif" panose="020B0604020202020204" pitchFamily="34" charset="0"/>
-                <a:ea typeface="Microsoft Sans Serif" panose="020B0604020202020204" pitchFamily="34" charset="0"/>
-                <a:cs typeface="Microsoft Sans Serif" panose="020B0604020202020204" pitchFamily="34" charset="0"/>
-              </a:rPr>
-              <a:t>05/11/2016</a:t>
+                <a:latin typeface="Microsoft YaHei UI Light" panose="020B0502040204020203" pitchFamily="34" charset="-122"/>
+                <a:ea typeface="Microsoft YaHei UI Light" panose="020B0502040204020203" pitchFamily="34" charset="-122"/>
+                <a:cs typeface="Microsoft Sans Serif" panose="020B0604020202020204" pitchFamily="34" charset="0"/>
+              </a:rPr>
+              <a:t>06/11/2016</a:t>
             </a:fld>
             <a:endParaRPr lang="en-GB" dirty="0">
               <a:solidFill>
@@ -6760,8 +6760,8 @@
                 </a:schemeClr>
               </a:solidFill>
               <a:effectLst/>
-              <a:latin typeface="Microsoft Sans Serif" panose="020B0604020202020204" pitchFamily="34" charset="0"/>
-              <a:ea typeface="Microsoft Sans Serif" panose="020B0604020202020204" pitchFamily="34" charset="0"/>
+              <a:latin typeface="Microsoft YaHei UI Light" panose="020B0502040204020203" pitchFamily="34" charset="-122"/>
+              <a:ea typeface="Microsoft YaHei UI Light" panose="020B0502040204020203" pitchFamily="34" charset="-122"/>
               <a:cs typeface="Microsoft Sans Serif" panose="020B0604020202020204" pitchFamily="34" charset="0"/>
             </a:endParaRPr>
           </a:p>
@@ -6790,8 +6790,8 @@
                   </a:schemeClr>
                 </a:solidFill>
                 <a:effectLst/>
-                <a:latin typeface="Microsoft Sans Serif" panose="020B0604020202020204" pitchFamily="34" charset="0"/>
-                <a:ea typeface="Microsoft Sans Serif" panose="020B0604020202020204" pitchFamily="34" charset="0"/>
+                <a:latin typeface="Microsoft YaHei UI Light" panose="020B0502040204020203" pitchFamily="34" charset="-122"/>
+                <a:ea typeface="Microsoft YaHei UI Light" panose="020B0502040204020203" pitchFamily="34" charset="-122"/>
                 <a:cs typeface="Microsoft Sans Serif" panose="020B0604020202020204" pitchFamily="34" charset="0"/>
               </a:rPr>
               <a:t>Mattia Affabris - Alessandro Pezzé            Offensive Technologies 2016/2017</a:t>
@@ -6824,8 +6824,8 @@
                   </a:schemeClr>
                 </a:solidFill>
                 <a:effectLst/>
-                <a:latin typeface="Microsoft Sans Serif" panose="020B0604020202020204" pitchFamily="34" charset="0"/>
-                <a:ea typeface="Microsoft Sans Serif" panose="020B0604020202020204" pitchFamily="34" charset="0"/>
+                <a:latin typeface="Microsoft YaHei UI Light" panose="020B0502040204020203" pitchFamily="34" charset="-122"/>
+                <a:ea typeface="Microsoft YaHei UI Light" panose="020B0502040204020203" pitchFamily="34" charset="-122"/>
                 <a:cs typeface="Microsoft Sans Serif" panose="020B0604020202020204" pitchFamily="34" charset="0"/>
               </a:rPr>
               <a:t>1</a:t>
@@ -6837,8 +6837,8 @@
                 </a:schemeClr>
               </a:solidFill>
               <a:effectLst/>
-              <a:latin typeface="Microsoft Sans Serif" panose="020B0604020202020204" pitchFamily="34" charset="0"/>
-              <a:ea typeface="Microsoft Sans Serif" panose="020B0604020202020204" pitchFamily="34" charset="0"/>
+              <a:latin typeface="Microsoft YaHei UI Light" panose="020B0502040204020203" pitchFamily="34" charset="-122"/>
+              <a:ea typeface="Microsoft YaHei UI Light" panose="020B0502040204020203" pitchFamily="34" charset="-122"/>
               <a:cs typeface="Microsoft Sans Serif" panose="020B0604020202020204" pitchFamily="34" charset="0"/>
             </a:endParaRPr>
           </a:p>
@@ -6898,8 +6898,8 @@
                   <a:schemeClr val="tx1"/>
                 </a:solidFill>
                 <a:effectLst/>
-                <a:latin typeface="Microsoft Sans Serif" panose="020B0604020202020204" pitchFamily="34" charset="0"/>
-                <a:ea typeface="Microsoft Sans Serif" panose="020B0604020202020204" pitchFamily="34" charset="0"/>
+                <a:latin typeface="Microsoft YaHei UI Light" panose="020B0502040204020203" pitchFamily="34" charset="-122"/>
+                <a:ea typeface="Microsoft YaHei UI Light" panose="020B0502040204020203" pitchFamily="34" charset="-122"/>
                 <a:cs typeface="Microsoft Sans Serif" panose="020B0604020202020204" pitchFamily="34" charset="0"/>
               </a:rPr>
               <a:t>CVE-2008-2938 - ATTACKER</a:t>
@@ -6909,8 +6909,8 @@
                 <a:schemeClr val="tx1"/>
               </a:solidFill>
               <a:effectLst/>
-              <a:latin typeface="Microsoft Sans Serif" panose="020B0604020202020204" pitchFamily="34" charset="0"/>
-              <a:ea typeface="Microsoft Sans Serif" panose="020B0604020202020204" pitchFamily="34" charset="0"/>
+              <a:latin typeface="Microsoft YaHei UI Light" panose="020B0502040204020203" pitchFamily="34" charset="-122"/>
+              <a:ea typeface="Microsoft YaHei UI Light" panose="020B0502040204020203" pitchFamily="34" charset="-122"/>
               <a:cs typeface="Microsoft Sans Serif" panose="020B0604020202020204" pitchFamily="34" charset="0"/>
             </a:endParaRPr>
           </a:p>
@@ -6939,11 +6939,11 @@
                   </a:schemeClr>
                 </a:solidFill>
                 <a:effectLst/>
-                <a:latin typeface="Microsoft Sans Serif" panose="020B0604020202020204" pitchFamily="34" charset="0"/>
-                <a:ea typeface="Microsoft Sans Serif" panose="020B0604020202020204" pitchFamily="34" charset="0"/>
-                <a:cs typeface="Microsoft Sans Serif" panose="020B0604020202020204" pitchFamily="34" charset="0"/>
-              </a:rPr>
-              <a:t>05/11/2016</a:t>
+                <a:latin typeface="Microsoft YaHei UI Light" panose="020B0502040204020203" pitchFamily="34" charset="-122"/>
+                <a:ea typeface="Microsoft YaHei UI Light" panose="020B0502040204020203" pitchFamily="34" charset="-122"/>
+                <a:cs typeface="Microsoft Sans Serif" panose="020B0604020202020204" pitchFamily="34" charset="0"/>
+              </a:rPr>
+              <a:t>06/11/2016</a:t>
             </a:fld>
             <a:endParaRPr lang="en-GB" dirty="0">
               <a:solidFill>
@@ -6952,8 +6952,8 @@
                 </a:schemeClr>
               </a:solidFill>
               <a:effectLst/>
-              <a:latin typeface="Microsoft Sans Serif" panose="020B0604020202020204" pitchFamily="34" charset="0"/>
-              <a:ea typeface="Microsoft Sans Serif" panose="020B0604020202020204" pitchFamily="34" charset="0"/>
+              <a:latin typeface="Microsoft YaHei UI Light" panose="020B0502040204020203" pitchFamily="34" charset="-122"/>
+              <a:ea typeface="Microsoft YaHei UI Light" panose="020B0502040204020203" pitchFamily="34" charset="-122"/>
               <a:cs typeface="Microsoft Sans Serif" panose="020B0604020202020204" pitchFamily="34" charset="0"/>
             </a:endParaRPr>
           </a:p>
@@ -6982,8 +6982,8 @@
                   </a:schemeClr>
                 </a:solidFill>
                 <a:effectLst/>
-                <a:latin typeface="Microsoft Sans Serif" panose="020B0604020202020204" pitchFamily="34" charset="0"/>
-                <a:ea typeface="Microsoft Sans Serif" panose="020B0604020202020204" pitchFamily="34" charset="0"/>
+                <a:latin typeface="Microsoft YaHei UI Light" panose="020B0502040204020203" pitchFamily="34" charset="-122"/>
+                <a:ea typeface="Microsoft YaHei UI Light" panose="020B0502040204020203" pitchFamily="34" charset="-122"/>
                 <a:cs typeface="Microsoft Sans Serif" panose="020B0604020202020204" pitchFamily="34" charset="0"/>
               </a:rPr>
               <a:t>Mattia Affabris - Alessandro Pezzé            Offensive Technologies 2016/2017</a:t>
@@ -7016,8 +7016,8 @@
                   </a:schemeClr>
                 </a:solidFill>
                 <a:effectLst/>
-                <a:latin typeface="Microsoft Sans Serif" panose="020B0604020202020204" pitchFamily="34" charset="0"/>
-                <a:ea typeface="Microsoft Sans Serif" panose="020B0604020202020204" pitchFamily="34" charset="0"/>
+                <a:latin typeface="Microsoft YaHei UI Light" panose="020B0502040204020203" pitchFamily="34" charset="-122"/>
+                <a:ea typeface="Microsoft YaHei UI Light" panose="020B0502040204020203" pitchFamily="34" charset="-122"/>
                 <a:cs typeface="Microsoft Sans Serif" panose="020B0604020202020204" pitchFamily="34" charset="0"/>
               </a:rPr>
               <a:t>10</a:t>
@@ -7029,8 +7029,8 @@
                 </a:schemeClr>
               </a:solidFill>
               <a:effectLst/>
-              <a:latin typeface="Microsoft Sans Serif" panose="020B0604020202020204" pitchFamily="34" charset="0"/>
-              <a:ea typeface="Microsoft Sans Serif" panose="020B0604020202020204" pitchFamily="34" charset="0"/>
+              <a:latin typeface="Microsoft YaHei UI Light" panose="020B0502040204020203" pitchFamily="34" charset="-122"/>
+              <a:ea typeface="Microsoft YaHei UI Light" panose="020B0502040204020203" pitchFamily="34" charset="-122"/>
               <a:cs typeface="Microsoft Sans Serif" panose="020B0604020202020204" pitchFamily="34" charset="0"/>
             </a:endParaRPr>
           </a:p>
@@ -7416,8 +7416,8 @@
             <a:r>
               <a:rPr lang="en-US" sz="2400" dirty="0">
                 <a:effectLst/>
-                <a:latin typeface="Microsoft Sans Serif" panose="020B0604020202020204" pitchFamily="34" charset="0"/>
-                <a:ea typeface="Microsoft Sans Serif" panose="020B0604020202020204" pitchFamily="34" charset="0"/>
+                <a:latin typeface="Microsoft YaHei UI Light" panose="020B0502040204020203" pitchFamily="34" charset="-122"/>
+                <a:ea typeface="Microsoft YaHei UI Light" panose="020B0502040204020203" pitchFamily="34" charset="-122"/>
                 <a:cs typeface="Microsoft Sans Serif" panose="020B0604020202020204" pitchFamily="34" charset="0"/>
               </a:rPr>
               <a:t>MANUAL</a:t>
@@ -7431,8 +7431,8 @@
             <a:r>
               <a:rPr lang="en-US" sz="1800" dirty="0">
                 <a:effectLst/>
-                <a:latin typeface="Microsoft Sans Serif" panose="020B0604020202020204" pitchFamily="34" charset="0"/>
-                <a:ea typeface="Microsoft Sans Serif" panose="020B0604020202020204" pitchFamily="34" charset="0"/>
+                <a:latin typeface="Microsoft YaHei UI Light" panose="020B0502040204020203" pitchFamily="34" charset="-122"/>
+                <a:ea typeface="Microsoft YaHei UI Light" panose="020B0502040204020203" pitchFamily="34" charset="-122"/>
                 <a:cs typeface="Microsoft Sans Serif" panose="020B0604020202020204" pitchFamily="34" charset="0"/>
               </a:rPr>
               <a:t>obtain a Tomcat shell through other means</a:t>
@@ -7446,8 +7446,8 @@
             <a:r>
               <a:rPr lang="en-US" sz="1800" dirty="0">
                 <a:effectLst/>
-                <a:latin typeface="Microsoft Sans Serif" panose="020B0604020202020204" pitchFamily="34" charset="0"/>
-                <a:ea typeface="Microsoft Sans Serif" panose="020B0604020202020204" pitchFamily="34" charset="0"/>
+                <a:latin typeface="Microsoft YaHei UI Light" panose="020B0502040204020203" pitchFamily="34" charset="-122"/>
+                <a:ea typeface="Microsoft YaHei UI Light" panose="020B0502040204020203" pitchFamily="34" charset="-122"/>
                 <a:cs typeface="Microsoft Sans Serif" panose="020B0604020202020204" pitchFamily="34" charset="0"/>
               </a:rPr>
               <a:t>copy the system’s bash in a new </a:t>
@@ -7456,7 +7456,7 @@
               <a:rPr lang="en-US" sz="1800" dirty="0">
                 <a:effectLst/>
                 <a:latin typeface="Ubuntu Mono" panose="020B0509030602030204" pitchFamily="49" charset="0"/>
-                <a:ea typeface="Microsoft Sans Serif" panose="020B0604020202020204" pitchFamily="34" charset="0"/>
+                <a:ea typeface="Microsoft YaHei UI Light" panose="020B0502040204020203" pitchFamily="34" charset="-122"/>
                 <a:cs typeface="Microsoft Sans Serif" panose="020B0604020202020204" pitchFamily="34" charset="0"/>
               </a:rPr>
               <a:t>rootsh</a:t>
@@ -7464,8 +7464,8 @@
             <a:r>
               <a:rPr lang="en-US" sz="1800" dirty="0">
                 <a:effectLst/>
-                <a:latin typeface="Microsoft Sans Serif" panose="020B0604020202020204" pitchFamily="34" charset="0"/>
-                <a:ea typeface="Microsoft Sans Serif" panose="020B0604020202020204" pitchFamily="34" charset="0"/>
+                <a:latin typeface="Microsoft YaHei UI Light" panose="020B0502040204020203" pitchFamily="34" charset="-122"/>
+                <a:ea typeface="Microsoft YaHei UI Light" panose="020B0502040204020203" pitchFamily="34" charset="-122"/>
                 <a:cs typeface="Microsoft Sans Serif" panose="020B0604020202020204" pitchFamily="34" charset="0"/>
               </a:rPr>
               <a:t> file</a:t>
@@ -7479,8 +7479,8 @@
             <a:r>
               <a:rPr lang="en-US" sz="1800" dirty="0">
                 <a:effectLst/>
-                <a:latin typeface="Microsoft Sans Serif" panose="020B0604020202020204" pitchFamily="34" charset="0"/>
-                <a:ea typeface="Microsoft Sans Serif" panose="020B0604020202020204" pitchFamily="34" charset="0"/>
+                <a:latin typeface="Microsoft YaHei UI Light" panose="020B0502040204020203" pitchFamily="34" charset="-122"/>
+                <a:ea typeface="Microsoft YaHei UI Light" panose="020B0502040204020203" pitchFamily="34" charset="-122"/>
                 <a:cs typeface="Microsoft Sans Serif" panose="020B0604020202020204" pitchFamily="34" charset="0"/>
               </a:rPr>
               <a:t>compile a </a:t>
@@ -7489,7 +7489,7 @@
               <a:rPr lang="en-US" sz="1800" dirty="0">
                 <a:effectLst/>
                 <a:latin typeface="Ubuntu Mono" panose="020B0509030602030204" pitchFamily="49" charset="0"/>
-                <a:ea typeface="Microsoft Sans Serif" panose="020B0604020202020204" pitchFamily="34" charset="0"/>
+                <a:ea typeface="Microsoft YaHei UI Light" panose="020B0502040204020203" pitchFamily="34" charset="-122"/>
                 <a:cs typeface="Microsoft Sans Serif" panose="020B0604020202020204" pitchFamily="34" charset="0"/>
               </a:rPr>
               <a:t>backdoor.c</a:t>
@@ -7497,8 +7497,8 @@
             <a:r>
               <a:rPr lang="en-US" sz="1800" dirty="0">
                 <a:effectLst/>
-                <a:latin typeface="Microsoft Sans Serif" panose="020B0604020202020204" pitchFamily="34" charset="0"/>
-                <a:ea typeface="Microsoft Sans Serif" panose="020B0604020202020204" pitchFamily="34" charset="0"/>
+                <a:latin typeface="Microsoft YaHei UI Light" panose="020B0502040204020203" pitchFamily="34" charset="-122"/>
+                <a:ea typeface="Microsoft YaHei UI Light" panose="020B0502040204020203" pitchFamily="34" charset="-122"/>
                 <a:cs typeface="Microsoft Sans Serif" panose="020B0604020202020204" pitchFamily="34" charset="0"/>
               </a:rPr>
               <a:t> executable</a:t>
@@ -7513,7 +7513,7 @@
               <a:rPr lang="en-US" dirty="0">
                 <a:effectLst/>
                 <a:latin typeface="Ubuntu Mono" panose="020B0509030602030204" pitchFamily="49" charset="0"/>
-                <a:ea typeface="Microsoft Sans Serif" panose="020B0604020202020204" pitchFamily="34" charset="0"/>
+                <a:ea typeface="Microsoft YaHei UI Light" panose="020B0502040204020203" pitchFamily="34" charset="-122"/>
                 <a:cs typeface="Microsoft Sans Serif" panose="020B0604020202020204" pitchFamily="34" charset="0"/>
               </a:rPr>
               <a:t>chown rootsh</a:t>
@@ -7528,7 +7528,7 @@
               <a:rPr lang="en-US" dirty="0">
                 <a:effectLst/>
                 <a:latin typeface="Ubuntu Mono" panose="020B0509030602030204" pitchFamily="49" charset="0"/>
-                <a:ea typeface="Microsoft Sans Serif" panose="020B0604020202020204" pitchFamily="34" charset="0"/>
+                <a:ea typeface="Microsoft YaHei UI Light" panose="020B0502040204020203" pitchFamily="34" charset="-122"/>
                 <a:cs typeface="Microsoft Sans Serif" panose="020B0604020202020204" pitchFamily="34" charset="0"/>
               </a:rPr>
               <a:t>chmod rootsh 04777</a:t>
@@ -7543,7 +7543,7 @@
               <a:rPr lang="en-US" dirty="0">
                 <a:effectLst/>
                 <a:latin typeface="Ubuntu Mono" panose="020B0509030602030204" pitchFamily="49" charset="0"/>
-                <a:ea typeface="Microsoft Sans Serif" panose="020B0604020202020204" pitchFamily="34" charset="0"/>
+                <a:ea typeface="Microsoft YaHei UI Light" panose="020B0502040204020203" pitchFamily="34" charset="-122"/>
                 <a:cs typeface="Microsoft Sans Serif" panose="020B0604020202020204" pitchFamily="34" charset="0"/>
               </a:rPr>
               <a:t>unlink(ld.so.preload)</a:t>
@@ -7557,8 +7557,8 @@
             <a:r>
               <a:rPr lang="en-US" sz="1800" dirty="0">
                 <a:effectLst/>
-                <a:latin typeface="Microsoft Sans Serif" panose="020B0604020202020204" pitchFamily="34" charset="0"/>
-                <a:ea typeface="Microsoft Sans Serif" panose="020B0604020202020204" pitchFamily="34" charset="0"/>
+                <a:latin typeface="Microsoft YaHei UI Light" panose="020B0502040204020203" pitchFamily="34" charset="-122"/>
+                <a:ea typeface="Microsoft YaHei UI Light" panose="020B0502040204020203" pitchFamily="34" charset="-122"/>
                 <a:cs typeface="Microsoft Sans Serif" panose="020B0604020202020204" pitchFamily="34" charset="0"/>
               </a:rPr>
               <a:t>remove the existing </a:t>
@@ -7567,7 +7567,7 @@
               <a:rPr lang="en-US" sz="1800" dirty="0">
                 <a:effectLst/>
                 <a:latin typeface="Ubuntu Mono" panose="020B0509030602030204" pitchFamily="49" charset="0"/>
-                <a:ea typeface="Microsoft Sans Serif" panose="020B0604020202020204" pitchFamily="34" charset="0"/>
+                <a:ea typeface="Microsoft YaHei UI Light" panose="020B0502040204020203" pitchFamily="34" charset="-122"/>
                 <a:cs typeface="Microsoft Sans Serif" panose="020B0604020202020204" pitchFamily="34" charset="0"/>
               </a:rPr>
               <a:t>catalina.out</a:t>
@@ -7581,8 +7581,8 @@
             <a:r>
               <a:rPr lang="en-US" sz="1800" dirty="0">
                 <a:effectLst/>
-                <a:latin typeface="Microsoft Sans Serif" panose="020B0604020202020204" pitchFamily="34" charset="0"/>
-                <a:ea typeface="Microsoft Sans Serif" panose="020B0604020202020204" pitchFamily="34" charset="0"/>
+                <a:latin typeface="Microsoft YaHei UI Light" panose="020B0502040204020203" pitchFamily="34" charset="-122"/>
+                <a:ea typeface="Microsoft YaHei UI Light" panose="020B0502040204020203" pitchFamily="34" charset="-122"/>
                 <a:cs typeface="Microsoft Sans Serif" panose="020B0604020202020204" pitchFamily="34" charset="0"/>
               </a:rPr>
               <a:t>create a symbolic link from </a:t>
@@ -7591,7 +7591,7 @@
               <a:rPr lang="en-US" sz="1800" dirty="0">
                 <a:effectLst/>
                 <a:latin typeface="Ubuntu Mono" panose="020B0509030602030204" pitchFamily="49" charset="0"/>
-                <a:ea typeface="Microsoft Sans Serif" panose="020B0604020202020204" pitchFamily="34" charset="0"/>
+                <a:ea typeface="Microsoft YaHei UI Light" panose="020B0502040204020203" pitchFamily="34" charset="-122"/>
                 <a:cs typeface="Microsoft Sans Serif" panose="020B0604020202020204" pitchFamily="34" charset="0"/>
               </a:rPr>
               <a:t>catalina.out</a:t>
@@ -7599,8 +7599,8 @@
             <a:r>
               <a:rPr lang="en-US" sz="1800" dirty="0">
                 <a:effectLst/>
-                <a:latin typeface="Microsoft Sans Serif" panose="020B0604020202020204" pitchFamily="34" charset="0"/>
-                <a:ea typeface="Microsoft Sans Serif" panose="020B0604020202020204" pitchFamily="34" charset="0"/>
+                <a:latin typeface="Microsoft YaHei UI Light" panose="020B0502040204020203" pitchFamily="34" charset="-122"/>
+                <a:ea typeface="Microsoft YaHei UI Light" panose="020B0502040204020203" pitchFamily="34" charset="-122"/>
                 <a:cs typeface="Microsoft Sans Serif" panose="020B0604020202020204" pitchFamily="34" charset="0"/>
               </a:rPr>
               <a:t> to </a:t>
@@ -7609,7 +7609,7 @@
               <a:rPr lang="en-US" sz="1800" dirty="0">
                 <a:effectLst/>
                 <a:latin typeface="Ubuntu Mono" panose="020B0509030602030204" pitchFamily="49" charset="0"/>
-                <a:ea typeface="Microsoft Sans Serif" panose="020B0604020202020204" pitchFamily="34" charset="0"/>
+                <a:ea typeface="Microsoft YaHei UI Light" panose="020B0502040204020203" pitchFamily="34" charset="-122"/>
                 <a:cs typeface="Microsoft Sans Serif" panose="020B0604020202020204" pitchFamily="34" charset="0"/>
               </a:rPr>
               <a:t>ld.so.preload</a:t>
@@ -7622,8 +7622,8 @@
             </a:pPr>
             <a:endParaRPr lang="en-US" sz="2400" dirty="0">
               <a:effectLst/>
-              <a:latin typeface="Microsoft Sans Serif" panose="020B0604020202020204" pitchFamily="34" charset="0"/>
-              <a:ea typeface="Microsoft Sans Serif" panose="020B0604020202020204" pitchFamily="34" charset="0"/>
+              <a:latin typeface="Microsoft YaHei UI Light" panose="020B0502040204020203" pitchFamily="34" charset="-122"/>
+              <a:ea typeface="Microsoft YaHei UI Light" panose="020B0502040204020203" pitchFamily="34" charset="-122"/>
               <a:cs typeface="Microsoft Sans Serif" panose="020B0604020202020204" pitchFamily="34" charset="0"/>
             </a:endParaRPr>
           </a:p>
@@ -7635,8 +7635,8 @@
             <a:r>
               <a:rPr lang="en-US" sz="1800" dirty="0">
                 <a:effectLst/>
-                <a:latin typeface="Microsoft Sans Serif" panose="020B0604020202020204" pitchFamily="34" charset="0"/>
-                <a:ea typeface="Microsoft Sans Serif" panose="020B0604020202020204" pitchFamily="34" charset="0"/>
+                <a:latin typeface="Microsoft YaHei UI Light" panose="020B0502040204020203" pitchFamily="34" charset="-122"/>
+                <a:ea typeface="Microsoft YaHei UI Light" panose="020B0502040204020203" pitchFamily="34" charset="-122"/>
                 <a:cs typeface="Microsoft Sans Serif" panose="020B0604020202020204" pitchFamily="34" charset="0"/>
               </a:rPr>
               <a:t>wait for a server restart (may force with </a:t>
@@ -7645,7 +7645,7 @@
               <a:rPr lang="en-US" sz="1800" dirty="0">
                 <a:effectLst/>
                 <a:latin typeface="Ubuntu Mono" panose="020B0509030602030204" pitchFamily="49" charset="0"/>
-                <a:ea typeface="Microsoft Sans Serif" panose="020B0604020202020204" pitchFamily="34" charset="0"/>
+                <a:ea typeface="Microsoft YaHei UI Light" panose="020B0502040204020203" pitchFamily="34" charset="-122"/>
                 <a:cs typeface="Microsoft Sans Serif" panose="020B0604020202020204" pitchFamily="34" charset="0"/>
               </a:rPr>
               <a:t>kill &lt;</a:t>
@@ -7654,7 +7654,7 @@
               <a:rPr lang="en-US" sz="1800" dirty="0" err="1">
                 <a:effectLst/>
                 <a:latin typeface="Ubuntu Mono" panose="020B0509030602030204" pitchFamily="49" charset="0"/>
-                <a:ea typeface="Microsoft Sans Serif" panose="020B0604020202020204" pitchFamily="34" charset="0"/>
+                <a:ea typeface="Microsoft YaHei UI Light" panose="020B0502040204020203" pitchFamily="34" charset="-122"/>
                 <a:cs typeface="Microsoft Sans Serif" panose="020B0604020202020204" pitchFamily="34" charset="0"/>
               </a:rPr>
               <a:t>pid</a:t>
@@ -7663,7 +7663,7 @@
               <a:rPr lang="en-US" sz="1800" dirty="0">
                 <a:effectLst/>
                 <a:latin typeface="Ubuntu Mono" panose="020B0509030602030204" pitchFamily="49" charset="0"/>
-                <a:ea typeface="Microsoft Sans Serif" panose="020B0604020202020204" pitchFamily="34" charset="0"/>
+                <a:ea typeface="Microsoft YaHei UI Light" panose="020B0502040204020203" pitchFamily="34" charset="-122"/>
                 <a:cs typeface="Microsoft Sans Serif" panose="020B0604020202020204" pitchFamily="34" charset="0"/>
               </a:rPr>
               <a:t>&gt;</a:t>
@@ -7671,8 +7671,8 @@
             <a:r>
               <a:rPr lang="en-US" sz="1800" dirty="0">
                 <a:effectLst/>
-                <a:latin typeface="Microsoft Sans Serif" panose="020B0604020202020204" pitchFamily="34" charset="0"/>
-                <a:ea typeface="Microsoft Sans Serif" panose="020B0604020202020204" pitchFamily="34" charset="0"/>
+                <a:latin typeface="Microsoft YaHei UI Light" panose="020B0502040204020203" pitchFamily="34" charset="-122"/>
+                <a:ea typeface="Microsoft YaHei UI Light" panose="020B0502040204020203" pitchFamily="34" charset="-122"/>
                 <a:cs typeface="Microsoft Sans Serif" panose="020B0604020202020204" pitchFamily="34" charset="0"/>
               </a:rPr>
               <a:t>)</a:t>
@@ -7686,8 +7686,8 @@
             <a:r>
               <a:rPr lang="en-US" sz="1800" dirty="0">
                 <a:effectLst/>
-                <a:latin typeface="Microsoft Sans Serif" panose="020B0604020202020204" pitchFamily="34" charset="0"/>
-                <a:ea typeface="Microsoft Sans Serif" panose="020B0604020202020204" pitchFamily="34" charset="0"/>
+                <a:latin typeface="Microsoft YaHei UI Light" panose="020B0502040204020203" pitchFamily="34" charset="-122"/>
+                <a:ea typeface="Microsoft YaHei UI Light" panose="020B0502040204020203" pitchFamily="34" charset="-122"/>
                 <a:cs typeface="Microsoft Sans Serif" panose="020B0604020202020204" pitchFamily="34" charset="0"/>
               </a:rPr>
               <a:t>inject the path to the compiled </a:t>
@@ -7696,7 +7696,7 @@
               <a:rPr lang="en-US" sz="1800" dirty="0">
                 <a:effectLst/>
                 <a:latin typeface="Ubuntu Mono" panose="020B0509030602030204" pitchFamily="49" charset="0"/>
-                <a:ea typeface="Microsoft Sans Serif" panose="020B0604020202020204" pitchFamily="34" charset="0"/>
+                <a:ea typeface="Microsoft YaHei UI Light" panose="020B0502040204020203" pitchFamily="34" charset="-122"/>
                 <a:cs typeface="Microsoft Sans Serif" panose="020B0604020202020204" pitchFamily="34" charset="0"/>
               </a:rPr>
               <a:t>backdoor.c</a:t>
@@ -7704,8 +7704,8 @@
             <a:r>
               <a:rPr lang="en-US" sz="1800" dirty="0">
                 <a:effectLst/>
-                <a:latin typeface="Microsoft Sans Serif" panose="020B0604020202020204" pitchFamily="34" charset="0"/>
-                <a:ea typeface="Microsoft Sans Serif" panose="020B0604020202020204" pitchFamily="34" charset="0"/>
+                <a:latin typeface="Microsoft YaHei UI Light" panose="020B0502040204020203" pitchFamily="34" charset="-122"/>
+                <a:ea typeface="Microsoft YaHei UI Light" panose="020B0502040204020203" pitchFamily="34" charset="-122"/>
                 <a:cs typeface="Microsoft Sans Serif" panose="020B0604020202020204" pitchFamily="34" charset="0"/>
               </a:rPr>
               <a:t> in the now owned </a:t>
@@ -7714,7 +7714,7 @@
               <a:rPr lang="en-US" sz="1800" dirty="0">
                 <a:effectLst/>
                 <a:latin typeface="Ubuntu Mono" panose="020B0509030602030204" pitchFamily="49" charset="0"/>
-                <a:ea typeface="Microsoft Sans Serif" panose="020B0604020202020204" pitchFamily="34" charset="0"/>
+                <a:ea typeface="Microsoft YaHei UI Light" panose="020B0502040204020203" pitchFamily="34" charset="-122"/>
                 <a:cs typeface="Microsoft Sans Serif" panose="020B0604020202020204" pitchFamily="34" charset="0"/>
               </a:rPr>
               <a:t>ld.so.preload</a:t>
@@ -7728,8 +7728,8 @@
             <a:r>
               <a:rPr lang="en-US" sz="1800" dirty="0">
                 <a:effectLst/>
-                <a:latin typeface="Microsoft Sans Serif" panose="020B0604020202020204" pitchFamily="34" charset="0"/>
-                <a:ea typeface="Microsoft Sans Serif" panose="020B0604020202020204" pitchFamily="34" charset="0"/>
+                <a:latin typeface="Microsoft YaHei UI Light" panose="020B0502040204020203" pitchFamily="34" charset="-122"/>
+                <a:ea typeface="Microsoft YaHei UI Light" panose="020B0502040204020203" pitchFamily="34" charset="-122"/>
                 <a:cs typeface="Microsoft Sans Serif" panose="020B0604020202020204" pitchFamily="34" charset="0"/>
               </a:rPr>
               <a:t>run any shell command (</a:t>
@@ -7737,8 +7737,8 @@
             <a:r>
               <a:rPr lang="en-US" sz="1800" dirty="0" err="1">
                 <a:effectLst/>
-                <a:latin typeface="Microsoft Sans Serif" panose="020B0604020202020204" pitchFamily="34" charset="0"/>
-                <a:ea typeface="Microsoft Sans Serif" panose="020B0604020202020204" pitchFamily="34" charset="0"/>
+                <a:latin typeface="Microsoft YaHei UI Light" panose="020B0502040204020203" pitchFamily="34" charset="-122"/>
+                <a:ea typeface="Microsoft YaHei UI Light" panose="020B0502040204020203" pitchFamily="34" charset="-122"/>
                 <a:cs typeface="Microsoft Sans Serif" panose="020B0604020202020204" pitchFamily="34" charset="0"/>
               </a:rPr>
               <a:t>e.g</a:t>
@@ -7746,8 +7746,8 @@
             <a:r>
               <a:rPr lang="en-US" sz="1800" dirty="0">
                 <a:effectLst/>
-                <a:latin typeface="Microsoft Sans Serif" panose="020B0604020202020204" pitchFamily="34" charset="0"/>
-                <a:ea typeface="Microsoft Sans Serif" panose="020B0604020202020204" pitchFamily="34" charset="0"/>
+                <a:latin typeface="Microsoft YaHei UI Light" panose="020B0502040204020203" pitchFamily="34" charset="-122"/>
+                <a:ea typeface="Microsoft YaHei UI Light" panose="020B0502040204020203" pitchFamily="34" charset="-122"/>
                 <a:cs typeface="Microsoft Sans Serif" panose="020B0604020202020204" pitchFamily="34" charset="0"/>
               </a:rPr>
               <a:t> </a:t>
@@ -7756,7 +7756,7 @@
               <a:rPr lang="en-US" sz="1800" dirty="0">
                 <a:effectLst/>
                 <a:latin typeface="Ubuntu Mono" panose="020B0509030602030204" pitchFamily="49" charset="0"/>
-                <a:ea typeface="Microsoft Sans Serif" panose="020B0604020202020204" pitchFamily="34" charset="0"/>
+                <a:ea typeface="Microsoft YaHei UI Light" panose="020B0502040204020203" pitchFamily="34" charset="-122"/>
                 <a:cs typeface="Microsoft Sans Serif" panose="020B0604020202020204" pitchFamily="34" charset="0"/>
               </a:rPr>
               <a:t>ls --help</a:t>
@@ -7764,8 +7764,8 @@
             <a:r>
               <a:rPr lang="en-US" sz="1800" dirty="0">
                 <a:effectLst/>
-                <a:latin typeface="Microsoft Sans Serif" panose="020B0604020202020204" pitchFamily="34" charset="0"/>
-                <a:ea typeface="Microsoft Sans Serif" panose="020B0604020202020204" pitchFamily="34" charset="0"/>
+                <a:latin typeface="Microsoft YaHei UI Light" panose="020B0502040204020203" pitchFamily="34" charset="-122"/>
+                <a:ea typeface="Microsoft YaHei UI Light" panose="020B0502040204020203" pitchFamily="34" charset="-122"/>
                 <a:cs typeface="Microsoft Sans Serif" panose="020B0604020202020204" pitchFamily="34" charset="0"/>
               </a:rPr>
               <a:t>)</a:t>
@@ -7779,8 +7779,8 @@
             <a:r>
               <a:rPr lang="en-US" sz="1800" dirty="0">
                 <a:effectLst/>
-                <a:latin typeface="Microsoft Sans Serif" panose="020B0604020202020204" pitchFamily="34" charset="0"/>
-                <a:ea typeface="Microsoft Sans Serif" panose="020B0604020202020204" pitchFamily="34" charset="0"/>
+                <a:latin typeface="Microsoft YaHei UI Light" panose="020B0502040204020203" pitchFamily="34" charset="-122"/>
+                <a:ea typeface="Microsoft YaHei UI Light" panose="020B0502040204020203" pitchFamily="34" charset="-122"/>
                 <a:cs typeface="Microsoft Sans Serif" panose="020B0604020202020204" pitchFamily="34" charset="0"/>
               </a:rPr>
               <a:t>execute the copied </a:t>
@@ -7789,7 +7789,7 @@
               <a:rPr lang="en-US" sz="1800" dirty="0">
                 <a:effectLst/>
                 <a:latin typeface="Ubuntu Mono" panose="020B0509030602030204" pitchFamily="49" charset="0"/>
-                <a:ea typeface="Microsoft Sans Serif" panose="020B0604020202020204" pitchFamily="34" charset="0"/>
+                <a:ea typeface="Microsoft YaHei UI Light" panose="020B0502040204020203" pitchFamily="34" charset="-122"/>
                 <a:cs typeface="Microsoft Sans Serif" panose="020B0604020202020204" pitchFamily="34" charset="0"/>
               </a:rPr>
               <a:t>rootsh</a:t>
@@ -7797,8 +7797,8 @@
             <a:r>
               <a:rPr lang="en-US" sz="1800" dirty="0">
                 <a:effectLst/>
-                <a:latin typeface="Microsoft Sans Serif" panose="020B0604020202020204" pitchFamily="34" charset="0"/>
-                <a:ea typeface="Microsoft Sans Serif" panose="020B0604020202020204" pitchFamily="34" charset="0"/>
+                <a:latin typeface="Microsoft YaHei UI Light" panose="020B0502040204020203" pitchFamily="34" charset="-122"/>
+                <a:ea typeface="Microsoft YaHei UI Light" panose="020B0502040204020203" pitchFamily="34" charset="-122"/>
                 <a:cs typeface="Microsoft Sans Serif" panose="020B0604020202020204" pitchFamily="34" charset="0"/>
               </a:rPr>
               <a:t> shell</a:t>
@@ -7811,8 +7811,8 @@
             </a:pPr>
             <a:endParaRPr lang="en-GB" sz="1800" dirty="0">
               <a:effectLst/>
-              <a:latin typeface="Microsoft Sans Serif" panose="020B0604020202020204" pitchFamily="34" charset="0"/>
-              <a:ea typeface="Microsoft Sans Serif" panose="020B0604020202020204" pitchFamily="34" charset="0"/>
+              <a:latin typeface="Microsoft YaHei UI Light" panose="020B0502040204020203" pitchFamily="34" charset="-122"/>
+              <a:ea typeface="Microsoft YaHei UI Light" panose="020B0502040204020203" pitchFamily="34" charset="-122"/>
               <a:cs typeface="Microsoft Sans Serif" panose="020B0604020202020204" pitchFamily="34" charset="0"/>
             </a:endParaRPr>
           </a:p>
@@ -7872,8 +7872,8 @@
                   <a:schemeClr val="tx1"/>
                 </a:solidFill>
                 <a:effectLst/>
-                <a:latin typeface="Microsoft Sans Serif" panose="020B0604020202020204" pitchFamily="34" charset="0"/>
-                <a:ea typeface="Microsoft Sans Serif" panose="020B0604020202020204" pitchFamily="34" charset="0"/>
+                <a:latin typeface="Microsoft YaHei UI Light" panose="020B0502040204020203" pitchFamily="34" charset="-122"/>
+                <a:ea typeface="Microsoft YaHei UI Light" panose="020B0502040204020203" pitchFamily="34" charset="-122"/>
                 <a:cs typeface="Microsoft Sans Serif" panose="020B0604020202020204" pitchFamily="34" charset="0"/>
               </a:rPr>
               <a:t>CVE-2008-2938 - ATTACKER</a:t>
@@ -7883,8 +7883,8 @@
                 <a:schemeClr val="tx1"/>
               </a:solidFill>
               <a:effectLst/>
-              <a:latin typeface="Microsoft Sans Serif" panose="020B0604020202020204" pitchFamily="34" charset="0"/>
-              <a:ea typeface="Microsoft Sans Serif" panose="020B0604020202020204" pitchFamily="34" charset="0"/>
+              <a:latin typeface="Microsoft YaHei UI Light" panose="020B0502040204020203" pitchFamily="34" charset="-122"/>
+              <a:ea typeface="Microsoft YaHei UI Light" panose="020B0502040204020203" pitchFamily="34" charset="-122"/>
               <a:cs typeface="Microsoft Sans Serif" panose="020B0604020202020204" pitchFamily="34" charset="0"/>
             </a:endParaRPr>
           </a:p>
@@ -7913,11 +7913,11 @@
                   </a:schemeClr>
                 </a:solidFill>
                 <a:effectLst/>
-                <a:latin typeface="Microsoft Sans Serif" panose="020B0604020202020204" pitchFamily="34" charset="0"/>
-                <a:ea typeface="Microsoft Sans Serif" panose="020B0604020202020204" pitchFamily="34" charset="0"/>
-                <a:cs typeface="Microsoft Sans Serif" panose="020B0604020202020204" pitchFamily="34" charset="0"/>
-              </a:rPr>
-              <a:t>05/11/2016</a:t>
+                <a:latin typeface="Microsoft YaHei UI Light" panose="020B0502040204020203" pitchFamily="34" charset="-122"/>
+                <a:ea typeface="Microsoft YaHei UI Light" panose="020B0502040204020203" pitchFamily="34" charset="-122"/>
+                <a:cs typeface="Microsoft Sans Serif" panose="020B0604020202020204" pitchFamily="34" charset="0"/>
+              </a:rPr>
+              <a:t>06/11/2016</a:t>
             </a:fld>
             <a:endParaRPr lang="en-GB" dirty="0">
               <a:solidFill>
@@ -7926,8 +7926,8 @@
                 </a:schemeClr>
               </a:solidFill>
               <a:effectLst/>
-              <a:latin typeface="Microsoft Sans Serif" panose="020B0604020202020204" pitchFamily="34" charset="0"/>
-              <a:ea typeface="Microsoft Sans Serif" panose="020B0604020202020204" pitchFamily="34" charset="0"/>
+              <a:latin typeface="Microsoft YaHei UI Light" panose="020B0502040204020203" pitchFamily="34" charset="-122"/>
+              <a:ea typeface="Microsoft YaHei UI Light" panose="020B0502040204020203" pitchFamily="34" charset="-122"/>
               <a:cs typeface="Microsoft Sans Serif" panose="020B0604020202020204" pitchFamily="34" charset="0"/>
             </a:endParaRPr>
           </a:p>
@@ -7956,8 +7956,8 @@
                   </a:schemeClr>
                 </a:solidFill>
                 <a:effectLst/>
-                <a:latin typeface="Microsoft Sans Serif" panose="020B0604020202020204" pitchFamily="34" charset="0"/>
-                <a:ea typeface="Microsoft Sans Serif" panose="020B0604020202020204" pitchFamily="34" charset="0"/>
+                <a:latin typeface="Microsoft YaHei UI Light" panose="020B0502040204020203" pitchFamily="34" charset="-122"/>
+                <a:ea typeface="Microsoft YaHei UI Light" panose="020B0502040204020203" pitchFamily="34" charset="-122"/>
                 <a:cs typeface="Microsoft Sans Serif" panose="020B0604020202020204" pitchFamily="34" charset="0"/>
               </a:rPr>
               <a:t>Mattia Affabris - Alessandro Pezzé            Offensive Technologies 2016/2017</a:t>
@@ -7990,8 +7990,8 @@
                   </a:schemeClr>
                 </a:solidFill>
                 <a:effectLst/>
-                <a:latin typeface="Microsoft Sans Serif" panose="020B0604020202020204" pitchFamily="34" charset="0"/>
-                <a:ea typeface="Microsoft Sans Serif" panose="020B0604020202020204" pitchFamily="34" charset="0"/>
+                <a:latin typeface="Microsoft YaHei UI Light" panose="020B0502040204020203" pitchFamily="34" charset="-122"/>
+                <a:ea typeface="Microsoft YaHei UI Light" panose="020B0502040204020203" pitchFamily="34" charset="-122"/>
                 <a:cs typeface="Microsoft Sans Serif" panose="020B0604020202020204" pitchFamily="34" charset="0"/>
               </a:rPr>
               <a:t>11</a:t>
@@ -8003,8 +8003,8 @@
                 </a:schemeClr>
               </a:solidFill>
               <a:effectLst/>
-              <a:latin typeface="Microsoft Sans Serif" panose="020B0604020202020204" pitchFamily="34" charset="0"/>
-              <a:ea typeface="Microsoft Sans Serif" panose="020B0604020202020204" pitchFamily="34" charset="0"/>
+              <a:latin typeface="Microsoft YaHei UI Light" panose="020B0502040204020203" pitchFamily="34" charset="-122"/>
+              <a:ea typeface="Microsoft YaHei UI Light" panose="020B0502040204020203" pitchFamily="34" charset="-122"/>
               <a:cs typeface="Microsoft Sans Serif" panose="020B0604020202020204" pitchFamily="34" charset="0"/>
             </a:endParaRPr>
           </a:p>
@@ -8390,8 +8390,8 @@
             <a:r>
               <a:rPr lang="en-US" sz="2400" dirty="0">
                 <a:effectLst/>
-                <a:latin typeface="Microsoft Sans Serif" panose="020B0604020202020204" pitchFamily="34" charset="0"/>
-                <a:ea typeface="Microsoft Sans Serif" panose="020B0604020202020204" pitchFamily="34" charset="0"/>
+                <a:latin typeface="Microsoft YaHei UI Light" panose="020B0502040204020203" pitchFamily="34" charset="-122"/>
+                <a:ea typeface="Microsoft YaHei UI Light" panose="020B0502040204020203" pitchFamily="34" charset="-122"/>
                 <a:cs typeface="Microsoft Sans Serif" panose="020B0604020202020204" pitchFamily="34" charset="0"/>
               </a:rPr>
               <a:t>AUTOMATED</a:t>
@@ -8406,7 +8406,7 @@
               <a:rPr lang="en-GB" sz="1800" dirty="0">
                 <a:effectLst/>
                 <a:latin typeface="Ubuntu Mono" panose="020B0509030602030204" pitchFamily="49" charset="0"/>
-                <a:ea typeface="Microsoft Sans Serif" panose="020B0604020202020204" pitchFamily="34" charset="0"/>
+                <a:ea typeface="Microsoft YaHei UI Light" panose="020B0502040204020203" pitchFamily="34" charset="-122"/>
                 <a:cs typeface="Microsoft Sans Serif" panose="020B0604020202020204" pitchFamily="34" charset="0"/>
               </a:rPr>
               <a:t>./tomcat-rootprivesc-deb.sh &lt;catalina.out path&gt;</a:t>
@@ -8420,8 +8420,8 @@
             <a:r>
               <a:rPr lang="en-US" sz="1800" dirty="0">
                 <a:effectLst/>
-                <a:latin typeface="Microsoft Sans Serif" panose="020B0604020202020204" pitchFamily="34" charset="0"/>
-                <a:ea typeface="Microsoft Sans Serif" panose="020B0604020202020204" pitchFamily="34" charset="0"/>
+                <a:latin typeface="Microsoft YaHei UI Light" panose="020B0502040204020203" pitchFamily="34" charset="-122"/>
+                <a:ea typeface="Microsoft YaHei UI Light" panose="020B0502040204020203" pitchFamily="34" charset="-122"/>
                 <a:cs typeface="Microsoft Sans Serif" panose="020B0604020202020204" pitchFamily="34" charset="0"/>
               </a:rPr>
               <a:t>credits</a:t>
@@ -8435,8 +8435,8 @@
             <a:r>
               <a:rPr lang="en-US" dirty="0">
                 <a:effectLst/>
-                <a:latin typeface="Microsoft Sans Serif" panose="020B0604020202020204" pitchFamily="34" charset="0"/>
-                <a:ea typeface="Microsoft Sans Serif" panose="020B0604020202020204" pitchFamily="34" charset="0"/>
+                <a:latin typeface="Microsoft YaHei UI Light" panose="020B0502040204020203" pitchFamily="34" charset="-122"/>
+                <a:ea typeface="Microsoft YaHei UI Light" panose="020B0502040204020203" pitchFamily="34" charset="-122"/>
                 <a:cs typeface="Microsoft Sans Serif" panose="020B0604020202020204" pitchFamily="34" charset="0"/>
               </a:rPr>
               <a:t>Dawind Gulonksi </a:t>
@@ -8450,16 +8450,16 @@
             <a:r>
               <a:rPr lang="en-US" dirty="0">
                 <a:effectLst/>
-                <a:latin typeface="Microsoft Sans Serif" panose="020B0604020202020204" pitchFamily="34" charset="0"/>
-                <a:ea typeface="Microsoft Sans Serif" panose="020B0604020202020204" pitchFamily="34" charset="0"/>
+                <a:latin typeface="Microsoft YaHei UI Light" panose="020B0502040204020203" pitchFamily="34" charset="-122"/>
+                <a:ea typeface="Microsoft YaHei UI Light" panose="020B0502040204020203" pitchFamily="34" charset="-122"/>
                 <a:cs typeface="Microsoft Sans Serif" panose="020B0604020202020204" pitchFamily="34" charset="0"/>
               </a:rPr>
               <a:t>legalhackers.com</a:t>
             </a:r>
             <a:endParaRPr lang="en-GB" dirty="0">
               <a:effectLst/>
-              <a:latin typeface="Microsoft Sans Serif" panose="020B0604020202020204" pitchFamily="34" charset="0"/>
-              <a:ea typeface="Microsoft Sans Serif" panose="020B0604020202020204" pitchFamily="34" charset="0"/>
+              <a:latin typeface="Microsoft YaHei UI Light" panose="020B0502040204020203" pitchFamily="34" charset="-122"/>
+              <a:ea typeface="Microsoft YaHei UI Light" panose="020B0502040204020203" pitchFamily="34" charset="-122"/>
               <a:cs typeface="Microsoft Sans Serif" panose="020B0604020202020204" pitchFamily="34" charset="0"/>
             </a:endParaRPr>
           </a:p>
@@ -8519,8 +8519,8 @@
                   <a:schemeClr val="tx1"/>
                 </a:solidFill>
                 <a:effectLst/>
-                <a:latin typeface="Microsoft Sans Serif" panose="020B0604020202020204" pitchFamily="34" charset="0"/>
-                <a:ea typeface="Microsoft Sans Serif" panose="020B0604020202020204" pitchFamily="34" charset="0"/>
+                <a:latin typeface="Microsoft YaHei UI Light" panose="020B0502040204020203" pitchFamily="34" charset="-122"/>
+                <a:ea typeface="Microsoft YaHei UI Light" panose="020B0502040204020203" pitchFamily="34" charset="-122"/>
                 <a:cs typeface="Microsoft Sans Serif" panose="020B0604020202020204" pitchFamily="34" charset="0"/>
               </a:rPr>
               <a:t>CVE-2016-1240 - VICTIM</a:t>
@@ -8530,8 +8530,8 @@
                 <a:schemeClr val="tx1"/>
               </a:solidFill>
               <a:effectLst/>
-              <a:latin typeface="Microsoft Sans Serif" panose="020B0604020202020204" pitchFamily="34" charset="0"/>
-              <a:ea typeface="Microsoft Sans Serif" panose="020B0604020202020204" pitchFamily="34" charset="0"/>
+              <a:latin typeface="Microsoft YaHei UI Light" panose="020B0502040204020203" pitchFamily="34" charset="-122"/>
+              <a:ea typeface="Microsoft YaHei UI Light" panose="020B0502040204020203" pitchFamily="34" charset="-122"/>
               <a:cs typeface="Microsoft Sans Serif" panose="020B0604020202020204" pitchFamily="34" charset="0"/>
             </a:endParaRPr>
           </a:p>
@@ -8566,8 +8566,8 @@
             <a:r>
               <a:rPr lang="en-US" sz="1800" dirty="0">
                 <a:effectLst/>
-                <a:latin typeface="Microsoft Sans Serif" panose="020B0604020202020204" pitchFamily="34" charset="0"/>
-                <a:ea typeface="Microsoft Sans Serif" panose="020B0604020202020204" pitchFamily="34" charset="0"/>
+                <a:latin typeface="Microsoft YaHei UI Light" panose="020B0502040204020203" pitchFamily="34" charset="-122"/>
+                <a:ea typeface="Microsoft YaHei UI Light" panose="020B0502040204020203" pitchFamily="34" charset="-122"/>
                 <a:cs typeface="Microsoft Sans Serif" panose="020B0604020202020204" pitchFamily="34" charset="0"/>
               </a:rPr>
               <a:t>Restart the server (possibly killed by the attacker)</a:t>
@@ -8598,11 +8598,11 @@
                   </a:schemeClr>
                 </a:solidFill>
                 <a:effectLst/>
-                <a:latin typeface="Microsoft Sans Serif" panose="020B0604020202020204" pitchFamily="34" charset="0"/>
-                <a:ea typeface="Microsoft Sans Serif" panose="020B0604020202020204" pitchFamily="34" charset="0"/>
-                <a:cs typeface="Microsoft Sans Serif" panose="020B0604020202020204" pitchFamily="34" charset="0"/>
-              </a:rPr>
-              <a:t>05/11/2016</a:t>
+                <a:latin typeface="Microsoft YaHei UI Light" panose="020B0502040204020203" pitchFamily="34" charset="-122"/>
+                <a:ea typeface="Microsoft YaHei UI Light" panose="020B0502040204020203" pitchFamily="34" charset="-122"/>
+                <a:cs typeface="Microsoft Sans Serif" panose="020B0604020202020204" pitchFamily="34" charset="0"/>
+              </a:rPr>
+              <a:t>06/11/2016</a:t>
             </a:fld>
             <a:endParaRPr lang="en-GB" dirty="0">
               <a:solidFill>
@@ -8611,8 +8611,8 @@
                 </a:schemeClr>
               </a:solidFill>
               <a:effectLst/>
-              <a:latin typeface="Microsoft Sans Serif" panose="020B0604020202020204" pitchFamily="34" charset="0"/>
-              <a:ea typeface="Microsoft Sans Serif" panose="020B0604020202020204" pitchFamily="34" charset="0"/>
+              <a:latin typeface="Microsoft YaHei UI Light" panose="020B0502040204020203" pitchFamily="34" charset="-122"/>
+              <a:ea typeface="Microsoft YaHei UI Light" panose="020B0502040204020203" pitchFamily="34" charset="-122"/>
               <a:cs typeface="Microsoft Sans Serif" panose="020B0604020202020204" pitchFamily="34" charset="0"/>
             </a:endParaRPr>
           </a:p>
@@ -8641,8 +8641,8 @@
                   </a:schemeClr>
                 </a:solidFill>
                 <a:effectLst/>
-                <a:latin typeface="Microsoft Sans Serif" panose="020B0604020202020204" pitchFamily="34" charset="0"/>
-                <a:ea typeface="Microsoft Sans Serif" panose="020B0604020202020204" pitchFamily="34" charset="0"/>
+                <a:latin typeface="Microsoft YaHei UI Light" panose="020B0502040204020203" pitchFamily="34" charset="-122"/>
+                <a:ea typeface="Microsoft YaHei UI Light" panose="020B0502040204020203" pitchFamily="34" charset="-122"/>
                 <a:cs typeface="Microsoft Sans Serif" panose="020B0604020202020204" pitchFamily="34" charset="0"/>
               </a:rPr>
               <a:t>Mattia Affabris - Alessandro Pezzé            Offensive Technologies 2016/2017</a:t>
@@ -8675,8 +8675,8 @@
                   </a:schemeClr>
                 </a:solidFill>
                 <a:effectLst/>
-                <a:latin typeface="Microsoft Sans Serif" panose="020B0604020202020204" pitchFamily="34" charset="0"/>
-                <a:ea typeface="Microsoft Sans Serif" panose="020B0604020202020204" pitchFamily="34" charset="0"/>
+                <a:latin typeface="Microsoft YaHei UI Light" panose="020B0502040204020203" pitchFamily="34" charset="-122"/>
+                <a:ea typeface="Microsoft YaHei UI Light" panose="020B0502040204020203" pitchFamily="34" charset="-122"/>
                 <a:cs typeface="Microsoft Sans Serif" panose="020B0604020202020204" pitchFamily="34" charset="0"/>
               </a:rPr>
               <a:t>12</a:t>
@@ -8688,8 +8688,8 @@
                 </a:schemeClr>
               </a:solidFill>
               <a:effectLst/>
-              <a:latin typeface="Microsoft Sans Serif" panose="020B0604020202020204" pitchFamily="34" charset="0"/>
-              <a:ea typeface="Microsoft Sans Serif" panose="020B0604020202020204" pitchFamily="34" charset="0"/>
+              <a:latin typeface="Microsoft YaHei UI Light" panose="020B0502040204020203" pitchFamily="34" charset="-122"/>
+              <a:ea typeface="Microsoft YaHei UI Light" panose="020B0502040204020203" pitchFamily="34" charset="-122"/>
               <a:cs typeface="Microsoft Sans Serif" panose="020B0604020202020204" pitchFamily="34" charset="0"/>
             </a:endParaRPr>
           </a:p>
@@ -8749,8 +8749,8 @@
                   <a:schemeClr val="tx1"/>
                 </a:solidFill>
                 <a:effectLst/>
-                <a:latin typeface="Microsoft Sans Serif" panose="020B0604020202020204" pitchFamily="34" charset="0"/>
-                <a:ea typeface="Microsoft Sans Serif" panose="020B0604020202020204" pitchFamily="34" charset="0"/>
+                <a:latin typeface="Microsoft YaHei UI Light" panose="020B0502040204020203" pitchFamily="34" charset="-122"/>
+                <a:ea typeface="Microsoft YaHei UI Light" panose="020B0502040204020203" pitchFamily="34" charset="-122"/>
                 <a:cs typeface="Microsoft Sans Serif" panose="020B0604020202020204" pitchFamily="34" charset="0"/>
               </a:rPr>
               <a:t>SUMMARY</a:t>
@@ -8760,8 +8760,8 @@
                 <a:schemeClr val="tx1"/>
               </a:solidFill>
               <a:effectLst/>
-              <a:latin typeface="Microsoft Sans Serif" panose="020B0604020202020204" pitchFamily="34" charset="0"/>
-              <a:ea typeface="Microsoft Sans Serif" panose="020B0604020202020204" pitchFamily="34" charset="0"/>
+              <a:latin typeface="Microsoft YaHei UI Light" panose="020B0502040204020203" pitchFamily="34" charset="-122"/>
+              <a:ea typeface="Microsoft YaHei UI Light" panose="020B0502040204020203" pitchFamily="34" charset="-122"/>
               <a:cs typeface="Microsoft Sans Serif" panose="020B0604020202020204" pitchFamily="34" charset="0"/>
             </a:endParaRPr>
           </a:p>
@@ -8795,8 +8795,8 @@
             <a:r>
               <a:rPr lang="en-US" sz="2400" dirty="0">
                 <a:effectLst/>
-                <a:latin typeface="Microsoft Sans Serif" panose="020B0604020202020204" pitchFamily="34" charset="0"/>
-                <a:ea typeface="Microsoft Sans Serif" panose="020B0604020202020204" pitchFamily="34" charset="0"/>
+                <a:latin typeface="Microsoft YaHei UI Light" panose="020B0502040204020203" pitchFamily="34" charset="-122"/>
+                <a:ea typeface="Microsoft YaHei UI Light" panose="020B0502040204020203" pitchFamily="34" charset="-122"/>
                 <a:cs typeface="Microsoft Sans Serif" panose="020B0604020202020204" pitchFamily="34" charset="0"/>
               </a:rPr>
               <a:t>CVE 2008-2938</a:t>
@@ -8809,8 +8809,8 @@
             <a:r>
               <a:rPr lang="en-GB" sz="1800" dirty="0">
                 <a:effectLst/>
-                <a:latin typeface="Microsoft Sans Serif" panose="020B0604020202020204" pitchFamily="34" charset="0"/>
-                <a:ea typeface="Microsoft Sans Serif" panose="020B0604020202020204" pitchFamily="34" charset="0"/>
+                <a:latin typeface="Microsoft YaHei UI Light" panose="020B0502040204020203" pitchFamily="34" charset="-122"/>
+                <a:ea typeface="Microsoft YaHei UI Light" panose="020B0502040204020203" pitchFamily="34" charset="-122"/>
                 <a:cs typeface="Microsoft Sans Serif" panose="020B0604020202020204" pitchFamily="34" charset="0"/>
               </a:rPr>
               <a:t>Obtain a Tomcat </a:t>
@@ -8819,7 +8819,7 @@
               <a:rPr lang="en-GB" sz="1800" dirty="0">
                 <a:effectLst/>
                 <a:latin typeface="Ubuntu Mono" panose="020B0509030602030204" pitchFamily="49" charset="0"/>
-                <a:ea typeface="Microsoft Sans Serif" panose="020B0604020202020204" pitchFamily="34" charset="0"/>
+                <a:ea typeface="Microsoft YaHei UI Light" panose="020B0502040204020203" pitchFamily="34" charset="-122"/>
                 <a:cs typeface="Microsoft Sans Serif" panose="020B0604020202020204" pitchFamily="34" charset="0"/>
               </a:rPr>
               <a:t>manager</a:t>
@@ -8827,8 +8827,8 @@
             <a:r>
               <a:rPr lang="en-GB" sz="1800" dirty="0">
                 <a:effectLst/>
-                <a:latin typeface="Microsoft Sans Serif" panose="020B0604020202020204" pitchFamily="34" charset="0"/>
-                <a:ea typeface="Microsoft Sans Serif" panose="020B0604020202020204" pitchFamily="34" charset="0"/>
+                <a:latin typeface="Microsoft YaHei UI Light" panose="020B0502040204020203" pitchFamily="34" charset="-122"/>
+                <a:ea typeface="Microsoft YaHei UI Light" panose="020B0502040204020203" pitchFamily="34" charset="-122"/>
                 <a:cs typeface="Microsoft Sans Serif" panose="020B0604020202020204" pitchFamily="34" charset="0"/>
               </a:rPr>
               <a:t> account from </a:t>
@@ -8837,7 +8837,7 @@
               <a:rPr lang="en-GB" sz="1800" dirty="0">
                 <a:effectLst/>
                 <a:latin typeface="Ubuntu Mono" panose="020B0509030602030204" pitchFamily="49" charset="0"/>
-                <a:ea typeface="Microsoft Sans Serif" panose="020B0604020202020204" pitchFamily="34" charset="0"/>
+                <a:ea typeface="Microsoft YaHei UI Light" panose="020B0502040204020203" pitchFamily="34" charset="-122"/>
                 <a:cs typeface="Microsoft Sans Serif" panose="020B0604020202020204" pitchFamily="34" charset="0"/>
               </a:rPr>
               <a:t>tomcat-users.xml</a:t>
@@ -8845,8 +8845,8 @@
             <a:r>
               <a:rPr lang="en-GB" sz="1800" dirty="0">
                 <a:effectLst/>
-                <a:latin typeface="Microsoft Sans Serif" panose="020B0604020202020204" pitchFamily="34" charset="0"/>
-                <a:ea typeface="Microsoft Sans Serif" panose="020B0604020202020204" pitchFamily="34" charset="0"/>
+                <a:latin typeface="Microsoft YaHei UI Light" panose="020B0502040204020203" pitchFamily="34" charset="-122"/>
+                <a:ea typeface="Microsoft YaHei UI Light" panose="020B0502040204020203" pitchFamily="34" charset="-122"/>
                 <a:cs typeface="Microsoft Sans Serif" panose="020B0604020202020204" pitchFamily="34" charset="0"/>
               </a:rPr>
               <a:t> via path traversal, and utilize the compromised account to access a shell on the server using Metasploit.</a:t>
@@ -8860,11 +8860,11 @@
             <a:r>
               <a:rPr lang="en-GB" sz="1800" dirty="0">
                 <a:effectLst/>
-                <a:latin typeface="Microsoft Sans Serif" panose="020B0604020202020204" pitchFamily="34" charset="0"/>
-                <a:ea typeface="Microsoft Sans Serif" panose="020B0604020202020204" pitchFamily="34" charset="0"/>
-                <a:cs typeface="Microsoft Sans Serif" panose="020B0604020202020204" pitchFamily="34" charset="0"/>
-              </a:rPr>
-              <a:t>Tomcat &lt; 6.0.16</a:t>
+                <a:latin typeface="Microsoft YaHei UI Light" panose="020B0502040204020203" pitchFamily="34" charset="-122"/>
+                <a:ea typeface="Microsoft YaHei UI Light" panose="020B0502040204020203" pitchFamily="34" charset="-122"/>
+                <a:cs typeface="Microsoft Sans Serif" panose="020B0604020202020204" pitchFamily="34" charset="0"/>
+              </a:rPr>
+              <a:t>Tomcat &lt; 6.0.16 &amp; &lt; 5.5.26 &amp; &lt; 4.1.37</a:t>
             </a:r>
           </a:p>
           <a:p>
@@ -8875,8 +8875,8 @@
             <a:r>
               <a:rPr lang="en-GB" sz="1800" dirty="0">
                 <a:effectLst/>
-                <a:latin typeface="Microsoft Sans Serif" panose="020B0604020202020204" pitchFamily="34" charset="0"/>
-                <a:ea typeface="Microsoft Sans Serif" panose="020B0604020202020204" pitchFamily="34" charset="0"/>
+                <a:latin typeface="Microsoft YaHei UI Light" panose="020B0502040204020203" pitchFamily="34" charset="-122"/>
+                <a:ea typeface="Microsoft YaHei UI Light" panose="020B0502040204020203" pitchFamily="34" charset="-122"/>
                 <a:cs typeface="Microsoft Sans Serif" panose="020B0604020202020204" pitchFamily="34" charset="0"/>
               </a:rPr>
               <a:t>Java &lt; 1.5.17</a:t>
@@ -8907,11 +8907,11 @@
                   </a:schemeClr>
                 </a:solidFill>
                 <a:effectLst/>
-                <a:latin typeface="Microsoft Sans Serif" panose="020B0604020202020204" pitchFamily="34" charset="0"/>
-                <a:ea typeface="Microsoft Sans Serif" panose="020B0604020202020204" pitchFamily="34" charset="0"/>
-                <a:cs typeface="Microsoft Sans Serif" panose="020B0604020202020204" pitchFamily="34" charset="0"/>
-              </a:rPr>
-              <a:t>05/11/2016</a:t>
+                <a:latin typeface="Microsoft YaHei UI Light" panose="020B0502040204020203" pitchFamily="34" charset="-122"/>
+                <a:ea typeface="Microsoft YaHei UI Light" panose="020B0502040204020203" pitchFamily="34" charset="-122"/>
+                <a:cs typeface="Microsoft Sans Serif" panose="020B0604020202020204" pitchFamily="34" charset="0"/>
+              </a:rPr>
+              <a:t>06/11/2016</a:t>
             </a:fld>
             <a:endParaRPr lang="en-GB" dirty="0">
               <a:solidFill>
@@ -8920,8 +8920,8 @@
                 </a:schemeClr>
               </a:solidFill>
               <a:effectLst/>
-              <a:latin typeface="Microsoft Sans Serif" panose="020B0604020202020204" pitchFamily="34" charset="0"/>
-              <a:ea typeface="Microsoft Sans Serif" panose="020B0604020202020204" pitchFamily="34" charset="0"/>
+              <a:latin typeface="Microsoft YaHei UI Light" panose="020B0502040204020203" pitchFamily="34" charset="-122"/>
+              <a:ea typeface="Microsoft YaHei UI Light" panose="020B0502040204020203" pitchFamily="34" charset="-122"/>
               <a:cs typeface="Microsoft Sans Serif" panose="020B0604020202020204" pitchFamily="34" charset="0"/>
             </a:endParaRPr>
           </a:p>
@@ -8950,8 +8950,8 @@
                   </a:schemeClr>
                 </a:solidFill>
                 <a:effectLst/>
-                <a:latin typeface="Microsoft Sans Serif" panose="020B0604020202020204" pitchFamily="34" charset="0"/>
-                <a:ea typeface="Microsoft Sans Serif" panose="020B0604020202020204" pitchFamily="34" charset="0"/>
+                <a:latin typeface="Microsoft YaHei UI Light" panose="020B0502040204020203" pitchFamily="34" charset="-122"/>
+                <a:ea typeface="Microsoft YaHei UI Light" panose="020B0502040204020203" pitchFamily="34" charset="-122"/>
                 <a:cs typeface="Microsoft Sans Serif" panose="020B0604020202020204" pitchFamily="34" charset="0"/>
               </a:rPr>
               <a:t>Mattia Affabris - Alessandro Pezzé            Offensive Technologies 2016/2017</a:t>
@@ -8984,8 +8984,8 @@
                   </a:schemeClr>
                 </a:solidFill>
                 <a:effectLst/>
-                <a:latin typeface="Microsoft Sans Serif" panose="020B0604020202020204" pitchFamily="34" charset="0"/>
-                <a:ea typeface="Microsoft Sans Serif" panose="020B0604020202020204" pitchFamily="34" charset="0"/>
+                <a:latin typeface="Microsoft YaHei UI Light" panose="020B0502040204020203" pitchFamily="34" charset="-122"/>
+                <a:ea typeface="Microsoft YaHei UI Light" panose="020B0502040204020203" pitchFamily="34" charset="-122"/>
                 <a:cs typeface="Microsoft Sans Serif" panose="020B0604020202020204" pitchFamily="34" charset="0"/>
               </a:rPr>
               <a:t>2</a:t>
@@ -8997,8 +8997,8 @@
                 </a:schemeClr>
               </a:solidFill>
               <a:effectLst/>
-              <a:latin typeface="Microsoft Sans Serif" panose="020B0604020202020204" pitchFamily="34" charset="0"/>
-              <a:ea typeface="Microsoft Sans Serif" panose="020B0604020202020204" pitchFamily="34" charset="0"/>
+              <a:latin typeface="Microsoft YaHei UI Light" panose="020B0502040204020203" pitchFamily="34" charset="-122"/>
+              <a:ea typeface="Microsoft YaHei UI Light" panose="020B0502040204020203" pitchFamily="34" charset="-122"/>
               <a:cs typeface="Microsoft Sans Serif" panose="020B0604020202020204" pitchFamily="34" charset="0"/>
             </a:endParaRPr>
           </a:p>
@@ -9384,8 +9384,8 @@
             <a:r>
               <a:rPr lang="en-US" sz="2400" dirty="0">
                 <a:effectLst/>
-                <a:latin typeface="Microsoft Sans Serif" panose="020B0604020202020204" pitchFamily="34" charset="0"/>
-                <a:ea typeface="Microsoft Sans Serif" panose="020B0604020202020204" pitchFamily="34" charset="0"/>
+                <a:latin typeface="Microsoft YaHei UI Light" panose="020B0502040204020203" pitchFamily="34" charset="-122"/>
+                <a:ea typeface="Microsoft YaHei UI Light" panose="020B0502040204020203" pitchFamily="34" charset="-122"/>
                 <a:cs typeface="Microsoft Sans Serif" panose="020B0604020202020204" pitchFamily="34" charset="0"/>
               </a:rPr>
               <a:t>CVE 2016-1240</a:t>
@@ -9398,8 +9398,8 @@
             <a:r>
               <a:rPr lang="en-US" sz="1800" dirty="0">
                 <a:effectLst/>
-                <a:latin typeface="Microsoft Sans Serif" panose="020B0604020202020204" pitchFamily="34" charset="0"/>
-                <a:ea typeface="Microsoft Sans Serif" panose="020B0604020202020204" pitchFamily="34" charset="0"/>
+                <a:latin typeface="Microsoft YaHei UI Light" panose="020B0502040204020203" pitchFamily="34" charset="-122"/>
+                <a:ea typeface="Microsoft YaHei UI Light" panose="020B0502040204020203" pitchFamily="34" charset="-122"/>
                 <a:cs typeface="Microsoft Sans Serif" panose="020B0604020202020204" pitchFamily="34" charset="0"/>
               </a:rPr>
               <a:t>From a Tomcat account shell, soft link </a:t>
@@ -9408,7 +9408,7 @@
               <a:rPr lang="en-US" sz="1800" dirty="0">
                 <a:effectLst/>
                 <a:latin typeface="Ubuntu Mono" panose="020B0509030602030204" pitchFamily="49" charset="0"/>
-                <a:ea typeface="Microsoft Sans Serif" panose="020B0604020202020204" pitchFamily="34" charset="0"/>
+                <a:ea typeface="Microsoft YaHei UI Light" panose="020B0502040204020203" pitchFamily="34" charset="-122"/>
                 <a:cs typeface="Microsoft Sans Serif" panose="020B0604020202020204" pitchFamily="34" charset="0"/>
               </a:rPr>
               <a:t>catalina.log</a:t>
@@ -9416,8 +9416,8 @@
             <a:r>
               <a:rPr lang="en-US" sz="1800" dirty="0">
                 <a:effectLst/>
-                <a:latin typeface="Microsoft Sans Serif" panose="020B0604020202020204" pitchFamily="34" charset="0"/>
-                <a:ea typeface="Microsoft Sans Serif" panose="020B0604020202020204" pitchFamily="34" charset="0"/>
+                <a:latin typeface="Microsoft YaHei UI Light" panose="020B0502040204020203" pitchFamily="34" charset="-122"/>
+                <a:ea typeface="Microsoft YaHei UI Light" panose="020B0502040204020203" pitchFamily="34" charset="-122"/>
                 <a:cs typeface="Microsoft Sans Serif" panose="020B0604020202020204" pitchFamily="34" charset="0"/>
               </a:rPr>
               <a:t> to the </a:t>
@@ -9426,7 +9426,7 @@
               <a:rPr lang="en-US" sz="1800" dirty="0">
                 <a:effectLst/>
                 <a:latin typeface="Ubuntu Mono" panose="020B0509030602030204" pitchFamily="49" charset="0"/>
-                <a:ea typeface="Microsoft Sans Serif" panose="020B0604020202020204" pitchFamily="34" charset="0"/>
+                <a:ea typeface="Microsoft YaHei UI Light" panose="020B0502040204020203" pitchFamily="34" charset="-122"/>
                 <a:cs typeface="Microsoft Sans Serif" panose="020B0604020202020204" pitchFamily="34" charset="0"/>
               </a:rPr>
               <a:t>ld.so.preload</a:t>
@@ -9434,8 +9434,8 @@
             <a:r>
               <a:rPr lang="en-US" sz="1800" dirty="0">
                 <a:effectLst/>
-                <a:latin typeface="Microsoft Sans Serif" panose="020B0604020202020204" pitchFamily="34" charset="0"/>
-                <a:ea typeface="Microsoft Sans Serif" panose="020B0604020202020204" pitchFamily="34" charset="0"/>
+                <a:latin typeface="Microsoft YaHei UI Light" panose="020B0502040204020203" pitchFamily="34" charset="-122"/>
+                <a:ea typeface="Microsoft YaHei UI Light" panose="020B0502040204020203" pitchFamily="34" charset="-122"/>
                 <a:cs typeface="Microsoft Sans Serif" panose="020B0604020202020204" pitchFamily="34" charset="0"/>
               </a:rPr>
               <a:t>  system file, and force a </a:t>
@@ -9444,7 +9444,7 @@
               <a:rPr lang="en-US" sz="1800" dirty="0">
                 <a:effectLst/>
                 <a:latin typeface="Ubuntu Mono" panose="020B0509030602030204" pitchFamily="49" charset="0"/>
-                <a:ea typeface="Microsoft Sans Serif" panose="020B0604020202020204" pitchFamily="34" charset="0"/>
+                <a:ea typeface="Microsoft YaHei UI Light" panose="020B0502040204020203" pitchFamily="34" charset="-122"/>
                 <a:cs typeface="Microsoft Sans Serif" panose="020B0604020202020204" pitchFamily="34" charset="0"/>
               </a:rPr>
               <a:t>root</a:t>
@@ -9452,8 +9452,8 @@
             <a:r>
               <a:rPr lang="en-US" sz="1800" dirty="0">
                 <a:effectLst/>
-                <a:latin typeface="Microsoft Sans Serif" panose="020B0604020202020204" pitchFamily="34" charset="0"/>
-                <a:ea typeface="Microsoft Sans Serif" panose="020B0604020202020204" pitchFamily="34" charset="0"/>
+                <a:latin typeface="Microsoft YaHei UI Light" panose="020B0502040204020203" pitchFamily="34" charset="-122"/>
+                <a:ea typeface="Microsoft YaHei UI Light" panose="020B0502040204020203" pitchFamily="34" charset="-122"/>
                 <a:cs typeface="Microsoft Sans Serif" panose="020B0604020202020204" pitchFamily="34" charset="0"/>
               </a:rPr>
               <a:t> user to restart the server. Exploit a bad </a:t>
@@ -9462,7 +9462,7 @@
               <a:rPr lang="en-US" sz="1800" dirty="0">
                 <a:effectLst/>
                 <a:latin typeface="Ubuntu Mono" panose="020B0509030602030204" pitchFamily="49" charset="0"/>
-                <a:ea typeface="Microsoft Sans Serif" panose="020B0604020202020204" pitchFamily="34" charset="0"/>
+                <a:ea typeface="Microsoft YaHei UI Light" panose="020B0502040204020203" pitchFamily="34" charset="-122"/>
                 <a:cs typeface="Microsoft Sans Serif" panose="020B0604020202020204" pitchFamily="34" charset="0"/>
               </a:rPr>
               <a:t>chown</a:t>
@@ -9470,8 +9470,8 @@
             <a:r>
               <a:rPr lang="en-US" sz="1800" dirty="0">
                 <a:effectLst/>
-                <a:latin typeface="Microsoft Sans Serif" panose="020B0604020202020204" pitchFamily="34" charset="0"/>
-                <a:ea typeface="Microsoft Sans Serif" panose="020B0604020202020204" pitchFamily="34" charset="0"/>
+                <a:latin typeface="Microsoft YaHei UI Light" panose="020B0502040204020203" pitchFamily="34" charset="-122"/>
+                <a:ea typeface="Microsoft YaHei UI Light" panose="020B0502040204020203" pitchFamily="34" charset="-122"/>
                 <a:cs typeface="Microsoft Sans Serif" panose="020B0604020202020204" pitchFamily="34" charset="0"/>
               </a:rPr>
               <a:t> call in Tomcat’s </a:t>
@@ -9480,7 +9480,7 @@
               <a:rPr lang="en-US" sz="1800" dirty="0">
                 <a:effectLst/>
                 <a:latin typeface="Ubuntu Mono" panose="020B0509030602030204" pitchFamily="49" charset="0"/>
-                <a:ea typeface="Microsoft Sans Serif" panose="020B0604020202020204" pitchFamily="34" charset="0"/>
+                <a:ea typeface="Microsoft YaHei UI Light" panose="020B0502040204020203" pitchFamily="34" charset="-122"/>
                 <a:cs typeface="Microsoft Sans Serif" panose="020B0604020202020204" pitchFamily="34" charset="0"/>
               </a:rPr>
               <a:t>init.d</a:t>
@@ -9488,8 +9488,8 @@
             <a:r>
               <a:rPr lang="en-US" sz="1800" dirty="0">
                 <a:effectLst/>
-                <a:latin typeface="Microsoft Sans Serif" panose="020B0604020202020204" pitchFamily="34" charset="0"/>
-                <a:ea typeface="Microsoft Sans Serif" panose="020B0604020202020204" pitchFamily="34" charset="0"/>
+                <a:latin typeface="Microsoft YaHei UI Light" panose="020B0502040204020203" pitchFamily="34" charset="-122"/>
+                <a:ea typeface="Microsoft YaHei UI Light" panose="020B0502040204020203" pitchFamily="34" charset="-122"/>
                 <a:cs typeface="Microsoft Sans Serif" panose="020B0604020202020204" pitchFamily="34" charset="0"/>
               </a:rPr>
               <a:t> script to get ownership of the linked system file, and inject the path of a custom executable. Trigger the system file to run it, obtaining a </a:t>
@@ -9498,7 +9498,7 @@
               <a:rPr lang="en-US" sz="1800" dirty="0">
                 <a:effectLst/>
                 <a:latin typeface="Ubuntu Mono" panose="020B0509030602030204" pitchFamily="49" charset="0"/>
-                <a:ea typeface="Microsoft Sans Serif" panose="020B0604020202020204" pitchFamily="34" charset="0"/>
+                <a:ea typeface="Microsoft YaHei UI Light" panose="020B0502040204020203" pitchFamily="34" charset="-122"/>
                 <a:cs typeface="Microsoft Sans Serif" panose="020B0604020202020204" pitchFamily="34" charset="0"/>
               </a:rPr>
               <a:t>root</a:t>
@@ -9506,8 +9506,8 @@
             <a:r>
               <a:rPr lang="en-US" sz="1800" dirty="0">
                 <a:effectLst/>
-                <a:latin typeface="Microsoft Sans Serif" panose="020B0604020202020204" pitchFamily="34" charset="0"/>
-                <a:ea typeface="Microsoft Sans Serif" panose="020B0604020202020204" pitchFamily="34" charset="0"/>
+                <a:latin typeface="Microsoft YaHei UI Light" panose="020B0502040204020203" pitchFamily="34" charset="-122"/>
+                <a:ea typeface="Microsoft YaHei UI Light" panose="020B0502040204020203" pitchFamily="34" charset="-122"/>
                 <a:cs typeface="Microsoft Sans Serif" panose="020B0604020202020204" pitchFamily="34" charset="0"/>
               </a:rPr>
               <a:t> shell on the server.</a:t>
@@ -9521,11 +9521,26 @@
             <a:r>
               <a:rPr lang="en-US" sz="1800" dirty="0">
                 <a:effectLst/>
-                <a:latin typeface="Microsoft Sans Serif" panose="020B0604020202020204" pitchFamily="34" charset="0"/>
-                <a:ea typeface="Microsoft Sans Serif" panose="020B0604020202020204" pitchFamily="34" charset="0"/>
-                <a:cs typeface="Microsoft Sans Serif" panose="020B0604020202020204" pitchFamily="34" charset="0"/>
-              </a:rPr>
-              <a:t>Tomcat &lt; 6.0.45</a:t>
+                <a:latin typeface="Microsoft YaHei UI Light" panose="020B0502040204020203" pitchFamily="34" charset="-122"/>
+                <a:ea typeface="Microsoft YaHei UI Light" panose="020B0502040204020203" pitchFamily="34" charset="-122"/>
+                <a:cs typeface="Microsoft Sans Serif" panose="020B0604020202020204" pitchFamily="34" charset="0"/>
+              </a:rPr>
+              <a:t>Tomcat &lt; 6.0.45 &amp; &lt; 7.0.70 &amp; &lt; 8.0.36</a:t>
+            </a:r>
+          </a:p>
+          <a:p>
+            <a:pPr indent="-342900" algn="just">
+              <a:buFont typeface="Wingdings" panose="05000000000000000000" pitchFamily="2" charset="2"/>
+              <a:buChar char="§"/>
+            </a:pPr>
+            <a:r>
+              <a:rPr lang="en-US" sz="1800" dirty="0">
+                <a:effectLst/>
+                <a:latin typeface="Microsoft YaHei UI Light" panose="020B0502040204020203" pitchFamily="34" charset="-122"/>
+                <a:ea typeface="Microsoft YaHei UI Light" panose="020B0502040204020203" pitchFamily="34" charset="-122"/>
+                <a:cs typeface="Microsoft Sans Serif" panose="020B0604020202020204" pitchFamily="34" charset="0"/>
+              </a:rPr>
+              <a:t>Tomcat installed with APT</a:t>
             </a:r>
           </a:p>
         </p:txBody>
@@ -9582,8 +9597,8 @@
                   <a:schemeClr val="tx1"/>
                 </a:solidFill>
                 <a:effectLst/>
-                <a:latin typeface="Microsoft Sans Serif" panose="020B0604020202020204" pitchFamily="34" charset="0"/>
-                <a:ea typeface="Microsoft Sans Serif" panose="020B0604020202020204" pitchFamily="34" charset="0"/>
+                <a:latin typeface="Microsoft YaHei UI Light" panose="020B0502040204020203" pitchFamily="34" charset="-122"/>
+                <a:ea typeface="Microsoft YaHei UI Light" panose="020B0502040204020203" pitchFamily="34" charset="-122"/>
                 <a:cs typeface="Microsoft Sans Serif" panose="020B0604020202020204" pitchFamily="34" charset="0"/>
               </a:rPr>
               <a:t>CVE-2008-2938</a:t>
@@ -9593,8 +9608,8 @@
                 <a:schemeClr val="tx1"/>
               </a:solidFill>
               <a:effectLst/>
-              <a:latin typeface="Microsoft Sans Serif" panose="020B0604020202020204" pitchFamily="34" charset="0"/>
-              <a:ea typeface="Microsoft Sans Serif" panose="020B0604020202020204" pitchFamily="34" charset="0"/>
+              <a:latin typeface="Microsoft YaHei UI Light" panose="020B0502040204020203" pitchFamily="34" charset="-122"/>
+              <a:ea typeface="Microsoft YaHei UI Light" panose="020B0502040204020203" pitchFamily="34" charset="-122"/>
               <a:cs typeface="Microsoft Sans Serif" panose="020B0604020202020204" pitchFamily="34" charset="0"/>
             </a:endParaRPr>
           </a:p>
@@ -9628,8 +9643,8 @@
             <a:r>
               <a:rPr lang="en-US" sz="1800" dirty="0">
                 <a:effectLst/>
-                <a:latin typeface="Microsoft Sans Serif" panose="020B0604020202020204" pitchFamily="34" charset="0"/>
-                <a:ea typeface="Microsoft Sans Serif" panose="020B0604020202020204" pitchFamily="34" charset="0"/>
+                <a:latin typeface="Microsoft YaHei UI Light" panose="020B0502040204020203" pitchFamily="34" charset="-122"/>
+                <a:ea typeface="Microsoft YaHei UI Light" panose="020B0502040204020203" pitchFamily="34" charset="-122"/>
                 <a:cs typeface="Microsoft Sans Serif" panose="020B0604020202020204" pitchFamily="34" charset="0"/>
               </a:rPr>
               <a:t>Java internally interprets the string </a:t>
@@ -9638,7 +9653,7 @@
               <a:rPr lang="en-US" sz="1800" dirty="0">
                 <a:effectLst/>
                 <a:latin typeface="Ubuntu Mono" panose="020B0509030602030204" pitchFamily="49" charset="0"/>
-                <a:ea typeface="Microsoft Sans Serif" panose="020B0604020202020204" pitchFamily="34" charset="0"/>
+                <a:ea typeface="Microsoft YaHei UI Light" panose="020B0502040204020203" pitchFamily="34" charset="-122"/>
                 <a:cs typeface="Microsoft Sans Serif" panose="020B0604020202020204" pitchFamily="34" charset="0"/>
               </a:rPr>
               <a:t>%c0%ae</a:t>
@@ -9646,8 +9661,8 @@
             <a:r>
               <a:rPr lang="en-US" sz="1800" dirty="0">
                 <a:effectLst/>
-                <a:latin typeface="Microsoft Sans Serif" panose="020B0604020202020204" pitchFamily="34" charset="0"/>
-                <a:ea typeface="Microsoft Sans Serif" panose="020B0604020202020204" pitchFamily="34" charset="0"/>
+                <a:latin typeface="Microsoft YaHei UI Light" panose="020B0502040204020203" pitchFamily="34" charset="-122"/>
+                <a:ea typeface="Microsoft YaHei UI Light" panose="020B0502040204020203" pitchFamily="34" charset="-122"/>
                 <a:cs typeface="Microsoft Sans Serif" panose="020B0604020202020204" pitchFamily="34" charset="0"/>
               </a:rPr>
               <a:t> as a </a:t>
@@ -9656,7 +9671,7 @@
               <a:rPr lang="en-US" sz="1800" dirty="0">
                 <a:effectLst/>
                 <a:latin typeface="Ubuntu Mono" panose="020B0509030602030204" pitchFamily="49" charset="0"/>
-                <a:ea typeface="Microsoft Sans Serif" panose="020B0604020202020204" pitchFamily="34" charset="0"/>
+                <a:ea typeface="Microsoft YaHei UI Light" panose="020B0502040204020203" pitchFamily="34" charset="-122"/>
                 <a:cs typeface="Microsoft Sans Serif" panose="020B0604020202020204" pitchFamily="34" charset="0"/>
               </a:rPr>
               <a:t>.</a:t>
@@ -9664,8 +9679,8 @@
             <a:r>
               <a:rPr lang="en-US" sz="1800" dirty="0">
                 <a:effectLst/>
-                <a:latin typeface="Microsoft Sans Serif" panose="020B0604020202020204" pitchFamily="34" charset="0"/>
-                <a:ea typeface="Microsoft Sans Serif" panose="020B0604020202020204" pitchFamily="34" charset="0"/>
+                <a:latin typeface="Microsoft YaHei UI Light" panose="020B0502040204020203" pitchFamily="34" charset="-122"/>
+                <a:ea typeface="Microsoft YaHei UI Light" panose="020B0502040204020203" pitchFamily="34" charset="-122"/>
                 <a:cs typeface="Microsoft Sans Serif" panose="020B0604020202020204" pitchFamily="34" charset="0"/>
               </a:rPr>
               <a:t> character when </a:t>
@@ -9674,7 +9689,7 @@
               <a:rPr lang="en-US" sz="1800" dirty="0">
                 <a:effectLst/>
                 <a:latin typeface="Ubuntu Mono" panose="020B0509030602030204" pitchFamily="49" charset="0"/>
-                <a:ea typeface="Microsoft Sans Serif" panose="020B0604020202020204" pitchFamily="34" charset="0"/>
+                <a:ea typeface="Microsoft YaHei UI Light" panose="020B0502040204020203" pitchFamily="34" charset="-122"/>
                 <a:cs typeface="Microsoft Sans Serif" panose="020B0604020202020204" pitchFamily="34" charset="0"/>
               </a:rPr>
               <a:t>UTF-8</a:t>
@@ -9682,8 +9697,8 @@
             <a:r>
               <a:rPr lang="en-US" sz="1800" dirty="0">
                 <a:effectLst/>
-                <a:latin typeface="Microsoft Sans Serif" panose="020B0604020202020204" pitchFamily="34" charset="0"/>
-                <a:ea typeface="Microsoft Sans Serif" panose="020B0604020202020204" pitchFamily="34" charset="0"/>
+                <a:latin typeface="Microsoft YaHei UI Light" panose="020B0502040204020203" pitchFamily="34" charset="-122"/>
+                <a:ea typeface="Microsoft YaHei UI Light" panose="020B0502040204020203" pitchFamily="34" charset="-122"/>
                 <a:cs typeface="Microsoft Sans Serif" panose="020B0604020202020204" pitchFamily="34" charset="0"/>
               </a:rPr>
               <a:t> encoding is enabled in Tomcat. </a:t>
@@ -9692,7 +9707,7 @@
               <a:rPr lang="en-US" sz="1800" dirty="0">
                 <a:effectLst/>
                 <a:latin typeface="Ubuntu Mono" panose="020B0509030602030204" pitchFamily="49" charset="0"/>
-                <a:ea typeface="Microsoft Sans Serif" panose="020B0604020202020204" pitchFamily="34" charset="0"/>
+                <a:ea typeface="Microsoft YaHei UI Light" panose="020B0502040204020203" pitchFamily="34" charset="-122"/>
                 <a:cs typeface="Microsoft Sans Serif" panose="020B0604020202020204" pitchFamily="34" charset="0"/>
               </a:rPr>
               <a:t>allowLinking=“true”</a:t>
@@ -9700,8 +9715,8 @@
             <a:r>
               <a:rPr lang="en-US" sz="1800" dirty="0">
                 <a:effectLst/>
-                <a:latin typeface="Microsoft Sans Serif" panose="020B0604020202020204" pitchFamily="34" charset="0"/>
-                <a:ea typeface="Microsoft Sans Serif" panose="020B0604020202020204" pitchFamily="34" charset="0"/>
+                <a:latin typeface="Microsoft YaHei UI Light" panose="020B0502040204020203" pitchFamily="34" charset="-122"/>
+                <a:ea typeface="Microsoft YaHei UI Light" panose="020B0502040204020203" pitchFamily="34" charset="-122"/>
                 <a:cs typeface="Microsoft Sans Serif" panose="020B0604020202020204" pitchFamily="34" charset="0"/>
               </a:rPr>
               <a:t> then allows any malicious attacker to read content outside the webapp’s scope, by constructing an URL containing one or more </a:t>
@@ -9710,7 +9725,7 @@
               <a:rPr lang="en-US" sz="1800" dirty="0">
                 <a:effectLst/>
                 <a:latin typeface="Ubuntu Mono" panose="020B0509030602030204" pitchFamily="49" charset="0"/>
-                <a:ea typeface="Microsoft Sans Serif" panose="020B0604020202020204" pitchFamily="34" charset="0"/>
+                <a:ea typeface="Microsoft YaHei UI Light" panose="020B0502040204020203" pitchFamily="34" charset="-122"/>
                 <a:cs typeface="Microsoft Sans Serif" panose="020B0604020202020204" pitchFamily="34" charset="0"/>
               </a:rPr>
               <a:t>/%c0%ae%c0%ae/</a:t>
@@ -9718,8 +9733,8 @@
             <a:r>
               <a:rPr lang="en-US" sz="1800" dirty="0">
                 <a:effectLst/>
-                <a:latin typeface="Microsoft Sans Serif" panose="020B0604020202020204" pitchFamily="34" charset="0"/>
-                <a:ea typeface="Microsoft Sans Serif" panose="020B0604020202020204" pitchFamily="34" charset="0"/>
+                <a:latin typeface="Microsoft YaHei UI Light" panose="020B0502040204020203" pitchFamily="34" charset="-122"/>
+                <a:ea typeface="Microsoft YaHei UI Light" panose="020B0502040204020203" pitchFamily="34" charset="-122"/>
                 <a:cs typeface="Microsoft Sans Serif" panose="020B0604020202020204" pitchFamily="34" charset="0"/>
               </a:rPr>
               <a:t>.</a:t>
@@ -9733,8 +9748,8 @@
             <a:r>
               <a:rPr lang="en-US" sz="1800" dirty="0">
                 <a:effectLst/>
-                <a:latin typeface="Microsoft Sans Serif" panose="020B0604020202020204" pitchFamily="34" charset="0"/>
-                <a:ea typeface="Microsoft Sans Serif" panose="020B0604020202020204" pitchFamily="34" charset="0"/>
+                <a:latin typeface="Microsoft YaHei UI Light" panose="020B0502040204020203" pitchFamily="34" charset="-122"/>
+                <a:ea typeface="Microsoft YaHei UI Light" panose="020B0502040204020203" pitchFamily="34" charset="-122"/>
                 <a:cs typeface="Microsoft Sans Serif" panose="020B0604020202020204" pitchFamily="34" charset="0"/>
               </a:rPr>
               <a:t>Java &lt; 1.5.17</a:t>
@@ -9765,11 +9780,11 @@
                   </a:schemeClr>
                 </a:solidFill>
                 <a:effectLst/>
-                <a:latin typeface="Microsoft Sans Serif" panose="020B0604020202020204" pitchFamily="34" charset="0"/>
-                <a:ea typeface="Microsoft Sans Serif" panose="020B0604020202020204" pitchFamily="34" charset="0"/>
-                <a:cs typeface="Microsoft Sans Serif" panose="020B0604020202020204" pitchFamily="34" charset="0"/>
-              </a:rPr>
-              <a:t>05/11/2016</a:t>
+                <a:latin typeface="Microsoft YaHei UI Light" panose="020B0502040204020203" pitchFamily="34" charset="-122"/>
+                <a:ea typeface="Microsoft YaHei UI Light" panose="020B0502040204020203" pitchFamily="34" charset="-122"/>
+                <a:cs typeface="Microsoft Sans Serif" panose="020B0604020202020204" pitchFamily="34" charset="0"/>
+              </a:rPr>
+              <a:t>06/11/2016</a:t>
             </a:fld>
             <a:endParaRPr lang="en-GB" dirty="0">
               <a:solidFill>
@@ -9778,8 +9793,8 @@
                 </a:schemeClr>
               </a:solidFill>
               <a:effectLst/>
-              <a:latin typeface="Microsoft Sans Serif" panose="020B0604020202020204" pitchFamily="34" charset="0"/>
-              <a:ea typeface="Microsoft Sans Serif" panose="020B0604020202020204" pitchFamily="34" charset="0"/>
+              <a:latin typeface="Microsoft YaHei UI Light" panose="020B0502040204020203" pitchFamily="34" charset="-122"/>
+              <a:ea typeface="Microsoft YaHei UI Light" panose="020B0502040204020203" pitchFamily="34" charset="-122"/>
               <a:cs typeface="Microsoft Sans Serif" panose="020B0604020202020204" pitchFamily="34" charset="0"/>
             </a:endParaRPr>
           </a:p>
@@ -9808,8 +9823,8 @@
                   </a:schemeClr>
                 </a:solidFill>
                 <a:effectLst/>
-                <a:latin typeface="Microsoft Sans Serif" panose="020B0604020202020204" pitchFamily="34" charset="0"/>
-                <a:ea typeface="Microsoft Sans Serif" panose="020B0604020202020204" pitchFamily="34" charset="0"/>
+                <a:latin typeface="Microsoft YaHei UI Light" panose="020B0502040204020203" pitchFamily="34" charset="-122"/>
+                <a:ea typeface="Microsoft YaHei UI Light" panose="020B0502040204020203" pitchFamily="34" charset="-122"/>
                 <a:cs typeface="Microsoft Sans Serif" panose="020B0604020202020204" pitchFamily="34" charset="0"/>
               </a:rPr>
               <a:t>Mattia Affabris - Alessandro Pezzé            Offensive Technologies 2016/2017</a:t>
@@ -9842,8 +9857,8 @@
                   </a:schemeClr>
                 </a:solidFill>
                 <a:effectLst/>
-                <a:latin typeface="Microsoft Sans Serif" panose="020B0604020202020204" pitchFamily="34" charset="0"/>
-                <a:ea typeface="Microsoft Sans Serif" panose="020B0604020202020204" pitchFamily="34" charset="0"/>
+                <a:latin typeface="Microsoft YaHei UI Light" panose="020B0502040204020203" pitchFamily="34" charset="-122"/>
+                <a:ea typeface="Microsoft YaHei UI Light" panose="020B0502040204020203" pitchFamily="34" charset="-122"/>
                 <a:cs typeface="Microsoft Sans Serif" panose="020B0604020202020204" pitchFamily="34" charset="0"/>
               </a:rPr>
               <a:t>3</a:t>
@@ -9855,8 +9870,8 @@
                 </a:schemeClr>
               </a:solidFill>
               <a:effectLst/>
-              <a:latin typeface="Microsoft Sans Serif" panose="020B0604020202020204" pitchFamily="34" charset="0"/>
-              <a:ea typeface="Microsoft Sans Serif" panose="020B0604020202020204" pitchFamily="34" charset="0"/>
+              <a:latin typeface="Microsoft YaHei UI Light" panose="020B0502040204020203" pitchFamily="34" charset="-122"/>
+              <a:ea typeface="Microsoft YaHei UI Light" panose="020B0502040204020203" pitchFamily="34" charset="-122"/>
               <a:cs typeface="Microsoft Sans Serif" panose="020B0604020202020204" pitchFamily="34" charset="0"/>
             </a:endParaRPr>
           </a:p>
@@ -9945,8 +9960,8 @@
                   <a:schemeClr val="tx1"/>
                 </a:solidFill>
                 <a:effectLst/>
-                <a:latin typeface="Microsoft Sans Serif" panose="020B0604020202020204" pitchFamily="34" charset="0"/>
-                <a:ea typeface="Microsoft Sans Serif" panose="020B0604020202020204" pitchFamily="34" charset="0"/>
+                <a:latin typeface="Microsoft YaHei UI Light" panose="020B0502040204020203" pitchFamily="34" charset="-122"/>
+                <a:ea typeface="Microsoft YaHei UI Light" panose="020B0502040204020203" pitchFamily="34" charset="-122"/>
                 <a:cs typeface="Microsoft Sans Serif" panose="020B0604020202020204" pitchFamily="34" charset="0"/>
               </a:rPr>
               <a:t>CVE-2008-2938</a:t>
@@ -9956,8 +9971,8 @@
                 <a:schemeClr val="tx1"/>
               </a:solidFill>
               <a:effectLst/>
-              <a:latin typeface="Microsoft Sans Serif" panose="020B0604020202020204" pitchFamily="34" charset="0"/>
-              <a:ea typeface="Microsoft Sans Serif" panose="020B0604020202020204" pitchFamily="34" charset="0"/>
+              <a:latin typeface="Microsoft YaHei UI Light" panose="020B0502040204020203" pitchFamily="34" charset="-122"/>
+              <a:ea typeface="Microsoft YaHei UI Light" panose="020B0502040204020203" pitchFamily="34" charset="-122"/>
               <a:cs typeface="Microsoft Sans Serif" panose="020B0604020202020204" pitchFamily="34" charset="0"/>
             </a:endParaRPr>
           </a:p>
@@ -9986,11 +10001,11 @@
                   </a:schemeClr>
                 </a:solidFill>
                 <a:effectLst/>
-                <a:latin typeface="Microsoft Sans Serif" panose="020B0604020202020204" pitchFamily="34" charset="0"/>
-                <a:ea typeface="Microsoft Sans Serif" panose="020B0604020202020204" pitchFamily="34" charset="0"/>
-                <a:cs typeface="Microsoft Sans Serif" panose="020B0604020202020204" pitchFamily="34" charset="0"/>
-              </a:rPr>
-              <a:t>05/11/2016</a:t>
+                <a:latin typeface="Microsoft YaHei UI Light" panose="020B0502040204020203" pitchFamily="34" charset="-122"/>
+                <a:ea typeface="Microsoft YaHei UI Light" panose="020B0502040204020203" pitchFamily="34" charset="-122"/>
+                <a:cs typeface="Microsoft Sans Serif" panose="020B0604020202020204" pitchFamily="34" charset="0"/>
+              </a:rPr>
+              <a:t>06/11/2016</a:t>
             </a:fld>
             <a:endParaRPr lang="en-GB" dirty="0">
               <a:solidFill>
@@ -9999,8 +10014,8 @@
                 </a:schemeClr>
               </a:solidFill>
               <a:effectLst/>
-              <a:latin typeface="Microsoft Sans Serif" panose="020B0604020202020204" pitchFamily="34" charset="0"/>
-              <a:ea typeface="Microsoft Sans Serif" panose="020B0604020202020204" pitchFamily="34" charset="0"/>
+              <a:latin typeface="Microsoft YaHei UI Light" panose="020B0502040204020203" pitchFamily="34" charset="-122"/>
+              <a:ea typeface="Microsoft YaHei UI Light" panose="020B0502040204020203" pitchFamily="34" charset="-122"/>
               <a:cs typeface="Microsoft Sans Serif" panose="020B0604020202020204" pitchFamily="34" charset="0"/>
             </a:endParaRPr>
           </a:p>
@@ -10029,8 +10044,8 @@
                   </a:schemeClr>
                 </a:solidFill>
                 <a:effectLst/>
-                <a:latin typeface="Microsoft Sans Serif" panose="020B0604020202020204" pitchFamily="34" charset="0"/>
-                <a:ea typeface="Microsoft Sans Serif" panose="020B0604020202020204" pitchFamily="34" charset="0"/>
+                <a:latin typeface="Microsoft YaHei UI Light" panose="020B0502040204020203" pitchFamily="34" charset="-122"/>
+                <a:ea typeface="Microsoft YaHei UI Light" panose="020B0502040204020203" pitchFamily="34" charset="-122"/>
                 <a:cs typeface="Microsoft Sans Serif" panose="020B0604020202020204" pitchFamily="34" charset="0"/>
               </a:rPr>
               <a:t>Mattia Affabris - Alessandro Pezzé            Offensive Technologies 2016/2017</a:t>
@@ -10063,8 +10078,8 @@
                   </a:schemeClr>
                 </a:solidFill>
                 <a:effectLst/>
-                <a:latin typeface="Microsoft Sans Serif" panose="020B0604020202020204" pitchFamily="34" charset="0"/>
-                <a:ea typeface="Microsoft Sans Serif" panose="020B0604020202020204" pitchFamily="34" charset="0"/>
+                <a:latin typeface="Microsoft YaHei UI Light" panose="020B0502040204020203" pitchFamily="34" charset="-122"/>
+                <a:ea typeface="Microsoft YaHei UI Light" panose="020B0502040204020203" pitchFamily="34" charset="-122"/>
                 <a:cs typeface="Microsoft Sans Serif" panose="020B0604020202020204" pitchFamily="34" charset="0"/>
               </a:rPr>
               <a:t>4</a:t>
@@ -10076,8 +10091,8 @@
                 </a:schemeClr>
               </a:solidFill>
               <a:effectLst/>
-              <a:latin typeface="Microsoft Sans Serif" panose="020B0604020202020204" pitchFamily="34" charset="0"/>
-              <a:ea typeface="Microsoft Sans Serif" panose="020B0604020202020204" pitchFamily="34" charset="0"/>
+              <a:latin typeface="Microsoft YaHei UI Light" panose="020B0502040204020203" pitchFamily="34" charset="-122"/>
+              <a:ea typeface="Microsoft YaHei UI Light" panose="020B0502040204020203" pitchFamily="34" charset="-122"/>
               <a:cs typeface="Microsoft Sans Serif" panose="020B0604020202020204" pitchFamily="34" charset="0"/>
             </a:endParaRPr>
           </a:p>
@@ -10349,8 +10364,8 @@
           </a:lstStyle>
           <a:p>
             <a:endParaRPr lang="en-GB" dirty="0">
-              <a:latin typeface="Microsoft Sans Serif" panose="020B0604020202020204" pitchFamily="34" charset="0"/>
-              <a:ea typeface="Microsoft Sans Serif" panose="020B0604020202020204" pitchFamily="34" charset="0"/>
+              <a:latin typeface="Microsoft YaHei UI Light" panose="020B0502040204020203" pitchFamily="34" charset="-122"/>
+              <a:ea typeface="Microsoft YaHei UI Light" panose="020B0502040204020203" pitchFamily="34" charset="-122"/>
               <a:cs typeface="Microsoft Sans Serif" panose="020B0604020202020204" pitchFamily="34" charset="0"/>
             </a:endParaRPr>
           </a:p>
@@ -10736,8 +10751,8 @@
             <a:r>
               <a:rPr lang="en-US" sz="2400" dirty="0">
                 <a:effectLst/>
-                <a:latin typeface="Microsoft Sans Serif" panose="020B0604020202020204" pitchFamily="34" charset="0"/>
-                <a:ea typeface="Microsoft Sans Serif" panose="020B0604020202020204" pitchFamily="34" charset="0"/>
+                <a:latin typeface="Microsoft YaHei UI Light" panose="020B0502040204020203" pitchFamily="34" charset="-122"/>
+                <a:ea typeface="Microsoft YaHei UI Light" panose="020B0502040204020203" pitchFamily="34" charset="-122"/>
                 <a:cs typeface="Microsoft Sans Serif" panose="020B0604020202020204" pitchFamily="34" charset="0"/>
               </a:rPr>
               <a:t>ENVIRONMENT</a:t>
@@ -10751,8 +10766,8 @@
             <a:r>
               <a:rPr lang="en-GB" sz="1800" dirty="0">
                 <a:effectLst/>
-                <a:latin typeface="Microsoft Sans Serif" panose="020B0604020202020204" pitchFamily="34" charset="0"/>
-                <a:ea typeface="Microsoft Sans Serif" panose="020B0604020202020204" pitchFamily="34" charset="0"/>
+                <a:latin typeface="Microsoft YaHei UI Light" panose="020B0502040204020203" pitchFamily="34" charset="-122"/>
+                <a:ea typeface="Microsoft YaHei UI Light" panose="020B0502040204020203" pitchFamily="34" charset="-122"/>
                 <a:cs typeface="Microsoft Sans Serif" panose="020B0604020202020204" pitchFamily="34" charset="0"/>
               </a:rPr>
               <a:t>Java 1.5.05</a:t>
@@ -10766,8 +10781,8 @@
             <a:r>
               <a:rPr lang="en-US" sz="1800" dirty="0">
                 <a:effectLst/>
-                <a:latin typeface="Microsoft Sans Serif" panose="020B0604020202020204" pitchFamily="34" charset="0"/>
-                <a:ea typeface="Microsoft Sans Serif" panose="020B0604020202020204" pitchFamily="34" charset="0"/>
+                <a:latin typeface="Microsoft YaHei UI Light" panose="020B0502040204020203" pitchFamily="34" charset="-122"/>
+                <a:ea typeface="Microsoft YaHei UI Light" panose="020B0502040204020203" pitchFamily="34" charset="-122"/>
                 <a:cs typeface="Microsoft Sans Serif" panose="020B0604020202020204" pitchFamily="34" charset="0"/>
               </a:rPr>
               <a:t>Tomcat 6.0.18 or Tomcat 6.0.1</a:t>
@@ -10782,7 +10797,7 @@
               <a:rPr lang="en-US" sz="1800" dirty="0">
                 <a:effectLst/>
                 <a:latin typeface="Ubuntu Mono" panose="020B0509030602030204" pitchFamily="49" charset="0"/>
-                <a:ea typeface="Microsoft Sans Serif" panose="020B0604020202020204" pitchFamily="34" charset="0"/>
+                <a:ea typeface="Microsoft YaHei UI Light" panose="020B0502040204020203" pitchFamily="34" charset="-122"/>
                 <a:cs typeface="Microsoft Sans Serif" panose="020B0604020202020204" pitchFamily="34" charset="0"/>
               </a:rPr>
               <a:t>context.xml</a:t>
@@ -10790,8 +10805,8 @@
             <a:r>
               <a:rPr lang="en-US" sz="1800" dirty="0">
                 <a:effectLst/>
-                <a:latin typeface="Microsoft Sans Serif" panose="020B0604020202020204" pitchFamily="34" charset="0"/>
-                <a:ea typeface="Microsoft Sans Serif" panose="020B0604020202020204" pitchFamily="34" charset="0"/>
+                <a:latin typeface="Microsoft YaHei UI Light" panose="020B0502040204020203" pitchFamily="34" charset="-122"/>
+                <a:ea typeface="Microsoft YaHei UI Light" panose="020B0502040204020203" pitchFamily="34" charset="-122"/>
                 <a:cs typeface="Microsoft Sans Serif" panose="020B0604020202020204" pitchFamily="34" charset="0"/>
               </a:rPr>
               <a:t> </a:t>
@@ -10799,8 +10814,8 @@
             <a:r>
               <a:rPr lang="en-US" sz="1800" dirty="0">
                 <a:effectLst/>
-                <a:latin typeface="Microsoft Sans Serif" panose="020B0604020202020204" pitchFamily="34" charset="0"/>
-                <a:ea typeface="Microsoft Sans Serif" panose="020B0604020202020204" pitchFamily="34" charset="0"/>
+                <a:latin typeface="Microsoft YaHei UI Light" panose="020B0502040204020203" pitchFamily="34" charset="-122"/>
+                <a:ea typeface="Microsoft YaHei UI Light" panose="020B0502040204020203" pitchFamily="34" charset="-122"/>
                 <a:cs typeface="Microsoft Sans Serif" panose="020B0604020202020204" pitchFamily="34" charset="0"/>
                 <a:sym typeface="Wingdings" panose="05000000000000000000" pitchFamily="2" charset="2"/>
               </a:rPr>
@@ -10810,7 +10825,7 @@
               <a:rPr lang="en-US" sz="1800" dirty="0">
                 <a:effectLst/>
                 <a:latin typeface="Ubuntu Mono" panose="020B0509030602030204" pitchFamily="49" charset="0"/>
-                <a:ea typeface="Microsoft Sans Serif" panose="020B0604020202020204" pitchFamily="34" charset="0"/>
+                <a:ea typeface="Microsoft YaHei UI Light" panose="020B0502040204020203" pitchFamily="34" charset="-122"/>
                 <a:cs typeface="Microsoft Sans Serif" panose="020B0604020202020204" pitchFamily="34" charset="0"/>
                 <a:sym typeface="Wingdings" panose="05000000000000000000" pitchFamily="2" charset="2"/>
               </a:rPr>
@@ -10826,7 +10841,7 @@
               <a:rPr lang="en-US" sz="1800" dirty="0">
                 <a:effectLst/>
                 <a:latin typeface="Ubuntu Mono" panose="020B0509030602030204" pitchFamily="49" charset="0"/>
-                <a:ea typeface="Microsoft Sans Serif" panose="020B0604020202020204" pitchFamily="34" charset="0"/>
+                <a:ea typeface="Microsoft YaHei UI Light" panose="020B0502040204020203" pitchFamily="34" charset="-122"/>
                 <a:cs typeface="Microsoft Sans Serif" panose="020B0604020202020204" pitchFamily="34" charset="0"/>
                 <a:sym typeface="Wingdings" panose="05000000000000000000" pitchFamily="2" charset="2"/>
               </a:rPr>
@@ -10835,8 +10850,8 @@
             <a:r>
               <a:rPr lang="en-US" sz="1800" dirty="0">
                 <a:effectLst/>
-                <a:latin typeface="Microsoft Sans Serif" panose="020B0604020202020204" pitchFamily="34" charset="0"/>
-                <a:ea typeface="Microsoft Sans Serif" panose="020B0604020202020204" pitchFamily="34" charset="0"/>
+                <a:latin typeface="Microsoft YaHei UI Light" panose="020B0502040204020203" pitchFamily="34" charset="-122"/>
+                <a:ea typeface="Microsoft YaHei UI Light" panose="020B0502040204020203" pitchFamily="34" charset="-122"/>
                 <a:cs typeface="Microsoft Sans Serif" panose="020B0604020202020204" pitchFamily="34" charset="0"/>
                 <a:sym typeface="Wingdings" panose="05000000000000000000" pitchFamily="2" charset="2"/>
               </a:rPr>
@@ -10846,7 +10861,7 @@
               <a:rPr lang="en-US" sz="1800" dirty="0">
                 <a:effectLst/>
                 <a:latin typeface="Ubuntu Mono" panose="020B0509030602030204" pitchFamily="49" charset="0"/>
-                <a:ea typeface="Microsoft Sans Serif" panose="020B0604020202020204" pitchFamily="34" charset="0"/>
+                <a:ea typeface="Microsoft YaHei UI Light" panose="020B0502040204020203" pitchFamily="34" charset="-122"/>
                 <a:cs typeface="Microsoft Sans Serif" panose="020B0604020202020204" pitchFamily="34" charset="0"/>
                 <a:sym typeface="Wingdings" panose="05000000000000000000" pitchFamily="2" charset="2"/>
               </a:rPr>
@@ -10862,7 +10877,7 @@
               <a:rPr lang="en-US" sz="1800" dirty="0">
                 <a:effectLst/>
                 <a:latin typeface="Ubuntu Mono" panose="020B0509030602030204" pitchFamily="49" charset="0"/>
-                <a:ea typeface="Microsoft Sans Serif" panose="020B0604020202020204" pitchFamily="34" charset="0"/>
+                <a:ea typeface="Microsoft YaHei UI Light" panose="020B0502040204020203" pitchFamily="34" charset="-122"/>
                 <a:cs typeface="Microsoft Sans Serif" panose="020B0604020202020204" pitchFamily="34" charset="0"/>
                 <a:sym typeface="Wingdings" panose="05000000000000000000" pitchFamily="2" charset="2"/>
               </a:rPr>
@@ -10871,8 +10886,8 @@
             <a:r>
               <a:rPr lang="en-US" sz="1800" dirty="0">
                 <a:effectLst/>
-                <a:latin typeface="Microsoft Sans Serif" panose="020B0604020202020204" pitchFamily="34" charset="0"/>
-                <a:ea typeface="Microsoft Sans Serif" panose="020B0604020202020204" pitchFamily="34" charset="0"/>
+                <a:latin typeface="Microsoft YaHei UI Light" panose="020B0502040204020203" pitchFamily="34" charset="-122"/>
+                <a:ea typeface="Microsoft YaHei UI Light" panose="020B0502040204020203" pitchFamily="34" charset="-122"/>
                 <a:cs typeface="Microsoft Sans Serif" panose="020B0604020202020204" pitchFamily="34" charset="0"/>
                 <a:sym typeface="Wingdings" panose="05000000000000000000" pitchFamily="2" charset="2"/>
               </a:rPr>
@@ -10880,8 +10895,8 @@
             </a:r>
             <a:endParaRPr lang="en-GB" sz="1800" dirty="0">
               <a:effectLst/>
-              <a:latin typeface="Microsoft Sans Serif" panose="020B0604020202020204" pitchFamily="34" charset="0"/>
-              <a:ea typeface="Microsoft Sans Serif" panose="020B0604020202020204" pitchFamily="34" charset="0"/>
+              <a:latin typeface="Microsoft YaHei UI Light" panose="020B0502040204020203" pitchFamily="34" charset="-122"/>
+              <a:ea typeface="Microsoft YaHei UI Light" panose="020B0502040204020203" pitchFamily="34" charset="-122"/>
               <a:cs typeface="Microsoft Sans Serif" panose="020B0604020202020204" pitchFamily="34" charset="0"/>
             </a:endParaRPr>
           </a:p>
@@ -11267,8 +11282,8 @@
             <a:r>
               <a:rPr lang="en-US" sz="2400" dirty="0">
                 <a:effectLst/>
-                <a:latin typeface="Microsoft Sans Serif" panose="020B0604020202020204" pitchFamily="34" charset="0"/>
-                <a:ea typeface="Microsoft Sans Serif" panose="020B0604020202020204" pitchFamily="34" charset="0"/>
+                <a:latin typeface="Microsoft YaHei UI Light" panose="020B0502040204020203" pitchFamily="34" charset="-122"/>
+                <a:ea typeface="Microsoft YaHei UI Light" panose="020B0502040204020203" pitchFamily="34" charset="-122"/>
                 <a:cs typeface="Microsoft Sans Serif" panose="020B0604020202020204" pitchFamily="34" charset="0"/>
               </a:rPr>
               <a:t>SUCCESS CRITERIA</a:t>
@@ -11283,7 +11298,7 @@
               <a:rPr lang="en-GB" sz="1800" dirty="0">
                 <a:effectLst/>
                 <a:latin typeface="Ubuntu Mono" panose="020B0509030602030204" pitchFamily="49" charset="0"/>
-                <a:ea typeface="Microsoft Sans Serif" panose="020B0604020202020204" pitchFamily="34" charset="0"/>
+                <a:ea typeface="Microsoft YaHei UI Light" panose="020B0502040204020203" pitchFamily="34" charset="-122"/>
                 <a:cs typeface="Microsoft Sans Serif" panose="020B0604020202020204" pitchFamily="34" charset="0"/>
               </a:rPr>
               <a:t>whoami</a:t>
@@ -11291,8 +11306,8 @@
             <a:r>
               <a:rPr lang="en-GB" sz="1800" dirty="0">
                 <a:effectLst/>
-                <a:latin typeface="Microsoft Sans Serif" panose="020B0604020202020204" pitchFamily="34" charset="0"/>
-                <a:ea typeface="Microsoft Sans Serif" panose="020B0604020202020204" pitchFamily="34" charset="0"/>
+                <a:latin typeface="Microsoft YaHei UI Light" panose="020B0502040204020203" pitchFamily="34" charset="-122"/>
+                <a:ea typeface="Microsoft YaHei UI Light" panose="020B0502040204020203" pitchFamily="34" charset="-122"/>
                 <a:cs typeface="Microsoft Sans Serif" panose="020B0604020202020204" pitchFamily="34" charset="0"/>
               </a:rPr>
               <a:t> </a:t>
@@ -11300,8 +11315,8 @@
             <a:r>
               <a:rPr lang="en-US" sz="1800" dirty="0">
                 <a:effectLst/>
-                <a:latin typeface="Microsoft Sans Serif" panose="020B0604020202020204" pitchFamily="34" charset="0"/>
-                <a:ea typeface="Microsoft Sans Serif" panose="020B0604020202020204" pitchFamily="34" charset="0"/>
+                <a:latin typeface="Microsoft YaHei UI Light" panose="020B0502040204020203" pitchFamily="34" charset="-122"/>
+                <a:ea typeface="Microsoft YaHei UI Light" panose="020B0502040204020203" pitchFamily="34" charset="-122"/>
                 <a:cs typeface="Microsoft Sans Serif" panose="020B0604020202020204" pitchFamily="34" charset="0"/>
                 <a:sym typeface="Wingdings" panose="05000000000000000000" pitchFamily="2" charset="2"/>
               </a:rPr>
@@ -11311,7 +11326,7 @@
               <a:rPr lang="en-US" sz="1800" dirty="0" err="1">
                 <a:effectLst/>
                 <a:latin typeface="Ubuntu Mono" panose="020B0509030602030204" pitchFamily="49" charset="0"/>
-                <a:ea typeface="Microsoft Sans Serif" panose="020B0604020202020204" pitchFamily="34" charset="0"/>
+                <a:ea typeface="Microsoft YaHei UI Light" panose="020B0502040204020203" pitchFamily="34" charset="-122"/>
                 <a:cs typeface="Microsoft Sans Serif" panose="020B0604020202020204" pitchFamily="34" charset="0"/>
                 <a:sym typeface="Wingdings" panose="05000000000000000000" pitchFamily="2" charset="2"/>
               </a:rPr>
@@ -11320,7 +11335,7 @@
             <a:endParaRPr lang="en-GB" sz="1800" dirty="0">
               <a:effectLst/>
               <a:latin typeface="Ubuntu Mono" panose="020B0509030602030204" pitchFamily="49" charset="0"/>
-              <a:ea typeface="Microsoft Sans Serif" panose="020B0604020202020204" pitchFamily="34" charset="0"/>
+              <a:ea typeface="Microsoft YaHei UI Light" panose="020B0502040204020203" pitchFamily="34" charset="-122"/>
               <a:cs typeface="Microsoft Sans Serif" panose="020B0604020202020204" pitchFamily="34" charset="0"/>
             </a:endParaRPr>
           </a:p>
@@ -11333,7 +11348,7 @@
               <a:rPr lang="en-US" sz="1800" dirty="0">
                 <a:effectLst/>
                 <a:latin typeface="Ubuntu Mono" panose="020B0509030602030204" pitchFamily="49" charset="0"/>
-                <a:ea typeface="Microsoft Sans Serif" panose="020B0604020202020204" pitchFamily="34" charset="0"/>
+                <a:ea typeface="Microsoft YaHei UI Light" panose="020B0502040204020203" pitchFamily="34" charset="-122"/>
                 <a:cs typeface="Microsoft Sans Serif" panose="020B0604020202020204" pitchFamily="34" charset="0"/>
               </a:rPr>
               <a:t>ls</a:t>
@@ -11341,8 +11356,8 @@
             <a:r>
               <a:rPr lang="en-US" sz="1800" dirty="0">
                 <a:effectLst/>
-                <a:latin typeface="Microsoft Sans Serif" panose="020B0604020202020204" pitchFamily="34" charset="0"/>
-                <a:ea typeface="Microsoft Sans Serif" panose="020B0604020202020204" pitchFamily="34" charset="0"/>
+                <a:latin typeface="Microsoft YaHei UI Light" panose="020B0502040204020203" pitchFamily="34" charset="-122"/>
+                <a:ea typeface="Microsoft YaHei UI Light" panose="020B0502040204020203" pitchFamily="34" charset="-122"/>
                 <a:cs typeface="Microsoft Sans Serif" panose="020B0604020202020204" pitchFamily="34" charset="0"/>
               </a:rPr>
               <a:t> </a:t>
@@ -11350,8 +11365,8 @@
             <a:r>
               <a:rPr lang="en-US" sz="1800" dirty="0">
                 <a:effectLst/>
-                <a:latin typeface="Microsoft Sans Serif" panose="020B0604020202020204" pitchFamily="34" charset="0"/>
-                <a:ea typeface="Microsoft Sans Serif" panose="020B0604020202020204" pitchFamily="34" charset="0"/>
+                <a:latin typeface="Microsoft YaHei UI Light" panose="020B0502040204020203" pitchFamily="34" charset="-122"/>
+                <a:ea typeface="Microsoft YaHei UI Light" panose="020B0502040204020203" pitchFamily="34" charset="-122"/>
                 <a:cs typeface="Microsoft Sans Serif" panose="020B0604020202020204" pitchFamily="34" charset="0"/>
                 <a:sym typeface="Wingdings" panose="05000000000000000000" pitchFamily="2" charset="2"/>
               </a:rPr>
@@ -11361,7 +11376,7 @@
               <a:rPr lang="en-US" sz="1800" dirty="0">
                 <a:effectLst/>
                 <a:latin typeface="Ubuntu Mono" panose="020B0509030602030204" pitchFamily="49" charset="0"/>
-                <a:ea typeface="Microsoft Sans Serif" panose="020B0604020202020204" pitchFamily="34" charset="0"/>
+                <a:ea typeface="Microsoft YaHei UI Light" panose="020B0502040204020203" pitchFamily="34" charset="-122"/>
                 <a:cs typeface="Microsoft Sans Serif" panose="020B0604020202020204" pitchFamily="34" charset="0"/>
                 <a:sym typeface="Wingdings" panose="05000000000000000000" pitchFamily="2" charset="2"/>
               </a:rPr>
@@ -11371,7 +11386,7 @@
               <a:rPr lang="en-US" sz="1800" dirty="0" err="1">
                 <a:effectLst/>
                 <a:latin typeface="Ubuntu Mono" panose="020B0509030602030204" pitchFamily="49" charset="0"/>
-                <a:ea typeface="Microsoft Sans Serif" panose="020B0604020202020204" pitchFamily="34" charset="0"/>
+                <a:ea typeface="Microsoft YaHei UI Light" panose="020B0502040204020203" pitchFamily="34" charset="-122"/>
                 <a:cs typeface="Microsoft Sans Serif" panose="020B0604020202020204" pitchFamily="34" charset="0"/>
                 <a:sym typeface="Wingdings" panose="05000000000000000000" pitchFamily="2" charset="2"/>
               </a:rPr>
@@ -11381,7 +11396,7 @@
               <a:rPr lang="en-US" sz="1800" dirty="0">
                 <a:effectLst/>
                 <a:latin typeface="Ubuntu Mono" panose="020B0509030602030204" pitchFamily="49" charset="0"/>
-                <a:ea typeface="Microsoft Sans Serif" panose="020B0604020202020204" pitchFamily="34" charset="0"/>
+                <a:ea typeface="Microsoft YaHei UI Light" panose="020B0502040204020203" pitchFamily="34" charset="-122"/>
                 <a:cs typeface="Microsoft Sans Serif" panose="020B0604020202020204" pitchFamily="34" charset="0"/>
                 <a:sym typeface="Wingdings" panose="05000000000000000000" pitchFamily="2" charset="2"/>
               </a:rPr>
@@ -11390,7 +11405,7 @@
             <a:endParaRPr lang="en-US" sz="1800" dirty="0">
               <a:effectLst/>
               <a:latin typeface="Ubuntu Mono" panose="020B0509030602030204" pitchFamily="49" charset="0"/>
-              <a:ea typeface="Microsoft Sans Serif" panose="020B0604020202020204" pitchFamily="34" charset="0"/>
+              <a:ea typeface="Microsoft YaHei UI Light" panose="020B0502040204020203" pitchFamily="34" charset="-122"/>
               <a:cs typeface="Microsoft Sans Serif" panose="020B0604020202020204" pitchFamily="34" charset="0"/>
             </a:endParaRPr>
           </a:p>
@@ -11403,7 +11418,7 @@
               <a:rPr lang="en-US" sz="1800" dirty="0">
                 <a:effectLst/>
                 <a:latin typeface="Ubuntu Mono" panose="020B0509030602030204" pitchFamily="49" charset="0"/>
-                <a:ea typeface="Microsoft Sans Serif" panose="020B0604020202020204" pitchFamily="34" charset="0"/>
+                <a:ea typeface="Microsoft YaHei UI Light" panose="020B0502040204020203" pitchFamily="34" charset="-122"/>
                 <a:cs typeface="Microsoft Sans Serif" panose="020B0604020202020204" pitchFamily="34" charset="0"/>
               </a:rPr>
               <a:t>cat /</a:t>
@@ -11412,7 +11427,7 @@
               <a:rPr lang="en-US" sz="1800" dirty="0" err="1">
                 <a:effectLst/>
                 <a:latin typeface="Ubuntu Mono" panose="020B0509030602030204" pitchFamily="49" charset="0"/>
-                <a:ea typeface="Microsoft Sans Serif" panose="020B0604020202020204" pitchFamily="34" charset="0"/>
+                <a:ea typeface="Microsoft YaHei UI Light" panose="020B0502040204020203" pitchFamily="34" charset="-122"/>
                 <a:cs typeface="Microsoft Sans Serif" panose="020B0604020202020204" pitchFamily="34" charset="0"/>
               </a:rPr>
               <a:t>etc</a:t>
@@ -11421,7 +11436,7 @@
               <a:rPr lang="en-US" sz="1800" dirty="0">
                 <a:effectLst/>
                 <a:latin typeface="Ubuntu Mono" panose="020B0509030602030204" pitchFamily="49" charset="0"/>
-                <a:ea typeface="Microsoft Sans Serif" panose="020B0604020202020204" pitchFamily="34" charset="0"/>
+                <a:ea typeface="Microsoft YaHei UI Light" panose="020B0502040204020203" pitchFamily="34" charset="-122"/>
                 <a:cs typeface="Microsoft Sans Serif" panose="020B0604020202020204" pitchFamily="34" charset="0"/>
               </a:rPr>
               <a:t>/</a:t>
@@ -11430,7 +11445,7 @@
               <a:rPr lang="en-US" sz="1800" dirty="0" err="1">
                 <a:effectLst/>
                 <a:latin typeface="Ubuntu Mono" panose="020B0509030602030204" pitchFamily="49" charset="0"/>
-                <a:ea typeface="Microsoft Sans Serif" panose="020B0604020202020204" pitchFamily="34" charset="0"/>
+                <a:ea typeface="Microsoft YaHei UI Light" panose="020B0502040204020203" pitchFamily="34" charset="-122"/>
                 <a:cs typeface="Microsoft Sans Serif" panose="020B0604020202020204" pitchFamily="34" charset="0"/>
               </a:rPr>
               <a:t>passwd</a:t>
@@ -11439,7 +11454,7 @@
               <a:rPr lang="en-US" sz="1800" dirty="0">
                 <a:effectLst/>
                 <a:latin typeface="Ubuntu Mono" panose="020B0509030602030204" pitchFamily="49" charset="0"/>
-                <a:ea typeface="Microsoft Sans Serif" panose="020B0604020202020204" pitchFamily="34" charset="0"/>
+                <a:ea typeface="Microsoft YaHei UI Light" panose="020B0502040204020203" pitchFamily="34" charset="-122"/>
                 <a:cs typeface="Microsoft Sans Serif" panose="020B0604020202020204" pitchFamily="34" charset="0"/>
               </a:rPr>
               <a:t> </a:t>
@@ -11447,8 +11462,8 @@
             <a:r>
               <a:rPr lang="en-US" sz="1800" dirty="0">
                 <a:effectLst/>
-                <a:latin typeface="Microsoft Sans Serif" panose="020B0604020202020204" pitchFamily="34" charset="0"/>
-                <a:ea typeface="Microsoft Sans Serif" panose="020B0604020202020204" pitchFamily="34" charset="0"/>
+                <a:latin typeface="Microsoft YaHei UI Light" panose="020B0502040204020203" pitchFamily="34" charset="-122"/>
+                <a:ea typeface="Microsoft YaHei UI Light" panose="020B0502040204020203" pitchFamily="34" charset="-122"/>
                 <a:cs typeface="Microsoft Sans Serif" panose="020B0604020202020204" pitchFamily="34" charset="0"/>
                 <a:sym typeface="Wingdings" panose="05000000000000000000" pitchFamily="2" charset="2"/>
               </a:rPr>
@@ -11456,8 +11471,8 @@
             </a:r>
             <a:endParaRPr lang="en-GB" sz="1800" dirty="0">
               <a:effectLst/>
-              <a:latin typeface="Microsoft Sans Serif" panose="020B0604020202020204" pitchFamily="34" charset="0"/>
-              <a:ea typeface="Microsoft Sans Serif" panose="020B0604020202020204" pitchFamily="34" charset="0"/>
+              <a:latin typeface="Microsoft YaHei UI Light" panose="020B0502040204020203" pitchFamily="34" charset="-122"/>
+              <a:ea typeface="Microsoft YaHei UI Light" panose="020B0502040204020203" pitchFamily="34" charset="-122"/>
               <a:cs typeface="Microsoft Sans Serif" panose="020B0604020202020204" pitchFamily="34" charset="0"/>
             </a:endParaRPr>
           </a:p>
@@ -11517,8 +11532,8 @@
                   <a:schemeClr val="tx1"/>
                 </a:solidFill>
                 <a:effectLst/>
-                <a:latin typeface="Microsoft Sans Serif" panose="020B0604020202020204" pitchFamily="34" charset="0"/>
-                <a:ea typeface="Microsoft Sans Serif" panose="020B0604020202020204" pitchFamily="34" charset="0"/>
+                <a:latin typeface="Microsoft YaHei UI Light" panose="020B0502040204020203" pitchFamily="34" charset="-122"/>
+                <a:ea typeface="Microsoft YaHei UI Light" panose="020B0502040204020203" pitchFamily="34" charset="-122"/>
                 <a:cs typeface="Microsoft Sans Serif" panose="020B0604020202020204" pitchFamily="34" charset="0"/>
               </a:rPr>
               <a:t>CVE-2008-2938 - ATTACKER</a:t>
@@ -11528,8 +11543,8 @@
                 <a:schemeClr val="tx1"/>
               </a:solidFill>
               <a:effectLst/>
-              <a:latin typeface="Microsoft Sans Serif" panose="020B0604020202020204" pitchFamily="34" charset="0"/>
-              <a:ea typeface="Microsoft Sans Serif" panose="020B0604020202020204" pitchFamily="34" charset="0"/>
+              <a:latin typeface="Microsoft YaHei UI Light" panose="020B0502040204020203" pitchFamily="34" charset="-122"/>
+              <a:ea typeface="Microsoft YaHei UI Light" panose="020B0502040204020203" pitchFamily="34" charset="-122"/>
               <a:cs typeface="Microsoft Sans Serif" panose="020B0604020202020204" pitchFamily="34" charset="0"/>
             </a:endParaRPr>
           </a:p>
@@ -11558,11 +11573,11 @@
                   </a:schemeClr>
                 </a:solidFill>
                 <a:effectLst/>
-                <a:latin typeface="Microsoft Sans Serif" panose="020B0604020202020204" pitchFamily="34" charset="0"/>
-                <a:ea typeface="Microsoft Sans Serif" panose="020B0604020202020204" pitchFamily="34" charset="0"/>
-                <a:cs typeface="Microsoft Sans Serif" panose="020B0604020202020204" pitchFamily="34" charset="0"/>
-              </a:rPr>
-              <a:t>05/11/2016</a:t>
+                <a:latin typeface="Microsoft YaHei UI Light" panose="020B0502040204020203" pitchFamily="34" charset="-122"/>
+                <a:ea typeface="Microsoft YaHei UI Light" panose="020B0502040204020203" pitchFamily="34" charset="-122"/>
+                <a:cs typeface="Microsoft Sans Serif" panose="020B0604020202020204" pitchFamily="34" charset="0"/>
+              </a:rPr>
+              <a:t>06/11/2016</a:t>
             </a:fld>
             <a:endParaRPr lang="en-GB" dirty="0">
               <a:solidFill>
@@ -11571,8 +11586,8 @@
                 </a:schemeClr>
               </a:solidFill>
               <a:effectLst/>
-              <a:latin typeface="Microsoft Sans Serif" panose="020B0604020202020204" pitchFamily="34" charset="0"/>
-              <a:ea typeface="Microsoft Sans Serif" panose="020B0604020202020204" pitchFamily="34" charset="0"/>
+              <a:latin typeface="Microsoft YaHei UI Light" panose="020B0502040204020203" pitchFamily="34" charset="-122"/>
+              <a:ea typeface="Microsoft YaHei UI Light" panose="020B0502040204020203" pitchFamily="34" charset="-122"/>
               <a:cs typeface="Microsoft Sans Serif" panose="020B0604020202020204" pitchFamily="34" charset="0"/>
             </a:endParaRPr>
           </a:p>
@@ -11601,8 +11616,8 @@
                   </a:schemeClr>
                 </a:solidFill>
                 <a:effectLst/>
-                <a:latin typeface="Microsoft Sans Serif" panose="020B0604020202020204" pitchFamily="34" charset="0"/>
-                <a:ea typeface="Microsoft Sans Serif" panose="020B0604020202020204" pitchFamily="34" charset="0"/>
+                <a:latin typeface="Microsoft YaHei UI Light" panose="020B0502040204020203" pitchFamily="34" charset="-122"/>
+                <a:ea typeface="Microsoft YaHei UI Light" panose="020B0502040204020203" pitchFamily="34" charset="-122"/>
                 <a:cs typeface="Microsoft Sans Serif" panose="020B0604020202020204" pitchFamily="34" charset="0"/>
               </a:rPr>
               <a:t>Mattia Affabris - Alessandro Pezzé            Offensive Technologies 2016/2017</a:t>
@@ -11635,8 +11650,8 @@
                   </a:schemeClr>
                 </a:solidFill>
                 <a:effectLst/>
-                <a:latin typeface="Microsoft Sans Serif" panose="020B0604020202020204" pitchFamily="34" charset="0"/>
-                <a:ea typeface="Microsoft Sans Serif" panose="020B0604020202020204" pitchFamily="34" charset="0"/>
+                <a:latin typeface="Microsoft YaHei UI Light" panose="020B0502040204020203" pitchFamily="34" charset="-122"/>
+                <a:ea typeface="Microsoft YaHei UI Light" panose="020B0502040204020203" pitchFamily="34" charset="-122"/>
                 <a:cs typeface="Microsoft Sans Serif" panose="020B0604020202020204" pitchFamily="34" charset="0"/>
               </a:rPr>
               <a:t>5</a:t>
@@ -11648,8 +11663,8 @@
                 </a:schemeClr>
               </a:solidFill>
               <a:effectLst/>
-              <a:latin typeface="Microsoft Sans Serif" panose="020B0604020202020204" pitchFamily="34" charset="0"/>
-              <a:ea typeface="Microsoft Sans Serif" panose="020B0604020202020204" pitchFamily="34" charset="0"/>
+              <a:latin typeface="Microsoft YaHei UI Light" panose="020B0502040204020203" pitchFamily="34" charset="-122"/>
+              <a:ea typeface="Microsoft YaHei UI Light" panose="020B0502040204020203" pitchFamily="34" charset="-122"/>
               <a:cs typeface="Microsoft Sans Serif" panose="020B0604020202020204" pitchFamily="34" charset="0"/>
             </a:endParaRPr>
           </a:p>
@@ -11921,8 +11936,8 @@
           </a:lstStyle>
           <a:p>
             <a:endParaRPr lang="en-US" sz="2000" dirty="0">
-              <a:latin typeface="Microsoft Sans Serif" panose="020B0604020202020204" pitchFamily="34" charset="0"/>
-              <a:ea typeface="Microsoft Sans Serif" panose="020B0604020202020204" pitchFamily="34" charset="0"/>
+              <a:latin typeface="Microsoft YaHei UI Light" panose="020B0502040204020203" pitchFamily="34" charset="-122"/>
+              <a:ea typeface="Microsoft YaHei UI Light" panose="020B0502040204020203" pitchFamily="34" charset="-122"/>
               <a:cs typeface="Microsoft Sans Serif" panose="020B0604020202020204" pitchFamily="34" charset="0"/>
             </a:endParaRPr>
           </a:p>
@@ -12308,8 +12323,8 @@
             <a:r>
               <a:rPr lang="en-US" sz="2400" dirty="0">
                 <a:effectLst/>
-                <a:latin typeface="Microsoft Sans Serif" panose="020B0604020202020204" pitchFamily="34" charset="0"/>
-                <a:ea typeface="Microsoft Sans Serif" panose="020B0604020202020204" pitchFamily="34" charset="0"/>
+                <a:latin typeface="Microsoft YaHei UI Light" panose="020B0502040204020203" pitchFamily="34" charset="-122"/>
+                <a:ea typeface="Microsoft YaHei UI Light" panose="020B0502040204020203" pitchFamily="34" charset="-122"/>
                 <a:cs typeface="Microsoft Sans Serif" panose="020B0604020202020204" pitchFamily="34" charset="0"/>
               </a:rPr>
               <a:t>MANUAL</a:t>
@@ -12323,8 +12338,8 @@
             <a:r>
               <a:rPr lang="en-GB" sz="1800" dirty="0">
                 <a:effectLst/>
-                <a:latin typeface="Microsoft Sans Serif" panose="020B0604020202020204" pitchFamily="34" charset="0"/>
-                <a:ea typeface="Microsoft Sans Serif" panose="020B0604020202020204" pitchFamily="34" charset="0"/>
+                <a:latin typeface="Microsoft YaHei UI Light" panose="020B0502040204020203" pitchFamily="34" charset="-122"/>
+                <a:ea typeface="Microsoft YaHei UI Light" panose="020B0502040204020203" pitchFamily="34" charset="-122"/>
                 <a:cs typeface="Microsoft Sans Serif" panose="020B0604020202020204" pitchFamily="34" charset="0"/>
               </a:rPr>
               <a:t>install </a:t>
@@ -12332,16 +12347,16 @@
             <a:r>
               <a:rPr lang="en-GB" sz="1800" dirty="0" err="1">
                 <a:effectLst/>
-                <a:latin typeface="Microsoft Sans Serif" panose="020B0604020202020204" pitchFamily="34" charset="0"/>
-                <a:ea typeface="Microsoft Sans Serif" panose="020B0604020202020204" pitchFamily="34" charset="0"/>
+                <a:latin typeface="Microsoft YaHei UI Light" panose="020B0502040204020203" pitchFamily="34" charset="-122"/>
+                <a:ea typeface="Microsoft YaHei UI Light" panose="020B0502040204020203" pitchFamily="34" charset="-122"/>
                 <a:cs typeface="Microsoft Sans Serif" panose="020B0604020202020204" pitchFamily="34" charset="0"/>
               </a:rPr>
               <a:t>Metasploit</a:t>
             </a:r>
             <a:endParaRPr lang="en-GB" sz="1800" dirty="0">
               <a:effectLst/>
-              <a:latin typeface="Microsoft Sans Serif" panose="020B0604020202020204" pitchFamily="34" charset="0"/>
-              <a:ea typeface="Microsoft Sans Serif" panose="020B0604020202020204" pitchFamily="34" charset="0"/>
+              <a:latin typeface="Microsoft YaHei UI Light" panose="020B0502040204020203" pitchFamily="34" charset="-122"/>
+              <a:ea typeface="Microsoft YaHei UI Light" panose="020B0502040204020203" pitchFamily="34" charset="-122"/>
               <a:cs typeface="Microsoft Sans Serif" panose="020B0604020202020204" pitchFamily="34" charset="0"/>
             </a:endParaRPr>
           </a:p>
@@ -12354,7 +12369,7 @@
               <a:rPr lang="en-US" sz="1800" dirty="0" err="1">
                 <a:effectLst/>
                 <a:latin typeface="Ubuntu Mono" panose="020B0509030602030204" pitchFamily="49" charset="0"/>
-                <a:ea typeface="Microsoft Sans Serif" panose="020B0604020202020204" pitchFamily="34" charset="0"/>
+                <a:ea typeface="Microsoft YaHei UI Light" panose="020B0502040204020203" pitchFamily="34" charset="-122"/>
                 <a:cs typeface="Microsoft Sans Serif" panose="020B0604020202020204" pitchFamily="34" charset="0"/>
               </a:rPr>
               <a:t>wget</a:t>
@@ -12362,8 +12377,8 @@
             <a:r>
               <a:rPr lang="en-US" sz="1800" dirty="0">
                 <a:effectLst/>
-                <a:latin typeface="Microsoft Sans Serif" panose="020B0604020202020204" pitchFamily="34" charset="0"/>
-                <a:ea typeface="Microsoft Sans Serif" panose="020B0604020202020204" pitchFamily="34" charset="0"/>
+                <a:latin typeface="Microsoft YaHei UI Light" panose="020B0502040204020203" pitchFamily="34" charset="-122"/>
+                <a:ea typeface="Microsoft YaHei UI Light" panose="020B0502040204020203" pitchFamily="34" charset="-122"/>
                 <a:cs typeface="Microsoft Sans Serif" panose="020B0604020202020204" pitchFamily="34" charset="0"/>
               </a:rPr>
               <a:t> http://localhost/%c0%ae%c0%ae/ %c0%ae%c0%ae/conf/tomcat-users.xml</a:t>
@@ -12377,16 +12392,16 @@
             <a:r>
               <a:rPr lang="en-US" sz="1800" dirty="0">
                 <a:effectLst/>
-                <a:latin typeface="Microsoft Sans Serif" panose="020B0604020202020204" pitchFamily="34" charset="0"/>
-                <a:ea typeface="Microsoft Sans Serif" panose="020B0604020202020204" pitchFamily="34" charset="0"/>
+                <a:latin typeface="Microsoft YaHei UI Light" panose="020B0502040204020203" pitchFamily="34" charset="-122"/>
+                <a:ea typeface="Microsoft YaHei UI Light" panose="020B0502040204020203" pitchFamily="34" charset="-122"/>
                 <a:cs typeface="Microsoft Sans Serif" panose="020B0604020202020204" pitchFamily="34" charset="0"/>
               </a:rPr>
               <a:t>obtain manager credentials</a:t>
             </a:r>
             <a:endParaRPr lang="en-US" sz="1800" dirty="0">
               <a:effectLst/>
-              <a:latin typeface="Microsoft Sans Serif" panose="020B0604020202020204" pitchFamily="34" charset="0"/>
-              <a:ea typeface="Microsoft Sans Serif" panose="020B0604020202020204" pitchFamily="34" charset="0"/>
+              <a:latin typeface="Microsoft YaHei UI Light" panose="020B0502040204020203" pitchFamily="34" charset="-122"/>
+              <a:ea typeface="Microsoft YaHei UI Light" panose="020B0502040204020203" pitchFamily="34" charset="-122"/>
               <a:cs typeface="Microsoft Sans Serif" panose="020B0604020202020204" pitchFamily="34" charset="0"/>
               <a:sym typeface="Wingdings" panose="05000000000000000000" pitchFamily="2" charset="2"/>
             </a:endParaRPr>
@@ -12399,8 +12414,8 @@
             <a:r>
               <a:rPr lang="en-US" sz="1800" dirty="0">
                 <a:effectLst/>
-                <a:latin typeface="Microsoft Sans Serif" panose="020B0604020202020204" pitchFamily="34" charset="0"/>
-                <a:ea typeface="Microsoft Sans Serif" panose="020B0604020202020204" pitchFamily="34" charset="0"/>
+                <a:latin typeface="Microsoft YaHei UI Light" panose="020B0502040204020203" pitchFamily="34" charset="-122"/>
+                <a:ea typeface="Microsoft YaHei UI Light" panose="020B0502040204020203" pitchFamily="34" charset="-122"/>
                 <a:cs typeface="Microsoft Sans Serif" panose="020B0604020202020204" pitchFamily="34" charset="0"/>
                 <a:sym typeface="Wingdings" panose="05000000000000000000" pitchFamily="2" charset="2"/>
               </a:rPr>
@@ -12409,8 +12424,8 @@
             <a:r>
               <a:rPr lang="en-US" sz="1800" dirty="0" err="1">
                 <a:effectLst/>
-                <a:latin typeface="Microsoft Sans Serif" panose="020B0604020202020204" pitchFamily="34" charset="0"/>
-                <a:ea typeface="Microsoft Sans Serif" panose="020B0604020202020204" pitchFamily="34" charset="0"/>
+                <a:latin typeface="Ubuntu Mono" panose="020B0509030602030204"/>
+                <a:ea typeface="Microsoft YaHei UI Light" panose="020B0502040204020203" pitchFamily="34" charset="-122"/>
                 <a:cs typeface="Microsoft Sans Serif" panose="020B0604020202020204" pitchFamily="34" charset="0"/>
                 <a:sym typeface="Wingdings" panose="05000000000000000000" pitchFamily="2" charset="2"/>
               </a:rPr>
@@ -12418,8 +12433,8 @@
             </a:r>
             <a:endParaRPr lang="en-US" sz="1800" dirty="0">
               <a:effectLst/>
-              <a:latin typeface="Microsoft Sans Serif" panose="020B0604020202020204" pitchFamily="34" charset="0"/>
-              <a:ea typeface="Microsoft Sans Serif" panose="020B0604020202020204" pitchFamily="34" charset="0"/>
+              <a:latin typeface="Ubuntu Mono" panose="020B0509030602030204"/>
+              <a:ea typeface="Microsoft YaHei UI Light" panose="020B0502040204020203" pitchFamily="34" charset="-122"/>
               <a:cs typeface="Microsoft Sans Serif" panose="020B0604020202020204" pitchFamily="34" charset="0"/>
               <a:sym typeface="Wingdings" panose="05000000000000000000" pitchFamily="2" charset="2"/>
             </a:endParaRPr>
@@ -12433,7 +12448,7 @@
               <a:rPr lang="en-US" sz="1800" dirty="0">
                 <a:effectLst/>
                 <a:latin typeface="Ubuntu Mono" panose="020B0509030602030204" pitchFamily="49" charset="0"/>
-                <a:ea typeface="Microsoft Sans Serif" panose="020B0604020202020204" pitchFamily="34" charset="0"/>
+                <a:ea typeface="Microsoft YaHei UI Light" panose="020B0502040204020203" pitchFamily="34" charset="-122"/>
                 <a:cs typeface="Microsoft Sans Serif" panose="020B0604020202020204" pitchFamily="34" charset="0"/>
                 <a:sym typeface="Wingdings" panose="05000000000000000000" pitchFamily="2" charset="2"/>
               </a:rPr>
@@ -12442,8 +12457,8 @@
             <a:r>
               <a:rPr lang="en-US" sz="1800" dirty="0">
                 <a:effectLst/>
-                <a:latin typeface="Microsoft Sans Serif" panose="020B0604020202020204" pitchFamily="34" charset="0"/>
-                <a:ea typeface="Microsoft Sans Serif" panose="020B0604020202020204" pitchFamily="34" charset="0"/>
+                <a:latin typeface="Microsoft YaHei UI Light" panose="020B0502040204020203" pitchFamily="34" charset="-122"/>
+                <a:ea typeface="Microsoft YaHei UI Light" panose="020B0502040204020203" pitchFamily="34" charset="-122"/>
                 <a:cs typeface="Microsoft Sans Serif" panose="020B0604020202020204" pitchFamily="34" charset="0"/>
                 <a:sym typeface="Wingdings" panose="05000000000000000000" pitchFamily="2" charset="2"/>
               </a:rPr>
@@ -12459,7 +12474,7 @@
               <a:rPr lang="en-US" dirty="0">
                 <a:effectLst/>
                 <a:latin typeface="Ubuntu Mono" panose="020B0509030602030204" pitchFamily="49" charset="0"/>
-                <a:ea typeface="Microsoft Sans Serif" panose="020B0604020202020204" pitchFamily="34" charset="0"/>
+                <a:ea typeface="Microsoft YaHei UI Light" panose="020B0502040204020203" pitchFamily="34" charset="-122"/>
                 <a:cs typeface="Microsoft Sans Serif" panose="020B0604020202020204" pitchFamily="34" charset="0"/>
                 <a:sym typeface="Wingdings" panose="05000000000000000000" pitchFamily="2" charset="2"/>
               </a:rPr>
@@ -12468,8 +12483,8 @@
             <a:r>
               <a:rPr lang="en-US" dirty="0">
                 <a:effectLst/>
-                <a:latin typeface="Microsoft Sans Serif" panose="020B0604020202020204" pitchFamily="34" charset="0"/>
-                <a:ea typeface="Microsoft Sans Serif" panose="020B0604020202020204" pitchFamily="34" charset="0"/>
+                <a:latin typeface="Microsoft YaHei UI Light" panose="020B0502040204020203" pitchFamily="34" charset="-122"/>
+                <a:ea typeface="Microsoft YaHei UI Light" panose="020B0502040204020203" pitchFamily="34" charset="-122"/>
                 <a:cs typeface="Microsoft Sans Serif" panose="020B0604020202020204" pitchFamily="34" charset="0"/>
                 <a:sym typeface="Wingdings" panose="05000000000000000000" pitchFamily="2" charset="2"/>
               </a:rPr>
@@ -12479,7 +12494,7 @@
               <a:rPr lang="en-US" dirty="0">
                 <a:effectLst/>
                 <a:latin typeface="Ubuntu Mono" panose="020B0509030602030204" pitchFamily="49" charset="0"/>
-                <a:ea typeface="Microsoft Sans Serif" panose="020B0604020202020204" pitchFamily="34" charset="0"/>
+                <a:ea typeface="Microsoft YaHei UI Light" panose="020B0502040204020203" pitchFamily="34" charset="-122"/>
                 <a:cs typeface="Microsoft Sans Serif" panose="020B0604020202020204" pitchFamily="34" charset="0"/>
                 <a:sym typeface="Wingdings" panose="05000000000000000000" pitchFamily="2" charset="2"/>
               </a:rPr>
@@ -12495,7 +12510,7 @@
               <a:rPr lang="en-US" dirty="0">
                 <a:effectLst/>
                 <a:latin typeface="Ubuntu Mono" panose="020B0509030602030204" pitchFamily="49" charset="0"/>
-                <a:ea typeface="Microsoft Sans Serif" panose="020B0604020202020204" pitchFamily="34" charset="0"/>
+                <a:ea typeface="Microsoft YaHei UI Light" panose="020B0502040204020203" pitchFamily="34" charset="-122"/>
                 <a:cs typeface="Microsoft Sans Serif" panose="020B0604020202020204" pitchFamily="34" charset="0"/>
                 <a:sym typeface="Wingdings" panose="05000000000000000000" pitchFamily="2" charset="2"/>
               </a:rPr>
@@ -12504,8 +12519,8 @@
             <a:r>
               <a:rPr lang="en-US" dirty="0">
                 <a:effectLst/>
-                <a:latin typeface="Microsoft Sans Serif" panose="020B0604020202020204" pitchFamily="34" charset="0"/>
-                <a:ea typeface="Microsoft Sans Serif" panose="020B0604020202020204" pitchFamily="34" charset="0"/>
+                <a:latin typeface="Microsoft YaHei UI Light" panose="020B0502040204020203" pitchFamily="34" charset="-122"/>
+                <a:ea typeface="Microsoft YaHei UI Light" panose="020B0502040204020203" pitchFamily="34" charset="-122"/>
                 <a:cs typeface="Microsoft Sans Serif" panose="020B0604020202020204" pitchFamily="34" charset="0"/>
                 <a:sym typeface="Wingdings" panose="05000000000000000000" pitchFamily="2" charset="2"/>
               </a:rPr>
@@ -12515,7 +12530,7 @@
               <a:rPr lang="en-US" dirty="0">
                 <a:effectLst/>
                 <a:latin typeface="Ubuntu Mono" panose="020B0509030602030204" pitchFamily="49" charset="0"/>
-                <a:ea typeface="Microsoft Sans Serif" panose="020B0604020202020204" pitchFamily="34" charset="0"/>
+                <a:ea typeface="Microsoft YaHei UI Light" panose="020B0502040204020203" pitchFamily="34" charset="-122"/>
                 <a:cs typeface="Microsoft Sans Serif" panose="020B0604020202020204" pitchFamily="34" charset="0"/>
                 <a:sym typeface="Wingdings" panose="05000000000000000000" pitchFamily="2" charset="2"/>
               </a:rPr>
@@ -12531,7 +12546,7 @@
               <a:rPr lang="en-US" sz="1800" dirty="0">
                 <a:effectLst/>
                 <a:latin typeface="Ubuntu Mono" panose="020B0509030602030204" pitchFamily="49" charset="0"/>
-                <a:ea typeface="Microsoft Sans Serif" panose="020B0604020202020204" pitchFamily="34" charset="0"/>
+                <a:ea typeface="Microsoft YaHei UI Light" panose="020B0502040204020203" pitchFamily="34" charset="-122"/>
                 <a:cs typeface="Microsoft Sans Serif" panose="020B0604020202020204" pitchFamily="34" charset="0"/>
                 <a:sym typeface="Wingdings" panose="05000000000000000000" pitchFamily="2" charset="2"/>
               </a:rPr>
@@ -12540,7 +12555,7 @@
             <a:endParaRPr lang="en-GB" sz="1800" dirty="0">
               <a:effectLst/>
               <a:latin typeface="Ubuntu Mono" panose="020B0509030602030204" pitchFamily="49" charset="0"/>
-              <a:ea typeface="Microsoft Sans Serif" panose="020B0604020202020204" pitchFamily="34" charset="0"/>
+              <a:ea typeface="Microsoft YaHei UI Light" panose="020B0502040204020203" pitchFamily="34" charset="-122"/>
               <a:cs typeface="Microsoft Sans Serif" panose="020B0604020202020204" pitchFamily="34" charset="0"/>
             </a:endParaRPr>
           </a:p>
@@ -12926,8 +12941,8 @@
             <a:r>
               <a:rPr lang="en-US" sz="2400" dirty="0">
                 <a:effectLst/>
-                <a:latin typeface="Microsoft Sans Serif" panose="020B0604020202020204" pitchFamily="34" charset="0"/>
-                <a:ea typeface="Microsoft Sans Serif" panose="020B0604020202020204" pitchFamily="34" charset="0"/>
+                <a:latin typeface="Microsoft YaHei UI Light" panose="020B0502040204020203" pitchFamily="34" charset="-122"/>
+                <a:ea typeface="Microsoft YaHei UI Light" panose="020B0502040204020203" pitchFamily="34" charset="-122"/>
                 <a:cs typeface="Microsoft Sans Serif" panose="020B0604020202020204" pitchFamily="34" charset="0"/>
               </a:rPr>
               <a:t>AUTOMATED</a:t>
@@ -12941,8 +12956,8 @@
             <a:r>
               <a:rPr lang="en-GB" sz="1800" dirty="0">
                 <a:effectLst/>
-                <a:latin typeface="Microsoft Sans Serif" panose="020B0604020202020204" pitchFamily="34" charset="0"/>
-                <a:ea typeface="Microsoft Sans Serif" panose="020B0604020202020204" pitchFamily="34" charset="0"/>
+                <a:latin typeface="Microsoft YaHei UI Light" panose="020B0502040204020203" pitchFamily="34" charset="-122"/>
+                <a:ea typeface="Microsoft YaHei UI Light" panose="020B0502040204020203" pitchFamily="34" charset="-122"/>
                 <a:cs typeface="Microsoft Sans Serif" panose="020B0604020202020204" pitchFamily="34" charset="0"/>
               </a:rPr>
               <a:t>install </a:t>
@@ -12950,16 +12965,16 @@
             <a:r>
               <a:rPr lang="en-GB" sz="1800" dirty="0" err="1">
                 <a:effectLst/>
-                <a:latin typeface="Microsoft Sans Serif" panose="020B0604020202020204" pitchFamily="34" charset="0"/>
-                <a:ea typeface="Microsoft Sans Serif" panose="020B0604020202020204" pitchFamily="34" charset="0"/>
+                <a:latin typeface="Microsoft YaHei UI Light" panose="020B0502040204020203" pitchFamily="34" charset="-122"/>
+                <a:ea typeface="Microsoft YaHei UI Light" panose="020B0502040204020203" pitchFamily="34" charset="-122"/>
                 <a:cs typeface="Microsoft Sans Serif" panose="020B0604020202020204" pitchFamily="34" charset="0"/>
               </a:rPr>
               <a:t>Metasploit</a:t>
             </a:r>
             <a:endParaRPr lang="en-GB" sz="1800" dirty="0">
               <a:effectLst/>
-              <a:latin typeface="Microsoft Sans Serif" panose="020B0604020202020204" pitchFamily="34" charset="0"/>
-              <a:ea typeface="Microsoft Sans Serif" panose="020B0604020202020204" pitchFamily="34" charset="0"/>
+              <a:latin typeface="Microsoft YaHei UI Light" panose="020B0502040204020203" pitchFamily="34" charset="-122"/>
+              <a:ea typeface="Microsoft YaHei UI Light" panose="020B0502040204020203" pitchFamily="34" charset="-122"/>
               <a:cs typeface="Microsoft Sans Serif" panose="020B0604020202020204" pitchFamily="34" charset="0"/>
             </a:endParaRPr>
           </a:p>
@@ -12972,7 +12987,7 @@
               <a:rPr lang="en-US" sz="1800" dirty="0">
                 <a:effectLst/>
                 <a:latin typeface="Ubuntu Mono" panose="020B0509030602030204" pitchFamily="49" charset="0"/>
-                <a:ea typeface="Microsoft Sans Serif" panose="020B0604020202020204" pitchFamily="34" charset="0"/>
+                <a:ea typeface="Microsoft YaHei UI Light" panose="020B0502040204020203" pitchFamily="34" charset="-122"/>
                 <a:cs typeface="Microsoft Sans Serif" panose="020B0604020202020204" pitchFamily="34" charset="0"/>
               </a:rPr>
               <a:t>./exploit.py &lt;address&gt;</a:t>
@@ -12980,7 +12995,7 @@
             <a:endParaRPr lang="en-GB" sz="1800" dirty="0">
               <a:effectLst/>
               <a:latin typeface="Ubuntu Mono" panose="020B0509030602030204" pitchFamily="49" charset="0"/>
-              <a:ea typeface="Microsoft Sans Serif" panose="020B0604020202020204" pitchFamily="34" charset="0"/>
+              <a:ea typeface="Microsoft YaHei UI Light" panose="020B0502040204020203" pitchFamily="34" charset="-122"/>
               <a:cs typeface="Microsoft Sans Serif" panose="020B0604020202020204" pitchFamily="34" charset="0"/>
             </a:endParaRPr>
           </a:p>
@@ -13040,8 +13055,8 @@
                   <a:schemeClr val="tx1"/>
                 </a:solidFill>
                 <a:effectLst/>
-                <a:latin typeface="Microsoft Sans Serif" panose="020B0604020202020204" pitchFamily="34" charset="0"/>
-                <a:ea typeface="Microsoft Sans Serif" panose="020B0604020202020204" pitchFamily="34" charset="0"/>
+                <a:latin typeface="Microsoft YaHei UI Light" panose="020B0502040204020203" pitchFamily="34" charset="-122"/>
+                <a:ea typeface="Microsoft YaHei UI Light" panose="020B0502040204020203" pitchFamily="34" charset="-122"/>
                 <a:cs typeface="Microsoft Sans Serif" panose="020B0604020202020204" pitchFamily="34" charset="0"/>
               </a:rPr>
               <a:t>CVE-2008-2938 - VICTIM</a:t>
@@ -13051,8 +13066,8 @@
                 <a:schemeClr val="tx1"/>
               </a:solidFill>
               <a:effectLst/>
-              <a:latin typeface="Microsoft Sans Serif" panose="020B0604020202020204" pitchFamily="34" charset="0"/>
-              <a:ea typeface="Microsoft Sans Serif" panose="020B0604020202020204" pitchFamily="34" charset="0"/>
+              <a:latin typeface="Microsoft YaHei UI Light" panose="020B0502040204020203" pitchFamily="34" charset="-122"/>
+              <a:ea typeface="Microsoft YaHei UI Light" panose="020B0502040204020203" pitchFamily="34" charset="-122"/>
               <a:cs typeface="Microsoft Sans Serif" panose="020B0604020202020204" pitchFamily="34" charset="0"/>
             </a:endParaRPr>
           </a:p>
@@ -13086,8 +13101,8 @@
             <a:r>
               <a:rPr lang="en-US" sz="1800" dirty="0">
                 <a:effectLst/>
-                <a:latin typeface="Microsoft Sans Serif" panose="020B0604020202020204" pitchFamily="34" charset="0"/>
-                <a:ea typeface="Microsoft Sans Serif" panose="020B0604020202020204" pitchFamily="34" charset="0"/>
+                <a:latin typeface="Microsoft YaHei UI Light" panose="020B0502040204020203" pitchFamily="34" charset="-122"/>
+                <a:ea typeface="Microsoft YaHei UI Light" panose="020B0502040204020203" pitchFamily="34" charset="-122"/>
                 <a:cs typeface="Microsoft Sans Serif" panose="020B0604020202020204" pitchFamily="34" charset="0"/>
               </a:rPr>
               <a:t>-</a:t>
@@ -13118,11 +13133,11 @@
                   </a:schemeClr>
                 </a:solidFill>
                 <a:effectLst/>
-                <a:latin typeface="Microsoft Sans Serif" panose="020B0604020202020204" pitchFamily="34" charset="0"/>
-                <a:ea typeface="Microsoft Sans Serif" panose="020B0604020202020204" pitchFamily="34" charset="0"/>
-                <a:cs typeface="Microsoft Sans Serif" panose="020B0604020202020204" pitchFamily="34" charset="0"/>
-              </a:rPr>
-              <a:t>05/11/2016</a:t>
+                <a:latin typeface="Microsoft YaHei UI Light" panose="020B0502040204020203" pitchFamily="34" charset="-122"/>
+                <a:ea typeface="Microsoft YaHei UI Light" panose="020B0502040204020203" pitchFamily="34" charset="-122"/>
+                <a:cs typeface="Microsoft Sans Serif" panose="020B0604020202020204" pitchFamily="34" charset="0"/>
+              </a:rPr>
+              <a:t>06/11/2016</a:t>
             </a:fld>
             <a:endParaRPr lang="en-GB" dirty="0">
               <a:solidFill>
@@ -13131,8 +13146,8 @@
                 </a:schemeClr>
               </a:solidFill>
               <a:effectLst/>
-              <a:latin typeface="Microsoft Sans Serif" panose="020B0604020202020204" pitchFamily="34" charset="0"/>
-              <a:ea typeface="Microsoft Sans Serif" panose="020B0604020202020204" pitchFamily="34" charset="0"/>
+              <a:latin typeface="Microsoft YaHei UI Light" panose="020B0502040204020203" pitchFamily="34" charset="-122"/>
+              <a:ea typeface="Microsoft YaHei UI Light" panose="020B0502040204020203" pitchFamily="34" charset="-122"/>
               <a:cs typeface="Microsoft Sans Serif" panose="020B0604020202020204" pitchFamily="34" charset="0"/>
             </a:endParaRPr>
           </a:p>
@@ -13161,8 +13176,8 @@
                   </a:schemeClr>
                 </a:solidFill>
                 <a:effectLst/>
-                <a:latin typeface="Microsoft Sans Serif" panose="020B0604020202020204" pitchFamily="34" charset="0"/>
-                <a:ea typeface="Microsoft Sans Serif" panose="020B0604020202020204" pitchFamily="34" charset="0"/>
+                <a:latin typeface="Microsoft YaHei UI Light" panose="020B0502040204020203" pitchFamily="34" charset="-122"/>
+                <a:ea typeface="Microsoft YaHei UI Light" panose="020B0502040204020203" pitchFamily="34" charset="-122"/>
                 <a:cs typeface="Microsoft Sans Serif" panose="020B0604020202020204" pitchFamily="34" charset="0"/>
               </a:rPr>
               <a:t>Mattia Affabris - Alessandro Pezzé            Offensive Technologies 2016/2017</a:t>
@@ -13195,8 +13210,8 @@
                   </a:schemeClr>
                 </a:solidFill>
                 <a:effectLst/>
-                <a:latin typeface="Microsoft Sans Serif" panose="020B0604020202020204" pitchFamily="34" charset="0"/>
-                <a:ea typeface="Microsoft Sans Serif" panose="020B0604020202020204" pitchFamily="34" charset="0"/>
+                <a:latin typeface="Microsoft YaHei UI Light" panose="020B0502040204020203" pitchFamily="34" charset="-122"/>
+                <a:ea typeface="Microsoft YaHei UI Light" panose="020B0502040204020203" pitchFamily="34" charset="-122"/>
                 <a:cs typeface="Microsoft Sans Serif" panose="020B0604020202020204" pitchFamily="34" charset="0"/>
               </a:rPr>
               <a:t>6</a:t>
@@ -13208,8 +13223,8 @@
                 </a:schemeClr>
               </a:solidFill>
               <a:effectLst/>
-              <a:latin typeface="Microsoft Sans Serif" panose="020B0604020202020204" pitchFamily="34" charset="0"/>
-              <a:ea typeface="Microsoft Sans Serif" panose="020B0604020202020204" pitchFamily="34" charset="0"/>
+              <a:latin typeface="Microsoft YaHei UI Light" panose="020B0502040204020203" pitchFamily="34" charset="-122"/>
+              <a:ea typeface="Microsoft YaHei UI Light" panose="020B0502040204020203" pitchFamily="34" charset="-122"/>
               <a:cs typeface="Microsoft Sans Serif" panose="020B0604020202020204" pitchFamily="34" charset="0"/>
             </a:endParaRPr>
           </a:p>
@@ -13269,8 +13284,8 @@
                   <a:schemeClr val="tx1"/>
                 </a:solidFill>
                 <a:effectLst/>
-                <a:latin typeface="Microsoft Sans Serif" panose="020B0604020202020204" pitchFamily="34" charset="0"/>
-                <a:ea typeface="Microsoft Sans Serif" panose="020B0604020202020204" pitchFamily="34" charset="0"/>
+                <a:latin typeface="Microsoft YaHei UI Light" panose="020B0502040204020203" pitchFamily="34" charset="-122"/>
+                <a:ea typeface="Microsoft YaHei UI Light" panose="020B0502040204020203" pitchFamily="34" charset="-122"/>
                 <a:cs typeface="Microsoft Sans Serif" panose="020B0604020202020204" pitchFamily="34" charset="0"/>
               </a:rPr>
               <a:t>CVE-2016-1240</a:t>
@@ -13280,8 +13295,8 @@
                 <a:schemeClr val="tx1"/>
               </a:solidFill>
               <a:effectLst/>
-              <a:latin typeface="Microsoft Sans Serif" panose="020B0604020202020204" pitchFamily="34" charset="0"/>
-              <a:ea typeface="Microsoft Sans Serif" panose="020B0604020202020204" pitchFamily="34" charset="0"/>
+              <a:latin typeface="Microsoft YaHei UI Light" panose="020B0502040204020203" pitchFamily="34" charset="-122"/>
+              <a:ea typeface="Microsoft YaHei UI Light" panose="020B0502040204020203" pitchFamily="34" charset="-122"/>
               <a:cs typeface="Microsoft Sans Serif" panose="020B0604020202020204" pitchFamily="34" charset="0"/>
             </a:endParaRPr>
           </a:p>
@@ -13289,6 +13304,135 @@
       </p:sp>
       <p:sp>
         <p:nvSpPr>
+          <p:cNvPr id="3" name="Content Placeholder 2"/>
+          <p:cNvSpPr>
+            <a:spLocks noGrp="1"/>
+          </p:cNvSpPr>
+          <p:nvPr>
+            <p:ph idx="1"/>
+          </p:nvPr>
+        </p:nvSpPr>
+        <p:spPr>
+          <a:xfrm>
+            <a:off x="913794" y="1580050"/>
+            <a:ext cx="10353761" cy="1604701"/>
+          </a:xfrm>
+        </p:spPr>
+        <p:txBody>
+          <a:bodyPr anchor="t">
+            <a:normAutofit/>
+          </a:bodyPr>
+          <a:lstStyle/>
+          <a:p>
+            <a:pPr marL="0" indent="0" algn="just">
+              <a:buNone/>
+            </a:pPr>
+            <a:r>
+              <a:rPr lang="en-US" sz="1800" dirty="0">
+                <a:effectLst/>
+                <a:latin typeface="Microsoft YaHei UI Light" panose="020B0502040204020203" pitchFamily="34" charset="-122"/>
+                <a:ea typeface="Microsoft YaHei UI Light" panose="020B0502040204020203" pitchFamily="34" charset="-122"/>
+                <a:cs typeface="Microsoft Sans Serif" panose="020B0604020202020204" pitchFamily="34" charset="0"/>
+              </a:rPr>
+              <a:t>The </a:t>
+            </a:r>
+            <a:r>
+              <a:rPr lang="en-US" sz="1800" dirty="0">
+                <a:effectLst/>
+                <a:latin typeface="Ubuntu Mono" panose="020B0509030602030204" pitchFamily="49" charset="0"/>
+                <a:ea typeface="Microsoft YaHei UI Light" panose="020B0502040204020203" pitchFamily="34" charset="-122"/>
+                <a:cs typeface="Microsoft Sans Serif" panose="020B0604020202020204" pitchFamily="34" charset="0"/>
+              </a:rPr>
+              <a:t>init.d</a:t>
+            </a:r>
+            <a:r>
+              <a:rPr lang="en-US" sz="1800" dirty="0">
+                <a:effectLst/>
+                <a:latin typeface="Microsoft YaHei UI Light" panose="020B0502040204020203" pitchFamily="34" charset="-122"/>
+                <a:ea typeface="Microsoft YaHei UI Light" panose="020B0502040204020203" pitchFamily="34" charset="-122"/>
+                <a:cs typeface="Microsoft Sans Serif" panose="020B0604020202020204" pitchFamily="34" charset="0"/>
+              </a:rPr>
+              <a:t> script provided by Ubuntu and Debian Tomcat installations improperly utilizes </a:t>
+            </a:r>
+            <a:r>
+              <a:rPr lang="en-US" sz="1800" dirty="0">
+                <a:effectLst/>
+                <a:latin typeface="Ubuntu Mono" panose="020B0509030602030204" pitchFamily="49" charset="0"/>
+                <a:ea typeface="Microsoft YaHei UI Light" panose="020B0502040204020203" pitchFamily="34" charset="-122"/>
+                <a:cs typeface="Microsoft Sans Serif" panose="020B0604020202020204" pitchFamily="34" charset="0"/>
+              </a:rPr>
+              <a:t>chown</a:t>
+            </a:r>
+            <a:r>
+              <a:rPr lang="en-US" sz="1800" dirty="0">
+                <a:effectLst/>
+                <a:latin typeface="Microsoft YaHei UI Light" panose="020B0502040204020203" pitchFamily="34" charset="-122"/>
+                <a:ea typeface="Microsoft YaHei UI Light" panose="020B0502040204020203" pitchFamily="34" charset="-122"/>
+                <a:cs typeface="Microsoft Sans Serif" panose="020B0604020202020204" pitchFamily="34" charset="0"/>
+              </a:rPr>
+              <a:t> on the </a:t>
+            </a:r>
+            <a:r>
+              <a:rPr lang="en-US" sz="1800" dirty="0">
+                <a:effectLst/>
+                <a:latin typeface="Ubuntu Mono" panose="020B0509030602030204" pitchFamily="49" charset="0"/>
+                <a:ea typeface="Microsoft YaHei UI Light" panose="020B0502040204020203" pitchFamily="34" charset="-122"/>
+                <a:cs typeface="Microsoft Sans Serif" panose="020B0604020202020204" pitchFamily="34" charset="0"/>
+              </a:rPr>
+              <a:t>catalina.log</a:t>
+            </a:r>
+            <a:r>
+              <a:rPr lang="en-US" sz="1800" dirty="0">
+                <a:effectLst/>
+                <a:latin typeface="Microsoft YaHei UI Light" panose="020B0502040204020203" pitchFamily="34" charset="-122"/>
+                <a:ea typeface="Microsoft YaHei UI Light" panose="020B0502040204020203" pitchFamily="34" charset="-122"/>
+                <a:cs typeface="Microsoft Sans Serif" panose="020B0604020202020204" pitchFamily="34" charset="0"/>
+              </a:rPr>
+              <a:t> file, allowing a malicious attacker with normal user shell access to soft link it to any system file and take posses of that file once the server is restarted by a root user (a requirement of the </a:t>
+            </a:r>
+            <a:r>
+              <a:rPr lang="en-US" sz="1800" dirty="0" err="1">
+                <a:effectLst/>
+                <a:latin typeface="Ubuntu Mono" panose="020B0509030602030204" pitchFamily="49" charset="0"/>
+                <a:ea typeface="Microsoft YaHei UI Light" panose="020B0502040204020203" pitchFamily="34" charset="-122"/>
+                <a:cs typeface="Microsoft Sans Serif" panose="020B0604020202020204" pitchFamily="34" charset="0"/>
+              </a:rPr>
+              <a:t>init.d</a:t>
+            </a:r>
+            <a:r>
+              <a:rPr lang="en-US" sz="1800" dirty="0">
+                <a:effectLst/>
+                <a:latin typeface="Ubuntu Mono" panose="020B0509030602030204" pitchFamily="49" charset="0"/>
+                <a:ea typeface="Microsoft YaHei UI Light" panose="020B0502040204020203" pitchFamily="34" charset="-122"/>
+                <a:cs typeface="Microsoft Sans Serif" panose="020B0604020202020204" pitchFamily="34" charset="0"/>
+              </a:rPr>
+              <a:t> </a:t>
+            </a:r>
+            <a:r>
+              <a:rPr lang="en-US" sz="1800" dirty="0">
+                <a:effectLst/>
+                <a:latin typeface="Microsoft YaHei UI Light" panose="020B0502040204020203" pitchFamily="34" charset="-122"/>
+                <a:ea typeface="Microsoft YaHei UI Light" panose="020B0502040204020203" pitchFamily="34" charset="-122"/>
+                <a:cs typeface="Microsoft Sans Serif" panose="020B0604020202020204" pitchFamily="34" charset="0"/>
+              </a:rPr>
+              <a:t>start script itself).</a:t>
+            </a:r>
+          </a:p>
+          <a:p>
+            <a:pPr marL="0" indent="0">
+              <a:buNone/>
+            </a:pPr>
+            <a:endParaRPr lang="en-US" sz="1800" dirty="0">
+              <a:effectLst/>
+              <a:latin typeface="Microsoft YaHei UI Light" panose="020B0502040204020203" pitchFamily="34" charset="-122"/>
+              <a:ea typeface="Microsoft YaHei UI Light" panose="020B0502040204020203" pitchFamily="34" charset="-122"/>
+              <a:cs typeface="Microsoft Sans Serif" panose="020B0604020202020204" pitchFamily="34" charset="0"/>
+            </a:endParaRPr>
+          </a:p>
+        </p:txBody>
+      </p:sp>
+      <p:sp>
+        <p:nvSpPr>
           <p:cNvPr id="5" name="Date Placeholder 4"/>
           <p:cNvSpPr>
             <a:spLocks noGrp="1"/>
@@ -13302,7 +13446,7 @@
           <a:bodyPr/>
           <a:lstStyle/>
           <a:p>
-            <a:fld id="{7B4F249F-9B16-4A86-8580-3765005C631A}" type="datetime1">
+            <a:fld id="{545F2D73-9F02-4C7D-85D8-74FDA869ED9B}" type="datetime1">
               <a:rPr lang="en-GB" smtClean="0">
                 <a:solidFill>
                   <a:schemeClr val="tx2">
@@ -13310,11 +13454,11 @@
                   </a:schemeClr>
                 </a:solidFill>
                 <a:effectLst/>
-                <a:latin typeface="Microsoft Sans Serif" panose="020B0604020202020204" pitchFamily="34" charset="0"/>
-                <a:ea typeface="Microsoft Sans Serif" panose="020B0604020202020204" pitchFamily="34" charset="0"/>
-                <a:cs typeface="Microsoft Sans Serif" panose="020B0604020202020204" pitchFamily="34" charset="0"/>
-              </a:rPr>
-              <a:t>05/11/2016</a:t>
+                <a:latin typeface="Microsoft YaHei UI Light" panose="020B0502040204020203" pitchFamily="34" charset="-122"/>
+                <a:ea typeface="Microsoft YaHei UI Light" panose="020B0502040204020203" pitchFamily="34" charset="-122"/>
+                <a:cs typeface="Microsoft Sans Serif" panose="020B0604020202020204" pitchFamily="34" charset="0"/>
+              </a:rPr>
+              <a:t>06/11/2016</a:t>
             </a:fld>
             <a:endParaRPr lang="en-GB" dirty="0">
               <a:solidFill>
@@ -13323,8 +13467,8 @@
                 </a:schemeClr>
               </a:solidFill>
               <a:effectLst/>
-              <a:latin typeface="Microsoft Sans Serif" panose="020B0604020202020204" pitchFamily="34" charset="0"/>
-              <a:ea typeface="Microsoft Sans Serif" panose="020B0604020202020204" pitchFamily="34" charset="0"/>
+              <a:latin typeface="Microsoft YaHei UI Light" panose="020B0502040204020203" pitchFamily="34" charset="-122"/>
+              <a:ea typeface="Microsoft YaHei UI Light" panose="020B0502040204020203" pitchFamily="34" charset="-122"/>
               <a:cs typeface="Microsoft Sans Serif" panose="020B0604020202020204" pitchFamily="34" charset="0"/>
             </a:endParaRPr>
           </a:p>
@@ -13332,7 +13476,7 @@
       </p:sp>
       <p:sp>
         <p:nvSpPr>
-          <p:cNvPr id="8" name="Footer Placeholder 7"/>
+          <p:cNvPr id="6" name="Footer Placeholder 5"/>
           <p:cNvSpPr>
             <a:spLocks noGrp="1"/>
           </p:cNvSpPr>
@@ -13353,8 +13497,8 @@
                   </a:schemeClr>
                 </a:solidFill>
                 <a:effectLst/>
-                <a:latin typeface="Microsoft Sans Serif" panose="020B0604020202020204" pitchFamily="34" charset="0"/>
-                <a:ea typeface="Microsoft Sans Serif" panose="020B0604020202020204" pitchFamily="34" charset="0"/>
+                <a:latin typeface="Microsoft YaHei UI Light" panose="020B0502040204020203" pitchFamily="34" charset="-122"/>
+                <a:ea typeface="Microsoft YaHei UI Light" panose="020B0502040204020203" pitchFamily="34" charset="-122"/>
                 <a:cs typeface="Microsoft Sans Serif" panose="020B0604020202020204" pitchFamily="34" charset="0"/>
               </a:rPr>
               <a:t>Mattia Affabris - Alessandro Pezzé            Offensive Technologies 2016/2017</a:t>
@@ -13364,7 +13508,7 @@
       </p:sp>
       <p:sp>
         <p:nvSpPr>
-          <p:cNvPr id="9" name="Slide Number Placeholder 8"/>
+          <p:cNvPr id="7" name="Slide Number Placeholder 6"/>
           <p:cNvSpPr>
             <a:spLocks noGrp="1"/>
           </p:cNvSpPr>
@@ -13387,8 +13531,8 @@
                   </a:schemeClr>
                 </a:solidFill>
                 <a:effectLst/>
-                <a:latin typeface="Microsoft Sans Serif" panose="020B0604020202020204" pitchFamily="34" charset="0"/>
-                <a:ea typeface="Microsoft Sans Serif" panose="020B0604020202020204" pitchFamily="34" charset="0"/>
+                <a:latin typeface="Microsoft YaHei UI Light" panose="020B0502040204020203" pitchFamily="34" charset="-122"/>
+                <a:ea typeface="Microsoft YaHei UI Light" panose="020B0502040204020203" pitchFamily="34" charset="-122"/>
                 <a:cs typeface="Microsoft Sans Serif" panose="020B0604020202020204" pitchFamily="34" charset="0"/>
               </a:rPr>
               <a:t>7</a:t>
@@ -13400,1472 +13544,8 @@
                 </a:schemeClr>
               </a:solidFill>
               <a:effectLst/>
-              <a:latin typeface="Microsoft Sans Serif" panose="020B0604020202020204" pitchFamily="34" charset="0"/>
-              <a:ea typeface="Microsoft Sans Serif" panose="020B0604020202020204" pitchFamily="34" charset="0"/>
-              <a:cs typeface="Microsoft Sans Serif" panose="020B0604020202020204" pitchFamily="34" charset="0"/>
-            </a:endParaRPr>
-          </a:p>
-        </p:txBody>
-      </p:sp>
-      <p:sp>
-        <p:nvSpPr>
-          <p:cNvPr id="7" name="Content Placeholder 2"/>
-          <p:cNvSpPr txBox="1">
-            <a:spLocks/>
-          </p:cNvSpPr>
-          <p:nvPr/>
-        </p:nvSpPr>
-        <p:spPr>
-          <a:xfrm>
-            <a:off x="6400800" y="1828799"/>
-            <a:ext cx="4238596" cy="4351337"/>
-          </a:xfrm>
-          <a:prstGeom prst="rect">
-            <a:avLst/>
-          </a:prstGeom>
-        </p:spPr>
-        <p:txBody>
-          <a:bodyPr vert="horz" lIns="91440" tIns="45720" rIns="91440" bIns="45720" rtlCol="0">
-            <a:normAutofit/>
-          </a:bodyPr>
-          <a:lstStyle>
-            <a:lvl1pPr marL="182880" indent="-182880" algn="l" defTabSz="914400" rtl="0" eaLnBrk="1" latinLnBrk="0" hangingPunct="1">
-              <a:lnSpc>
-                <a:spcPct val="95000"/>
-              </a:lnSpc>
-              <a:spcBef>
-                <a:spcPts val="1400"/>
-              </a:spcBef>
-              <a:spcAft>
-                <a:spcPts val="200"/>
-              </a:spcAft>
-              <a:buClr>
-                <a:schemeClr val="accent1"/>
-              </a:buClr>
-              <a:buSzPct val="80000"/>
-              <a:buFont typeface="Arial" pitchFamily="34" charset="0"/>
-              <a:buChar char="•"/>
-              <a:defRPr sz="1800" kern="1200" spc="10" baseline="0">
-                <a:solidFill>
-                  <a:schemeClr val="tx1"/>
-                </a:solidFill>
-                <a:latin typeface="+mn-lt"/>
-                <a:ea typeface="+mn-ea"/>
-                <a:cs typeface="+mn-cs"/>
-              </a:defRPr>
-            </a:lvl1pPr>
-            <a:lvl2pPr marL="457200" indent="-182880" algn="l" defTabSz="914400" rtl="0" eaLnBrk="1" latinLnBrk="0" hangingPunct="1">
-              <a:lnSpc>
-                <a:spcPct val="90000"/>
-              </a:lnSpc>
-              <a:spcBef>
-                <a:spcPts val="300"/>
-              </a:spcBef>
-              <a:spcAft>
-                <a:spcPts val="300"/>
-              </a:spcAft>
-              <a:buClr>
-                <a:schemeClr val="accent1"/>
-              </a:buClr>
-              <a:buFont typeface="Wingdings 2" pitchFamily="18" charset="2"/>
-              <a:buChar char=""/>
-              <a:defRPr sz="1600" kern="1200">
-                <a:solidFill>
-                  <a:schemeClr val="tx1">
-                    <a:lumMod val="85000"/>
-                    <a:lumOff val="15000"/>
-                  </a:schemeClr>
-                </a:solidFill>
-                <a:latin typeface="+mn-lt"/>
-                <a:ea typeface="+mn-ea"/>
-                <a:cs typeface="+mn-cs"/>
-              </a:defRPr>
-            </a:lvl2pPr>
-            <a:lvl3pPr marL="731520" indent="-182880" algn="l" defTabSz="914400" rtl="0" eaLnBrk="1" latinLnBrk="0" hangingPunct="1">
-              <a:lnSpc>
-                <a:spcPct val="90000"/>
-              </a:lnSpc>
-              <a:spcBef>
-                <a:spcPts val="300"/>
-              </a:spcBef>
-              <a:spcAft>
-                <a:spcPts val="300"/>
-              </a:spcAft>
-              <a:buClr>
-                <a:schemeClr val="accent1"/>
-              </a:buClr>
-              <a:buFont typeface="Wingdings 2" pitchFamily="18" charset="2"/>
-              <a:buChar char=""/>
-              <a:defRPr sz="1400" kern="1200">
-                <a:solidFill>
-                  <a:schemeClr val="tx1">
-                    <a:lumMod val="85000"/>
-                    <a:lumOff val="15000"/>
-                  </a:schemeClr>
-                </a:solidFill>
-                <a:latin typeface="+mn-lt"/>
-                <a:ea typeface="+mn-ea"/>
-                <a:cs typeface="+mn-cs"/>
-              </a:defRPr>
-            </a:lvl3pPr>
-            <a:lvl4pPr marL="1005840" indent="-182880" algn="l" defTabSz="914400" rtl="0" eaLnBrk="1" latinLnBrk="0" hangingPunct="1">
-              <a:lnSpc>
-                <a:spcPct val="90000"/>
-              </a:lnSpc>
-              <a:spcBef>
-                <a:spcPts val="300"/>
-              </a:spcBef>
-              <a:spcAft>
-                <a:spcPts val="300"/>
-              </a:spcAft>
-              <a:buClr>
-                <a:schemeClr val="accent1"/>
-              </a:buClr>
-              <a:buFont typeface="Wingdings 2" pitchFamily="18" charset="2"/>
-              <a:buChar char=""/>
-              <a:defRPr sz="1400" kern="1200">
-                <a:solidFill>
-                  <a:schemeClr val="tx1">
-                    <a:lumMod val="85000"/>
-                    <a:lumOff val="15000"/>
-                  </a:schemeClr>
-                </a:solidFill>
-                <a:latin typeface="+mn-lt"/>
-                <a:ea typeface="+mn-ea"/>
-                <a:cs typeface="+mn-cs"/>
-              </a:defRPr>
-            </a:lvl4pPr>
-            <a:lvl5pPr marL="1280160" indent="-182880" algn="l" defTabSz="914400" rtl="0" eaLnBrk="1" latinLnBrk="0" hangingPunct="1">
-              <a:lnSpc>
-                <a:spcPct val="90000"/>
-              </a:lnSpc>
-              <a:spcBef>
-                <a:spcPts val="300"/>
-              </a:spcBef>
-              <a:spcAft>
-                <a:spcPts val="300"/>
-              </a:spcAft>
-              <a:buClr>
-                <a:schemeClr val="accent1"/>
-              </a:buClr>
-              <a:buFont typeface="Wingdings 2" pitchFamily="18" charset="2"/>
-              <a:buChar char=""/>
-              <a:defRPr sz="1400" kern="1200">
-                <a:solidFill>
-                  <a:schemeClr val="tx1">
-                    <a:lumMod val="85000"/>
-                    <a:lumOff val="15000"/>
-                  </a:schemeClr>
-                </a:solidFill>
-                <a:latin typeface="+mn-lt"/>
-                <a:ea typeface="+mn-ea"/>
-                <a:cs typeface="+mn-cs"/>
-              </a:defRPr>
-            </a:lvl5pPr>
-            <a:lvl6pPr marL="1600000" indent="-228600" algn="l" defTabSz="914400" rtl="0" eaLnBrk="1" latinLnBrk="0" hangingPunct="1">
-              <a:lnSpc>
-                <a:spcPct val="90000"/>
-              </a:lnSpc>
-              <a:spcBef>
-                <a:spcPts val="300"/>
-              </a:spcBef>
-              <a:spcAft>
-                <a:spcPts val="300"/>
-              </a:spcAft>
-              <a:buClr>
-                <a:schemeClr val="accent1"/>
-              </a:buClr>
-              <a:buFont typeface="Wingdings 2" pitchFamily="18" charset="2"/>
-              <a:buChar char=""/>
-              <a:defRPr sz="1400" kern="1200">
-                <a:solidFill>
-                  <a:schemeClr val="tx1">
-                    <a:lumMod val="85000"/>
-                    <a:lumOff val="15000"/>
-                  </a:schemeClr>
-                </a:solidFill>
-                <a:latin typeface="+mn-lt"/>
-                <a:ea typeface="+mn-ea"/>
-                <a:cs typeface="+mn-cs"/>
-              </a:defRPr>
-            </a:lvl6pPr>
-            <a:lvl7pPr marL="1900000" indent="-228600" algn="l" defTabSz="914400" rtl="0" eaLnBrk="1" latinLnBrk="0" hangingPunct="1">
-              <a:lnSpc>
-                <a:spcPct val="90000"/>
-              </a:lnSpc>
-              <a:spcBef>
-                <a:spcPts val="300"/>
-              </a:spcBef>
-              <a:spcAft>
-                <a:spcPts val="300"/>
-              </a:spcAft>
-              <a:buClr>
-                <a:schemeClr val="accent1"/>
-              </a:buClr>
-              <a:buFont typeface="Wingdings 2" pitchFamily="18" charset="2"/>
-              <a:buChar char=""/>
-              <a:defRPr sz="1400" kern="1200">
-                <a:solidFill>
-                  <a:schemeClr val="tx1">
-                    <a:lumMod val="85000"/>
-                    <a:lumOff val="15000"/>
-                  </a:schemeClr>
-                </a:solidFill>
-                <a:latin typeface="+mn-lt"/>
-                <a:ea typeface="+mn-ea"/>
-                <a:cs typeface="+mn-cs"/>
-              </a:defRPr>
-            </a:lvl7pPr>
-            <a:lvl8pPr marL="2200000" indent="-228600" algn="l" defTabSz="914400" rtl="0" eaLnBrk="1" latinLnBrk="0" hangingPunct="1">
-              <a:lnSpc>
-                <a:spcPct val="90000"/>
-              </a:lnSpc>
-              <a:spcBef>
-                <a:spcPts val="300"/>
-              </a:spcBef>
-              <a:spcAft>
-                <a:spcPts val="300"/>
-              </a:spcAft>
-              <a:buClr>
-                <a:schemeClr val="accent1"/>
-              </a:buClr>
-              <a:buFont typeface="Wingdings 2" pitchFamily="18" charset="2"/>
-              <a:buChar char=""/>
-              <a:defRPr sz="1400" kern="1200">
-                <a:solidFill>
-                  <a:schemeClr val="tx1">
-                    <a:lumMod val="85000"/>
-                    <a:lumOff val="15000"/>
-                  </a:schemeClr>
-                </a:solidFill>
-                <a:latin typeface="+mn-lt"/>
-                <a:ea typeface="+mn-ea"/>
-                <a:cs typeface="+mn-cs"/>
-              </a:defRPr>
-            </a:lvl8pPr>
-            <a:lvl9pPr marL="2500000" indent="-228600" algn="l" defTabSz="914400" rtl="0" eaLnBrk="1" latinLnBrk="0" hangingPunct="1">
-              <a:lnSpc>
-                <a:spcPct val="90000"/>
-              </a:lnSpc>
-              <a:spcBef>
-                <a:spcPts val="300"/>
-              </a:spcBef>
-              <a:spcAft>
-                <a:spcPts val="300"/>
-              </a:spcAft>
-              <a:buClr>
-                <a:schemeClr val="accent1"/>
-              </a:buClr>
-              <a:buFont typeface="Wingdings 2" pitchFamily="18" charset="2"/>
-              <a:buChar char=""/>
-              <a:defRPr sz="1400" kern="1200">
-                <a:solidFill>
-                  <a:schemeClr val="tx1">
-                    <a:lumMod val="85000"/>
-                    <a:lumOff val="15000"/>
-                  </a:schemeClr>
-                </a:solidFill>
-                <a:latin typeface="+mn-lt"/>
-                <a:ea typeface="+mn-ea"/>
-                <a:cs typeface="+mn-cs"/>
-              </a:defRPr>
-            </a:lvl9pPr>
-          </a:lstStyle>
-          <a:p>
-            <a:endParaRPr lang="en-GB" dirty="0">
-              <a:latin typeface="Microsoft Sans Serif" panose="020B0604020202020204" pitchFamily="34" charset="0"/>
-              <a:ea typeface="Microsoft Sans Serif" panose="020B0604020202020204" pitchFamily="34" charset="0"/>
-              <a:cs typeface="Microsoft Sans Serif" panose="020B0604020202020204" pitchFamily="34" charset="0"/>
-            </a:endParaRPr>
-          </a:p>
-        </p:txBody>
-      </p:sp>
-      <p:sp>
-        <p:nvSpPr>
-          <p:cNvPr id="10" name="Content Placeholder 2"/>
-          <p:cNvSpPr txBox="1">
-            <a:spLocks/>
-          </p:cNvSpPr>
-          <p:nvPr/>
-        </p:nvSpPr>
-        <p:spPr>
-          <a:xfrm>
-            <a:off x="913795" y="1580050"/>
-            <a:ext cx="4640400" cy="4054474"/>
-          </a:xfrm>
-          <a:prstGeom prst="rect">
-            <a:avLst/>
-          </a:prstGeom>
-          <a:effectLst>
-            <a:outerShdw blurRad="25400" dir="17880000">
-              <a:srgbClr val="000000">
-                <a:alpha val="46000"/>
-              </a:srgbClr>
-            </a:outerShdw>
-          </a:effectLst>
-        </p:spPr>
-        <p:txBody>
-          <a:bodyPr vert="horz" lIns="91440" tIns="45720" rIns="91440" bIns="45720" rtlCol="0" anchor="t">
-            <a:noAutofit/>
-          </a:bodyPr>
-          <a:lstStyle>
-            <a:lvl1pPr marL="342900" indent="-306000" algn="l" defTabSz="457200" rtl="0" eaLnBrk="1" latinLnBrk="0" hangingPunct="1">
-              <a:spcBef>
-                <a:spcPct val="20000"/>
-              </a:spcBef>
-              <a:spcAft>
-                <a:spcPts val="600"/>
-              </a:spcAft>
-              <a:buClr>
-                <a:schemeClr val="tx2"/>
-              </a:buClr>
-              <a:buSzPct val="70000"/>
-              <a:buFont typeface="Wingdings 2" charset="2"/>
-              <a:buChar char=""/>
-              <a:defRPr sz="2000" kern="1200">
-                <a:ln>
-                  <a:solidFill>
-                    <a:schemeClr val="bg1">
-                      <a:lumMod val="75000"/>
-                      <a:lumOff val="25000"/>
-                      <a:alpha val="10000"/>
-                    </a:schemeClr>
-                  </a:solidFill>
-                </a:ln>
-                <a:solidFill>
-                  <a:schemeClr val="tx2"/>
-                </a:solidFill>
-                <a:effectLst>
-                  <a:outerShdw blurRad="9525" dist="25400" dir="14640000" algn="tl" rotWithShape="0">
-                    <a:schemeClr val="bg1">
-                      <a:alpha val="30000"/>
-                    </a:schemeClr>
-                  </a:outerShdw>
-                </a:effectLst>
-                <a:latin typeface="+mn-lt"/>
-                <a:ea typeface="+mn-ea"/>
-                <a:cs typeface="+mn-cs"/>
-              </a:defRPr>
-            </a:lvl1pPr>
-            <a:lvl2pPr marL="720000" indent="-270000" algn="l" defTabSz="457200" rtl="0" eaLnBrk="1" latinLnBrk="0" hangingPunct="1">
-              <a:spcBef>
-                <a:spcPct val="20000"/>
-              </a:spcBef>
-              <a:spcAft>
-                <a:spcPts val="600"/>
-              </a:spcAft>
-              <a:buClr>
-                <a:schemeClr val="tx2"/>
-              </a:buClr>
-              <a:buSzPct val="70000"/>
-              <a:buFont typeface="Wingdings 2" charset="2"/>
-              <a:buChar char=""/>
-              <a:defRPr sz="1800" kern="1200">
-                <a:ln>
-                  <a:solidFill>
-                    <a:schemeClr val="bg1">
-                      <a:lumMod val="75000"/>
-                      <a:lumOff val="25000"/>
-                      <a:alpha val="10000"/>
-                    </a:schemeClr>
-                  </a:solidFill>
-                </a:ln>
-                <a:solidFill>
-                  <a:schemeClr val="tx2"/>
-                </a:solidFill>
-                <a:effectLst>
-                  <a:outerShdw blurRad="9525" dist="25400" dir="14640000" algn="tl" rotWithShape="0">
-                    <a:schemeClr val="bg1">
-                      <a:alpha val="30000"/>
-                    </a:schemeClr>
-                  </a:outerShdw>
-                </a:effectLst>
-                <a:latin typeface="+mn-lt"/>
-                <a:ea typeface="+mn-ea"/>
-                <a:cs typeface="+mn-cs"/>
-              </a:defRPr>
-            </a:lvl2pPr>
-            <a:lvl3pPr marL="1026000" indent="-216000" algn="l" defTabSz="457200" rtl="0" eaLnBrk="1" latinLnBrk="0" hangingPunct="1">
-              <a:spcBef>
-                <a:spcPct val="20000"/>
-              </a:spcBef>
-              <a:spcAft>
-                <a:spcPts val="600"/>
-              </a:spcAft>
-              <a:buClr>
-                <a:schemeClr val="tx2"/>
-              </a:buClr>
-              <a:buSzPct val="70000"/>
-              <a:buFont typeface="Wingdings 2" charset="2"/>
-              <a:buChar char=""/>
-              <a:defRPr sz="1600" kern="1200">
-                <a:ln>
-                  <a:solidFill>
-                    <a:schemeClr val="bg1">
-                      <a:lumMod val="75000"/>
-                      <a:lumOff val="25000"/>
-                      <a:alpha val="10000"/>
-                    </a:schemeClr>
-                  </a:solidFill>
-                </a:ln>
-                <a:solidFill>
-                  <a:schemeClr val="tx2"/>
-                </a:solidFill>
-                <a:effectLst>
-                  <a:outerShdw blurRad="9525" dist="25400" dir="14640000" algn="tl" rotWithShape="0">
-                    <a:schemeClr val="bg1">
-                      <a:alpha val="30000"/>
-                    </a:schemeClr>
-                  </a:outerShdw>
-                </a:effectLst>
-                <a:latin typeface="+mn-lt"/>
-                <a:ea typeface="+mn-ea"/>
-                <a:cs typeface="+mn-cs"/>
-              </a:defRPr>
-            </a:lvl3pPr>
-            <a:lvl4pPr marL="1386000" indent="-216000" algn="l" defTabSz="457200" rtl="0" eaLnBrk="1" latinLnBrk="0" hangingPunct="1">
-              <a:spcBef>
-                <a:spcPct val="20000"/>
-              </a:spcBef>
-              <a:spcAft>
-                <a:spcPts val="600"/>
-              </a:spcAft>
-              <a:buClr>
-                <a:schemeClr val="tx2"/>
-              </a:buClr>
-              <a:buSzPct val="70000"/>
-              <a:buFont typeface="Wingdings 2" charset="2"/>
-              <a:buChar char=""/>
-              <a:defRPr sz="1400" kern="1200">
-                <a:ln>
-                  <a:solidFill>
-                    <a:schemeClr val="bg1">
-                      <a:lumMod val="75000"/>
-                      <a:lumOff val="25000"/>
-                      <a:alpha val="10000"/>
-                    </a:schemeClr>
-                  </a:solidFill>
-                </a:ln>
-                <a:solidFill>
-                  <a:schemeClr val="tx2"/>
-                </a:solidFill>
-                <a:effectLst>
-                  <a:outerShdw blurRad="9525" dist="25400" dir="14640000" algn="tl" rotWithShape="0">
-                    <a:schemeClr val="bg1">
-                      <a:alpha val="30000"/>
-                    </a:schemeClr>
-                  </a:outerShdw>
-                </a:effectLst>
-                <a:latin typeface="+mn-lt"/>
-                <a:ea typeface="+mn-ea"/>
-                <a:cs typeface="+mn-cs"/>
-              </a:defRPr>
-            </a:lvl4pPr>
-            <a:lvl5pPr marL="1674000" indent="-216000" algn="l" defTabSz="457200" rtl="0" eaLnBrk="1" latinLnBrk="0" hangingPunct="1">
-              <a:spcBef>
-                <a:spcPct val="20000"/>
-              </a:spcBef>
-              <a:spcAft>
-                <a:spcPts val="600"/>
-              </a:spcAft>
-              <a:buClr>
-                <a:schemeClr val="tx2"/>
-              </a:buClr>
-              <a:buSzPct val="70000"/>
-              <a:buFont typeface="Wingdings 2" charset="2"/>
-              <a:buChar char=""/>
-              <a:defRPr sz="1400" kern="1200">
-                <a:ln>
-                  <a:solidFill>
-                    <a:schemeClr val="bg1">
-                      <a:lumMod val="75000"/>
-                      <a:lumOff val="25000"/>
-                      <a:alpha val="10000"/>
-                    </a:schemeClr>
-                  </a:solidFill>
-                </a:ln>
-                <a:solidFill>
-                  <a:schemeClr val="tx2"/>
-                </a:solidFill>
-                <a:effectLst>
-                  <a:outerShdw blurRad="9525" dist="25400" dir="14640000" algn="tl" rotWithShape="0">
-                    <a:schemeClr val="bg1">
-                      <a:alpha val="30000"/>
-                    </a:schemeClr>
-                  </a:outerShdw>
-                </a:effectLst>
-                <a:latin typeface="+mn-lt"/>
-                <a:ea typeface="+mn-ea"/>
-                <a:cs typeface="+mn-cs"/>
-              </a:defRPr>
-            </a:lvl5pPr>
-            <a:lvl6pPr marL="2014600" indent="-228600" algn="l" defTabSz="457200" rtl="0" eaLnBrk="1" latinLnBrk="0" hangingPunct="1">
-              <a:spcBef>
-                <a:spcPct val="20000"/>
-              </a:spcBef>
-              <a:spcAft>
-                <a:spcPts val="600"/>
-              </a:spcAft>
-              <a:buClr>
-                <a:schemeClr val="tx2"/>
-              </a:buClr>
-              <a:buSzPct val="70000"/>
-              <a:buFont typeface="Wingdings 2" charset="2"/>
-              <a:buChar char=""/>
-              <a:defRPr sz="1400" kern="1200">
-                <a:ln>
-                  <a:solidFill>
-                    <a:schemeClr val="bg1">
-                      <a:lumMod val="75000"/>
-                      <a:lumOff val="25000"/>
-                      <a:alpha val="10000"/>
-                    </a:schemeClr>
-                  </a:solidFill>
-                </a:ln>
-                <a:solidFill>
-                  <a:schemeClr val="tx2"/>
-                </a:solidFill>
-                <a:effectLst>
-                  <a:outerShdw blurRad="9525" dist="25400" dir="14640000" algn="tl" rotWithShape="0">
-                    <a:schemeClr val="bg1">
-                      <a:alpha val="30000"/>
-                    </a:schemeClr>
-                  </a:outerShdw>
-                </a:effectLst>
-                <a:latin typeface="+mn-lt"/>
-                <a:ea typeface="+mn-ea"/>
-                <a:cs typeface="+mn-cs"/>
-              </a:defRPr>
-            </a:lvl6pPr>
-            <a:lvl7pPr marL="2401800" indent="-228600" algn="l" defTabSz="457200" rtl="0" eaLnBrk="1" latinLnBrk="0" hangingPunct="1">
-              <a:spcBef>
-                <a:spcPct val="20000"/>
-              </a:spcBef>
-              <a:spcAft>
-                <a:spcPts val="600"/>
-              </a:spcAft>
-              <a:buClr>
-                <a:schemeClr val="tx2"/>
-              </a:buClr>
-              <a:buSzPct val="70000"/>
-              <a:buFont typeface="Wingdings 2" charset="2"/>
-              <a:buChar char=""/>
-              <a:defRPr sz="1400" kern="1200">
-                <a:ln>
-                  <a:solidFill>
-                    <a:schemeClr val="bg1">
-                      <a:lumMod val="75000"/>
-                      <a:lumOff val="25000"/>
-                      <a:alpha val="10000"/>
-                    </a:schemeClr>
-                  </a:solidFill>
-                </a:ln>
-                <a:solidFill>
-                  <a:schemeClr val="tx2"/>
-                </a:solidFill>
-                <a:effectLst>
-                  <a:outerShdw blurRad="9525" dist="25400" dir="14640000" algn="tl" rotWithShape="0">
-                    <a:schemeClr val="bg1">
-                      <a:alpha val="30000"/>
-                    </a:schemeClr>
-                  </a:outerShdw>
-                </a:effectLst>
-                <a:latin typeface="+mn-lt"/>
-                <a:ea typeface="+mn-ea"/>
-                <a:cs typeface="+mn-cs"/>
-              </a:defRPr>
-            </a:lvl7pPr>
-            <a:lvl8pPr marL="2789000" indent="-228600" algn="l" defTabSz="457200" rtl="0" eaLnBrk="1" latinLnBrk="0" hangingPunct="1">
-              <a:spcBef>
-                <a:spcPct val="20000"/>
-              </a:spcBef>
-              <a:spcAft>
-                <a:spcPts val="600"/>
-              </a:spcAft>
-              <a:buClr>
-                <a:schemeClr val="tx2"/>
-              </a:buClr>
-              <a:buSzPct val="70000"/>
-              <a:buFont typeface="Wingdings 2" charset="2"/>
-              <a:buChar char=""/>
-              <a:defRPr sz="1400" kern="1200">
-                <a:ln>
-                  <a:solidFill>
-                    <a:schemeClr val="bg1">
-                      <a:lumMod val="75000"/>
-                      <a:lumOff val="25000"/>
-                      <a:alpha val="10000"/>
-                    </a:schemeClr>
-                  </a:solidFill>
-                </a:ln>
-                <a:solidFill>
-                  <a:schemeClr val="tx2"/>
-                </a:solidFill>
-                <a:effectLst>
-                  <a:outerShdw blurRad="9525" dist="25400" dir="14640000" algn="tl" rotWithShape="0">
-                    <a:schemeClr val="bg1">
-                      <a:alpha val="30000"/>
-                    </a:schemeClr>
-                  </a:outerShdw>
-                </a:effectLst>
-                <a:latin typeface="+mn-lt"/>
-                <a:ea typeface="+mn-ea"/>
-                <a:cs typeface="+mn-cs"/>
-              </a:defRPr>
-            </a:lvl8pPr>
-            <a:lvl9pPr marL="3106200" indent="-228600" algn="l" defTabSz="457200" rtl="0" eaLnBrk="1" latinLnBrk="0" hangingPunct="1">
-              <a:spcBef>
-                <a:spcPct val="20000"/>
-              </a:spcBef>
-              <a:spcAft>
-                <a:spcPts val="600"/>
-              </a:spcAft>
-              <a:buClr>
-                <a:schemeClr val="tx2"/>
-              </a:buClr>
-              <a:buSzPct val="70000"/>
-              <a:buFont typeface="Wingdings 2" charset="2"/>
-              <a:buChar char=""/>
-              <a:defRPr sz="1400" kern="1200">
-                <a:ln>
-                  <a:solidFill>
-                    <a:schemeClr val="bg1">
-                      <a:lumMod val="75000"/>
-                      <a:lumOff val="25000"/>
-                      <a:alpha val="10000"/>
-                    </a:schemeClr>
-                  </a:solidFill>
-                </a:ln>
-                <a:solidFill>
-                  <a:schemeClr val="tx2"/>
-                </a:solidFill>
-                <a:effectLst>
-                  <a:outerShdw blurRad="9525" dist="25400" dir="14640000" algn="tl" rotWithShape="0">
-                    <a:schemeClr val="bg1">
-                      <a:alpha val="30000"/>
-                    </a:schemeClr>
-                  </a:outerShdw>
-                </a:effectLst>
-                <a:latin typeface="+mn-lt"/>
-                <a:ea typeface="+mn-ea"/>
-                <a:cs typeface="+mn-cs"/>
-              </a:defRPr>
-            </a:lvl9pPr>
-          </a:lstStyle>
-          <a:p>
-            <a:pPr marL="0" indent="0" algn="ctr">
-              <a:buFont typeface="Wingdings 2" charset="2"/>
-              <a:buNone/>
-            </a:pPr>
-            <a:r>
-              <a:rPr lang="en-US" sz="2400" dirty="0">
-                <a:effectLst/>
-                <a:latin typeface="Microsoft Sans Serif" panose="020B0604020202020204" pitchFamily="34" charset="0"/>
-                <a:ea typeface="Microsoft Sans Serif" panose="020B0604020202020204" pitchFamily="34" charset="0"/>
-                <a:cs typeface="Microsoft Sans Serif" panose="020B0604020202020204" pitchFamily="34" charset="0"/>
-              </a:rPr>
-              <a:t>ENVIRONMENT</a:t>
-            </a:r>
-          </a:p>
-          <a:p>
-            <a:pPr indent="-342900" algn="just">
-              <a:buFont typeface="Wingdings" panose="05000000000000000000" pitchFamily="2" charset="2"/>
-              <a:buChar char="§"/>
-            </a:pPr>
-            <a:r>
-              <a:rPr lang="en-GB" sz="1800" dirty="0">
-                <a:effectLst/>
-                <a:latin typeface="Microsoft Sans Serif" panose="020B0604020202020204" pitchFamily="34" charset="0"/>
-                <a:ea typeface="Microsoft Sans Serif" panose="020B0604020202020204" pitchFamily="34" charset="0"/>
-                <a:cs typeface="Microsoft Sans Serif" panose="020B0604020202020204" pitchFamily="34" charset="0"/>
-              </a:rPr>
-              <a:t>Ubuntu 16.04 or Ubuntu 14.04</a:t>
-            </a:r>
-          </a:p>
-          <a:p>
-            <a:pPr indent="-342900" algn="just">
-              <a:buFont typeface="Wingdings" panose="05000000000000000000" pitchFamily="2" charset="2"/>
-              <a:buChar char="§"/>
-            </a:pPr>
-            <a:r>
-              <a:rPr lang="en-US" sz="1800" dirty="0">
-                <a:effectLst/>
-                <a:latin typeface="Microsoft Sans Serif" panose="020B0604020202020204" pitchFamily="34" charset="0"/>
-                <a:ea typeface="Microsoft Sans Serif" panose="020B0604020202020204" pitchFamily="34" charset="0"/>
-                <a:cs typeface="Microsoft Sans Serif" panose="020B0604020202020204" pitchFamily="34" charset="0"/>
-              </a:rPr>
-              <a:t>Tomcat 7.0.68-1 or Tomcat 6.0.39-1</a:t>
-            </a:r>
-          </a:p>
-          <a:p>
-            <a:pPr indent="-342900" algn="just">
-              <a:buFont typeface="Wingdings" panose="05000000000000000000" pitchFamily="2" charset="2"/>
-              <a:buChar char="§"/>
-            </a:pPr>
-            <a:r>
-              <a:rPr lang="en-US" sz="1800" dirty="0">
-                <a:effectLst/>
-                <a:latin typeface="Microsoft Sans Serif" panose="020B0604020202020204" pitchFamily="34" charset="0"/>
-                <a:ea typeface="Microsoft Sans Serif" panose="020B0604020202020204" pitchFamily="34" charset="0"/>
-                <a:cs typeface="Microsoft Sans Serif" panose="020B0604020202020204" pitchFamily="34" charset="0"/>
-              </a:rPr>
-              <a:t>Tomcat installed through apt-get</a:t>
-            </a:r>
-            <a:endParaRPr lang="en-GB" sz="1800" dirty="0">
-              <a:effectLst/>
-              <a:latin typeface="Microsoft Sans Serif" panose="020B0604020202020204" pitchFamily="34" charset="0"/>
-              <a:ea typeface="Microsoft Sans Serif" panose="020B0604020202020204" pitchFamily="34" charset="0"/>
-              <a:cs typeface="Microsoft Sans Serif" panose="020B0604020202020204" pitchFamily="34" charset="0"/>
-            </a:endParaRPr>
-          </a:p>
-        </p:txBody>
-      </p:sp>
-      <p:sp>
-        <p:nvSpPr>
-          <p:cNvPr id="11" name="Content Placeholder 2"/>
-          <p:cNvSpPr txBox="1">
-            <a:spLocks/>
-          </p:cNvSpPr>
-          <p:nvPr/>
-        </p:nvSpPr>
-        <p:spPr>
-          <a:xfrm>
-            <a:off x="6627156" y="1580050"/>
-            <a:ext cx="4640400" cy="4054474"/>
-          </a:xfrm>
-          <a:prstGeom prst="rect">
-            <a:avLst/>
-          </a:prstGeom>
-          <a:effectLst>
-            <a:outerShdw blurRad="25400" dir="17880000">
-              <a:srgbClr val="000000">
-                <a:alpha val="46000"/>
-              </a:srgbClr>
-            </a:outerShdw>
-          </a:effectLst>
-        </p:spPr>
-        <p:txBody>
-          <a:bodyPr vert="horz" lIns="91440" tIns="45720" rIns="91440" bIns="45720" rtlCol="0" anchor="t">
-            <a:noAutofit/>
-          </a:bodyPr>
-          <a:lstStyle>
-            <a:lvl1pPr marL="342900" indent="-306000" algn="l" defTabSz="457200" rtl="0" eaLnBrk="1" latinLnBrk="0" hangingPunct="1">
-              <a:spcBef>
-                <a:spcPct val="20000"/>
-              </a:spcBef>
-              <a:spcAft>
-                <a:spcPts val="600"/>
-              </a:spcAft>
-              <a:buClr>
-                <a:schemeClr val="tx2"/>
-              </a:buClr>
-              <a:buSzPct val="70000"/>
-              <a:buFont typeface="Wingdings 2" charset="2"/>
-              <a:buChar char=""/>
-              <a:defRPr sz="2000" kern="1200">
-                <a:ln>
-                  <a:solidFill>
-                    <a:schemeClr val="bg1">
-                      <a:lumMod val="75000"/>
-                      <a:lumOff val="25000"/>
-                      <a:alpha val="10000"/>
-                    </a:schemeClr>
-                  </a:solidFill>
-                </a:ln>
-                <a:solidFill>
-                  <a:schemeClr val="tx2"/>
-                </a:solidFill>
-                <a:effectLst>
-                  <a:outerShdw blurRad="9525" dist="25400" dir="14640000" algn="tl" rotWithShape="0">
-                    <a:schemeClr val="bg1">
-                      <a:alpha val="30000"/>
-                    </a:schemeClr>
-                  </a:outerShdw>
-                </a:effectLst>
-                <a:latin typeface="+mn-lt"/>
-                <a:ea typeface="+mn-ea"/>
-                <a:cs typeface="+mn-cs"/>
-              </a:defRPr>
-            </a:lvl1pPr>
-            <a:lvl2pPr marL="720000" indent="-270000" algn="l" defTabSz="457200" rtl="0" eaLnBrk="1" latinLnBrk="0" hangingPunct="1">
-              <a:spcBef>
-                <a:spcPct val="20000"/>
-              </a:spcBef>
-              <a:spcAft>
-                <a:spcPts val="600"/>
-              </a:spcAft>
-              <a:buClr>
-                <a:schemeClr val="tx2"/>
-              </a:buClr>
-              <a:buSzPct val="70000"/>
-              <a:buFont typeface="Wingdings 2" charset="2"/>
-              <a:buChar char=""/>
-              <a:defRPr sz="1800" kern="1200">
-                <a:ln>
-                  <a:solidFill>
-                    <a:schemeClr val="bg1">
-                      <a:lumMod val="75000"/>
-                      <a:lumOff val="25000"/>
-                      <a:alpha val="10000"/>
-                    </a:schemeClr>
-                  </a:solidFill>
-                </a:ln>
-                <a:solidFill>
-                  <a:schemeClr val="tx2"/>
-                </a:solidFill>
-                <a:effectLst>
-                  <a:outerShdw blurRad="9525" dist="25400" dir="14640000" algn="tl" rotWithShape="0">
-                    <a:schemeClr val="bg1">
-                      <a:alpha val="30000"/>
-                    </a:schemeClr>
-                  </a:outerShdw>
-                </a:effectLst>
-                <a:latin typeface="+mn-lt"/>
-                <a:ea typeface="+mn-ea"/>
-                <a:cs typeface="+mn-cs"/>
-              </a:defRPr>
-            </a:lvl2pPr>
-            <a:lvl3pPr marL="1026000" indent="-216000" algn="l" defTabSz="457200" rtl="0" eaLnBrk="1" latinLnBrk="0" hangingPunct="1">
-              <a:spcBef>
-                <a:spcPct val="20000"/>
-              </a:spcBef>
-              <a:spcAft>
-                <a:spcPts val="600"/>
-              </a:spcAft>
-              <a:buClr>
-                <a:schemeClr val="tx2"/>
-              </a:buClr>
-              <a:buSzPct val="70000"/>
-              <a:buFont typeface="Wingdings 2" charset="2"/>
-              <a:buChar char=""/>
-              <a:defRPr sz="1600" kern="1200">
-                <a:ln>
-                  <a:solidFill>
-                    <a:schemeClr val="bg1">
-                      <a:lumMod val="75000"/>
-                      <a:lumOff val="25000"/>
-                      <a:alpha val="10000"/>
-                    </a:schemeClr>
-                  </a:solidFill>
-                </a:ln>
-                <a:solidFill>
-                  <a:schemeClr val="tx2"/>
-                </a:solidFill>
-                <a:effectLst>
-                  <a:outerShdw blurRad="9525" dist="25400" dir="14640000" algn="tl" rotWithShape="0">
-                    <a:schemeClr val="bg1">
-                      <a:alpha val="30000"/>
-                    </a:schemeClr>
-                  </a:outerShdw>
-                </a:effectLst>
-                <a:latin typeface="+mn-lt"/>
-                <a:ea typeface="+mn-ea"/>
-                <a:cs typeface="+mn-cs"/>
-              </a:defRPr>
-            </a:lvl3pPr>
-            <a:lvl4pPr marL="1386000" indent="-216000" algn="l" defTabSz="457200" rtl="0" eaLnBrk="1" latinLnBrk="0" hangingPunct="1">
-              <a:spcBef>
-                <a:spcPct val="20000"/>
-              </a:spcBef>
-              <a:spcAft>
-                <a:spcPts val="600"/>
-              </a:spcAft>
-              <a:buClr>
-                <a:schemeClr val="tx2"/>
-              </a:buClr>
-              <a:buSzPct val="70000"/>
-              <a:buFont typeface="Wingdings 2" charset="2"/>
-              <a:buChar char=""/>
-              <a:defRPr sz="1400" kern="1200">
-                <a:ln>
-                  <a:solidFill>
-                    <a:schemeClr val="bg1">
-                      <a:lumMod val="75000"/>
-                      <a:lumOff val="25000"/>
-                      <a:alpha val="10000"/>
-                    </a:schemeClr>
-                  </a:solidFill>
-                </a:ln>
-                <a:solidFill>
-                  <a:schemeClr val="tx2"/>
-                </a:solidFill>
-                <a:effectLst>
-                  <a:outerShdw blurRad="9525" dist="25400" dir="14640000" algn="tl" rotWithShape="0">
-                    <a:schemeClr val="bg1">
-                      <a:alpha val="30000"/>
-                    </a:schemeClr>
-                  </a:outerShdw>
-                </a:effectLst>
-                <a:latin typeface="+mn-lt"/>
-                <a:ea typeface="+mn-ea"/>
-                <a:cs typeface="+mn-cs"/>
-              </a:defRPr>
-            </a:lvl4pPr>
-            <a:lvl5pPr marL="1674000" indent="-216000" algn="l" defTabSz="457200" rtl="0" eaLnBrk="1" latinLnBrk="0" hangingPunct="1">
-              <a:spcBef>
-                <a:spcPct val="20000"/>
-              </a:spcBef>
-              <a:spcAft>
-                <a:spcPts val="600"/>
-              </a:spcAft>
-              <a:buClr>
-                <a:schemeClr val="tx2"/>
-              </a:buClr>
-              <a:buSzPct val="70000"/>
-              <a:buFont typeface="Wingdings 2" charset="2"/>
-              <a:buChar char=""/>
-              <a:defRPr sz="1400" kern="1200">
-                <a:ln>
-                  <a:solidFill>
-                    <a:schemeClr val="bg1">
-                      <a:lumMod val="75000"/>
-                      <a:lumOff val="25000"/>
-                      <a:alpha val="10000"/>
-                    </a:schemeClr>
-                  </a:solidFill>
-                </a:ln>
-                <a:solidFill>
-                  <a:schemeClr val="tx2"/>
-                </a:solidFill>
-                <a:effectLst>
-                  <a:outerShdw blurRad="9525" dist="25400" dir="14640000" algn="tl" rotWithShape="0">
-                    <a:schemeClr val="bg1">
-                      <a:alpha val="30000"/>
-                    </a:schemeClr>
-                  </a:outerShdw>
-                </a:effectLst>
-                <a:latin typeface="+mn-lt"/>
-                <a:ea typeface="+mn-ea"/>
-                <a:cs typeface="+mn-cs"/>
-              </a:defRPr>
-            </a:lvl5pPr>
-            <a:lvl6pPr marL="2014600" indent="-228600" algn="l" defTabSz="457200" rtl="0" eaLnBrk="1" latinLnBrk="0" hangingPunct="1">
-              <a:spcBef>
-                <a:spcPct val="20000"/>
-              </a:spcBef>
-              <a:spcAft>
-                <a:spcPts val="600"/>
-              </a:spcAft>
-              <a:buClr>
-                <a:schemeClr val="tx2"/>
-              </a:buClr>
-              <a:buSzPct val="70000"/>
-              <a:buFont typeface="Wingdings 2" charset="2"/>
-              <a:buChar char=""/>
-              <a:defRPr sz="1400" kern="1200">
-                <a:ln>
-                  <a:solidFill>
-                    <a:schemeClr val="bg1">
-                      <a:lumMod val="75000"/>
-                      <a:lumOff val="25000"/>
-                      <a:alpha val="10000"/>
-                    </a:schemeClr>
-                  </a:solidFill>
-                </a:ln>
-                <a:solidFill>
-                  <a:schemeClr val="tx2"/>
-                </a:solidFill>
-                <a:effectLst>
-                  <a:outerShdw blurRad="9525" dist="25400" dir="14640000" algn="tl" rotWithShape="0">
-                    <a:schemeClr val="bg1">
-                      <a:alpha val="30000"/>
-                    </a:schemeClr>
-                  </a:outerShdw>
-                </a:effectLst>
-                <a:latin typeface="+mn-lt"/>
-                <a:ea typeface="+mn-ea"/>
-                <a:cs typeface="+mn-cs"/>
-              </a:defRPr>
-            </a:lvl6pPr>
-            <a:lvl7pPr marL="2401800" indent="-228600" algn="l" defTabSz="457200" rtl="0" eaLnBrk="1" latinLnBrk="0" hangingPunct="1">
-              <a:spcBef>
-                <a:spcPct val="20000"/>
-              </a:spcBef>
-              <a:spcAft>
-                <a:spcPts val="600"/>
-              </a:spcAft>
-              <a:buClr>
-                <a:schemeClr val="tx2"/>
-              </a:buClr>
-              <a:buSzPct val="70000"/>
-              <a:buFont typeface="Wingdings 2" charset="2"/>
-              <a:buChar char=""/>
-              <a:defRPr sz="1400" kern="1200">
-                <a:ln>
-                  <a:solidFill>
-                    <a:schemeClr val="bg1">
-                      <a:lumMod val="75000"/>
-                      <a:lumOff val="25000"/>
-                      <a:alpha val="10000"/>
-                    </a:schemeClr>
-                  </a:solidFill>
-                </a:ln>
-                <a:solidFill>
-                  <a:schemeClr val="tx2"/>
-                </a:solidFill>
-                <a:effectLst>
-                  <a:outerShdw blurRad="9525" dist="25400" dir="14640000" algn="tl" rotWithShape="0">
-                    <a:schemeClr val="bg1">
-                      <a:alpha val="30000"/>
-                    </a:schemeClr>
-                  </a:outerShdw>
-                </a:effectLst>
-                <a:latin typeface="+mn-lt"/>
-                <a:ea typeface="+mn-ea"/>
-                <a:cs typeface="+mn-cs"/>
-              </a:defRPr>
-            </a:lvl7pPr>
-            <a:lvl8pPr marL="2789000" indent="-228600" algn="l" defTabSz="457200" rtl="0" eaLnBrk="1" latinLnBrk="0" hangingPunct="1">
-              <a:spcBef>
-                <a:spcPct val="20000"/>
-              </a:spcBef>
-              <a:spcAft>
-                <a:spcPts val="600"/>
-              </a:spcAft>
-              <a:buClr>
-                <a:schemeClr val="tx2"/>
-              </a:buClr>
-              <a:buSzPct val="70000"/>
-              <a:buFont typeface="Wingdings 2" charset="2"/>
-              <a:buChar char=""/>
-              <a:defRPr sz="1400" kern="1200">
-                <a:ln>
-                  <a:solidFill>
-                    <a:schemeClr val="bg1">
-                      <a:lumMod val="75000"/>
-                      <a:lumOff val="25000"/>
-                      <a:alpha val="10000"/>
-                    </a:schemeClr>
-                  </a:solidFill>
-                </a:ln>
-                <a:solidFill>
-                  <a:schemeClr val="tx2"/>
-                </a:solidFill>
-                <a:effectLst>
-                  <a:outerShdw blurRad="9525" dist="25400" dir="14640000" algn="tl" rotWithShape="0">
-                    <a:schemeClr val="bg1">
-                      <a:alpha val="30000"/>
-                    </a:schemeClr>
-                  </a:outerShdw>
-                </a:effectLst>
-                <a:latin typeface="+mn-lt"/>
-                <a:ea typeface="+mn-ea"/>
-                <a:cs typeface="+mn-cs"/>
-              </a:defRPr>
-            </a:lvl8pPr>
-            <a:lvl9pPr marL="3106200" indent="-228600" algn="l" defTabSz="457200" rtl="0" eaLnBrk="1" latinLnBrk="0" hangingPunct="1">
-              <a:spcBef>
-                <a:spcPct val="20000"/>
-              </a:spcBef>
-              <a:spcAft>
-                <a:spcPts val="600"/>
-              </a:spcAft>
-              <a:buClr>
-                <a:schemeClr val="tx2"/>
-              </a:buClr>
-              <a:buSzPct val="70000"/>
-              <a:buFont typeface="Wingdings 2" charset="2"/>
-              <a:buChar char=""/>
-              <a:defRPr sz="1400" kern="1200">
-                <a:ln>
-                  <a:solidFill>
-                    <a:schemeClr val="bg1">
-                      <a:lumMod val="75000"/>
-                      <a:lumOff val="25000"/>
-                      <a:alpha val="10000"/>
-                    </a:schemeClr>
-                  </a:solidFill>
-                </a:ln>
-                <a:solidFill>
-                  <a:schemeClr val="tx2"/>
-                </a:solidFill>
-                <a:effectLst>
-                  <a:outerShdw blurRad="9525" dist="25400" dir="14640000" algn="tl" rotWithShape="0">
-                    <a:schemeClr val="bg1">
-                      <a:alpha val="30000"/>
-                    </a:schemeClr>
-                  </a:outerShdw>
-                </a:effectLst>
-                <a:latin typeface="+mn-lt"/>
-                <a:ea typeface="+mn-ea"/>
-                <a:cs typeface="+mn-cs"/>
-              </a:defRPr>
-            </a:lvl9pPr>
-          </a:lstStyle>
-          <a:p>
-            <a:pPr marL="0" indent="0" algn="ctr">
-              <a:buFont typeface="Wingdings 2" charset="2"/>
-              <a:buNone/>
-            </a:pPr>
-            <a:r>
-              <a:rPr lang="en-US" sz="2400" dirty="0">
-                <a:effectLst/>
-                <a:latin typeface="Microsoft Sans Serif" panose="020B0604020202020204" pitchFamily="34" charset="0"/>
-                <a:ea typeface="Microsoft Sans Serif" panose="020B0604020202020204" pitchFamily="34" charset="0"/>
-                <a:cs typeface="Microsoft Sans Serif" panose="020B0604020202020204" pitchFamily="34" charset="0"/>
-              </a:rPr>
-              <a:t>SUCCESS CRITERIA</a:t>
-            </a:r>
-          </a:p>
-          <a:p>
-            <a:pPr indent="-342900" algn="just">
-              <a:buFont typeface="Wingdings" panose="05000000000000000000" pitchFamily="2" charset="2"/>
-              <a:buChar char="§"/>
-            </a:pPr>
-            <a:r>
-              <a:rPr lang="en-GB" sz="1800" dirty="0">
-                <a:effectLst/>
-                <a:latin typeface="Ubuntu Mono" panose="020B0509030602030204" pitchFamily="49" charset="0"/>
-                <a:ea typeface="Microsoft Sans Serif" panose="020B0604020202020204" pitchFamily="34" charset="0"/>
-                <a:cs typeface="Microsoft Sans Serif" panose="020B0604020202020204" pitchFamily="34" charset="0"/>
-              </a:rPr>
-              <a:t>whoami</a:t>
-            </a:r>
-            <a:r>
-              <a:rPr lang="en-GB" sz="1800" dirty="0">
-                <a:effectLst/>
-                <a:latin typeface="Microsoft Sans Serif" panose="020B0604020202020204" pitchFamily="34" charset="0"/>
-                <a:ea typeface="Microsoft Sans Serif" panose="020B0604020202020204" pitchFamily="34" charset="0"/>
-                <a:cs typeface="Microsoft Sans Serif" panose="020B0604020202020204" pitchFamily="34" charset="0"/>
-              </a:rPr>
-              <a:t> </a:t>
-            </a:r>
-            <a:r>
-              <a:rPr lang="en-US" sz="1800" dirty="0">
-                <a:effectLst/>
-                <a:latin typeface="Microsoft Sans Serif" panose="020B0604020202020204" pitchFamily="34" charset="0"/>
-                <a:ea typeface="Microsoft Sans Serif" panose="020B0604020202020204" pitchFamily="34" charset="0"/>
-                <a:cs typeface="Microsoft Sans Serif" panose="020B0604020202020204" pitchFamily="34" charset="0"/>
-                <a:sym typeface="Wingdings" panose="05000000000000000000" pitchFamily="2" charset="2"/>
-              </a:rPr>
-              <a:t> </a:t>
-            </a:r>
-            <a:r>
-              <a:rPr lang="en-US" sz="1800" dirty="0">
-                <a:effectLst/>
-                <a:latin typeface="Ubuntu Mono" panose="020B0509030602030204" pitchFamily="49" charset="0"/>
-                <a:ea typeface="Microsoft Sans Serif" panose="020B0604020202020204" pitchFamily="34" charset="0"/>
-                <a:cs typeface="Microsoft Sans Serif" panose="020B0604020202020204" pitchFamily="34" charset="0"/>
-                <a:sym typeface="Wingdings" panose="05000000000000000000" pitchFamily="2" charset="2"/>
-              </a:rPr>
-              <a:t>root</a:t>
-            </a:r>
-            <a:endParaRPr lang="en-GB" sz="1800" dirty="0">
-              <a:effectLst/>
-              <a:latin typeface="Microsoft Sans Serif" panose="020B0604020202020204" pitchFamily="34" charset="0"/>
-              <a:ea typeface="Microsoft Sans Serif" panose="020B0604020202020204" pitchFamily="34" charset="0"/>
-              <a:cs typeface="Microsoft Sans Serif" panose="020B0604020202020204" pitchFamily="34" charset="0"/>
-            </a:endParaRPr>
-          </a:p>
-        </p:txBody>
-      </p:sp>
-    </p:spTree>
-    <p:extLst>
-      <p:ext uri="{BB962C8B-B14F-4D97-AF65-F5344CB8AC3E}">
-        <p14:creationId xmlns:p14="http://schemas.microsoft.com/office/powerpoint/2010/main" val="730739525"/>
-      </p:ext>
-    </p:extLst>
-  </p:cSld>
-  <p:clrMapOvr>
-    <a:masterClrMapping/>
-  </p:clrMapOvr>
-</p:sld>
-</file>
-
-<file path=ppt/slides/slide8.xml><?xml version="1.0" encoding="utf-8"?>
-<p:sld xmlns:a="http://schemas.openxmlformats.org/drawingml/2006/main" xmlns:r="http://schemas.openxmlformats.org/officeDocument/2006/relationships" xmlns:p="http://schemas.openxmlformats.org/presentationml/2006/main">
-  <p:cSld>
-    <p:spTree>
-      <p:nvGrpSpPr>
-        <p:cNvPr id="1" name=""/>
-        <p:cNvGrpSpPr/>
-        <p:nvPr/>
-      </p:nvGrpSpPr>
-      <p:grpSpPr>
-        <a:xfrm>
-          <a:off x="0" y="0"/>
-          <a:ext cx="0" cy="0"/>
-          <a:chOff x="0" y="0"/>
-          <a:chExt cx="0" cy="0"/>
-        </a:xfrm>
-      </p:grpSpPr>
-      <p:sp>
-        <p:nvSpPr>
-          <p:cNvPr id="2" name="Title 1"/>
-          <p:cNvSpPr>
-            <a:spLocks noGrp="1"/>
-          </p:cNvSpPr>
-          <p:nvPr>
-            <p:ph type="title"/>
-          </p:nvPr>
-        </p:nvSpPr>
-        <p:spPr/>
-        <p:txBody>
-          <a:bodyPr anchor="ctr">
-            <a:normAutofit/>
-          </a:bodyPr>
-          <a:lstStyle/>
-          <a:p>
-            <a:pPr algn="ctr"/>
-            <a:r>
-              <a:rPr lang="en-US" sz="4800" dirty="0">
-                <a:solidFill>
-                  <a:schemeClr val="tx1"/>
-                </a:solidFill>
-                <a:effectLst/>
-                <a:latin typeface="Microsoft Sans Serif" panose="020B0604020202020204" pitchFamily="34" charset="0"/>
-                <a:ea typeface="Microsoft Sans Serif" panose="020B0604020202020204" pitchFamily="34" charset="0"/>
-                <a:cs typeface="Microsoft Sans Serif" panose="020B0604020202020204" pitchFamily="34" charset="0"/>
-              </a:rPr>
-              <a:t>CVE-2016-1240</a:t>
-            </a:r>
-            <a:endParaRPr lang="en-GB" sz="4800" dirty="0">
-              <a:solidFill>
-                <a:schemeClr val="tx1"/>
-              </a:solidFill>
-              <a:effectLst/>
-              <a:latin typeface="Microsoft Sans Serif" panose="020B0604020202020204" pitchFamily="34" charset="0"/>
-              <a:ea typeface="Microsoft Sans Serif" panose="020B0604020202020204" pitchFamily="34" charset="0"/>
-              <a:cs typeface="Microsoft Sans Serif" panose="020B0604020202020204" pitchFamily="34" charset="0"/>
-            </a:endParaRPr>
-          </a:p>
-        </p:txBody>
-      </p:sp>
-      <p:sp>
-        <p:nvSpPr>
-          <p:cNvPr id="3" name="Content Placeholder 2"/>
-          <p:cNvSpPr>
-            <a:spLocks noGrp="1"/>
-          </p:cNvSpPr>
-          <p:nvPr>
-            <p:ph idx="1"/>
-          </p:nvPr>
-        </p:nvSpPr>
-        <p:spPr>
-          <a:xfrm>
-            <a:off x="913794" y="1580050"/>
-            <a:ext cx="10353761" cy="1604701"/>
-          </a:xfrm>
-        </p:spPr>
-        <p:txBody>
-          <a:bodyPr anchor="t">
-            <a:normAutofit/>
-          </a:bodyPr>
-          <a:lstStyle/>
-          <a:p>
-            <a:pPr marL="0" indent="0" algn="just">
-              <a:buNone/>
-            </a:pPr>
-            <a:r>
-              <a:rPr lang="en-US" sz="1800" dirty="0">
-                <a:effectLst/>
-                <a:latin typeface="Microsoft Sans Serif" panose="020B0604020202020204" pitchFamily="34" charset="0"/>
-                <a:ea typeface="Microsoft Sans Serif" panose="020B0604020202020204" pitchFamily="34" charset="0"/>
-                <a:cs typeface="Microsoft Sans Serif" panose="020B0604020202020204" pitchFamily="34" charset="0"/>
-              </a:rPr>
-              <a:t>The </a:t>
-            </a:r>
-            <a:r>
-              <a:rPr lang="en-US" sz="1800" dirty="0">
-                <a:effectLst/>
-                <a:latin typeface="Ubuntu Mono" panose="020B0509030602030204" pitchFamily="49" charset="0"/>
-                <a:ea typeface="Microsoft Sans Serif" panose="020B0604020202020204" pitchFamily="34" charset="0"/>
-                <a:cs typeface="Microsoft Sans Serif" panose="020B0604020202020204" pitchFamily="34" charset="0"/>
-              </a:rPr>
-              <a:t>init.d</a:t>
-            </a:r>
-            <a:r>
-              <a:rPr lang="en-US" sz="1800" dirty="0">
-                <a:effectLst/>
-                <a:latin typeface="Microsoft Sans Serif" panose="020B0604020202020204" pitchFamily="34" charset="0"/>
-                <a:ea typeface="Microsoft Sans Serif" panose="020B0604020202020204" pitchFamily="34" charset="0"/>
-                <a:cs typeface="Microsoft Sans Serif" panose="020B0604020202020204" pitchFamily="34" charset="0"/>
-              </a:rPr>
-              <a:t> script provided by Ubuntu and Debian Tomcat installations improperly utilizes </a:t>
-            </a:r>
-            <a:r>
-              <a:rPr lang="en-US" sz="1800" dirty="0">
-                <a:effectLst/>
-                <a:latin typeface="Ubuntu Mono" panose="020B0509030602030204" pitchFamily="49" charset="0"/>
-                <a:ea typeface="Microsoft Sans Serif" panose="020B0604020202020204" pitchFamily="34" charset="0"/>
-                <a:cs typeface="Microsoft Sans Serif" panose="020B0604020202020204" pitchFamily="34" charset="0"/>
-              </a:rPr>
-              <a:t>chown</a:t>
-            </a:r>
-            <a:r>
-              <a:rPr lang="en-US" sz="1800" dirty="0">
-                <a:effectLst/>
-                <a:latin typeface="Microsoft Sans Serif" panose="020B0604020202020204" pitchFamily="34" charset="0"/>
-                <a:ea typeface="Microsoft Sans Serif" panose="020B0604020202020204" pitchFamily="34" charset="0"/>
-                <a:cs typeface="Microsoft Sans Serif" panose="020B0604020202020204" pitchFamily="34" charset="0"/>
-              </a:rPr>
-              <a:t> on the </a:t>
-            </a:r>
-            <a:r>
-              <a:rPr lang="en-US" sz="1800" dirty="0">
-                <a:effectLst/>
-                <a:latin typeface="Ubuntu Mono" panose="020B0509030602030204" pitchFamily="49" charset="0"/>
-                <a:ea typeface="Microsoft Sans Serif" panose="020B0604020202020204" pitchFamily="34" charset="0"/>
-                <a:cs typeface="Microsoft Sans Serif" panose="020B0604020202020204" pitchFamily="34" charset="0"/>
-              </a:rPr>
-              <a:t>catalina.log</a:t>
-            </a:r>
-            <a:r>
-              <a:rPr lang="en-US" sz="1800" dirty="0">
-                <a:effectLst/>
-                <a:latin typeface="Microsoft Sans Serif" panose="020B0604020202020204" pitchFamily="34" charset="0"/>
-                <a:ea typeface="Microsoft Sans Serif" panose="020B0604020202020204" pitchFamily="34" charset="0"/>
-                <a:cs typeface="Microsoft Sans Serif" panose="020B0604020202020204" pitchFamily="34" charset="0"/>
-              </a:rPr>
-              <a:t> file, allowing a malicious attacker with normal user shell access to soft link it to any system file and take posses of that file once the server is restarted by a root user (a requirement of the </a:t>
-            </a:r>
-            <a:r>
-              <a:rPr lang="en-US" sz="1800" dirty="0">
-                <a:effectLst/>
-                <a:latin typeface="Ubuntu Mono" panose="020B0509030602030204" pitchFamily="49" charset="0"/>
-                <a:ea typeface="Microsoft Sans Serif" panose="020B0604020202020204" pitchFamily="34" charset="0"/>
-                <a:cs typeface="Microsoft Sans Serif" panose="020B0604020202020204" pitchFamily="34" charset="0"/>
-              </a:rPr>
-              <a:t>init.d</a:t>
-            </a:r>
-            <a:r>
-              <a:rPr lang="en-US" sz="1800" dirty="0">
-                <a:effectLst/>
-                <a:latin typeface="Microsoft Sans Serif" panose="020B0604020202020204" pitchFamily="34" charset="0"/>
-                <a:ea typeface="Microsoft Sans Serif" panose="020B0604020202020204" pitchFamily="34" charset="0"/>
-                <a:cs typeface="Microsoft Sans Serif" panose="020B0604020202020204" pitchFamily="34" charset="0"/>
-              </a:rPr>
-              <a:t> itself).</a:t>
-            </a:r>
-          </a:p>
-          <a:p>
-            <a:pPr marL="0" indent="0">
-              <a:buNone/>
-            </a:pPr>
-            <a:endParaRPr lang="en-US" sz="1800" dirty="0">
-              <a:effectLst/>
-              <a:latin typeface="Microsoft Sans Serif" panose="020B0604020202020204" pitchFamily="34" charset="0"/>
-              <a:ea typeface="Microsoft Sans Serif" panose="020B0604020202020204" pitchFamily="34" charset="0"/>
-              <a:cs typeface="Microsoft Sans Serif" panose="020B0604020202020204" pitchFamily="34" charset="0"/>
-            </a:endParaRPr>
-          </a:p>
-        </p:txBody>
-      </p:sp>
-      <p:sp>
-        <p:nvSpPr>
-          <p:cNvPr id="5" name="Date Placeholder 4"/>
-          <p:cNvSpPr>
-            <a:spLocks noGrp="1"/>
-          </p:cNvSpPr>
-          <p:nvPr>
-            <p:ph type="dt" sz="half" idx="10"/>
-          </p:nvPr>
-        </p:nvSpPr>
-        <p:spPr/>
-        <p:txBody>
-          <a:bodyPr/>
-          <a:lstStyle/>
-          <a:p>
-            <a:fld id="{545F2D73-9F02-4C7D-85D8-74FDA869ED9B}" type="datetime1">
-              <a:rPr lang="en-GB" smtClean="0">
-                <a:solidFill>
-                  <a:schemeClr val="tx2">
-                    <a:lumMod val="50000"/>
-                  </a:schemeClr>
-                </a:solidFill>
-                <a:effectLst/>
-                <a:latin typeface="Microsoft Sans Serif" panose="020B0604020202020204" pitchFamily="34" charset="0"/>
-                <a:ea typeface="Microsoft Sans Serif" panose="020B0604020202020204" pitchFamily="34" charset="0"/>
-                <a:cs typeface="Microsoft Sans Serif" panose="020B0604020202020204" pitchFamily="34" charset="0"/>
-              </a:rPr>
-              <a:t>05/11/2016</a:t>
-            </a:fld>
-            <a:endParaRPr lang="en-GB" dirty="0">
-              <a:solidFill>
-                <a:schemeClr val="tx2">
-                  <a:lumMod val="50000"/>
-                </a:schemeClr>
-              </a:solidFill>
-              <a:effectLst/>
-              <a:latin typeface="Microsoft Sans Serif" panose="020B0604020202020204" pitchFamily="34" charset="0"/>
-              <a:ea typeface="Microsoft Sans Serif" panose="020B0604020202020204" pitchFamily="34" charset="0"/>
-              <a:cs typeface="Microsoft Sans Serif" panose="020B0604020202020204" pitchFamily="34" charset="0"/>
-            </a:endParaRPr>
-          </a:p>
-        </p:txBody>
-      </p:sp>
-      <p:sp>
-        <p:nvSpPr>
-          <p:cNvPr id="6" name="Footer Placeholder 5"/>
-          <p:cNvSpPr>
-            <a:spLocks noGrp="1"/>
-          </p:cNvSpPr>
-          <p:nvPr>
-            <p:ph type="ftr" sz="quarter" idx="11"/>
-          </p:nvPr>
-        </p:nvSpPr>
-        <p:spPr/>
-        <p:txBody>
-          <a:bodyPr/>
-          <a:lstStyle/>
-          <a:p>
-            <a:r>
-              <a:rPr lang="en-GB" dirty="0">
-                <a:solidFill>
-                  <a:schemeClr val="tx2">
-                    <a:lumMod val="50000"/>
-                  </a:schemeClr>
-                </a:solidFill>
-                <a:effectLst/>
-                <a:latin typeface="Microsoft Sans Serif" panose="020B0604020202020204" pitchFamily="34" charset="0"/>
-                <a:ea typeface="Microsoft Sans Serif" panose="020B0604020202020204" pitchFamily="34" charset="0"/>
-                <a:cs typeface="Microsoft Sans Serif" panose="020B0604020202020204" pitchFamily="34" charset="0"/>
-              </a:rPr>
-              <a:t>Mattia Affabris - Alessandro Pezzé            Offensive Technologies 2016/2017</a:t>
-            </a:r>
-          </a:p>
-        </p:txBody>
-      </p:sp>
-      <p:sp>
-        <p:nvSpPr>
-          <p:cNvPr id="7" name="Slide Number Placeholder 6"/>
-          <p:cNvSpPr>
-            <a:spLocks noGrp="1"/>
-          </p:cNvSpPr>
-          <p:nvPr>
-            <p:ph type="sldNum" sz="quarter" idx="12"/>
-          </p:nvPr>
-        </p:nvSpPr>
-        <p:spPr/>
-        <p:txBody>
-          <a:bodyPr>
-            <a:normAutofit/>
-          </a:bodyPr>
-          <a:lstStyle/>
-          <a:p>
-            <a:fld id="{F4B4BBA8-8F23-41D6-9C2C-09C456314A51}" type="slidenum">
-              <a:rPr lang="en-GB" smtClean="0">
-                <a:solidFill>
-                  <a:schemeClr val="tx2">
-                    <a:lumMod val="50000"/>
-                  </a:schemeClr>
-                </a:solidFill>
-                <a:effectLst/>
-                <a:latin typeface="Microsoft Sans Serif" panose="020B0604020202020204" pitchFamily="34" charset="0"/>
-                <a:ea typeface="Microsoft Sans Serif" panose="020B0604020202020204" pitchFamily="34" charset="0"/>
-                <a:cs typeface="Microsoft Sans Serif" panose="020B0604020202020204" pitchFamily="34" charset="0"/>
-              </a:rPr>
-              <a:t>8</a:t>
-            </a:fld>
-            <a:endParaRPr lang="en-GB" dirty="0">
-              <a:solidFill>
-                <a:schemeClr val="tx2">
-                  <a:lumMod val="50000"/>
-                </a:schemeClr>
-              </a:solidFill>
-              <a:effectLst/>
-              <a:latin typeface="Microsoft Sans Serif" panose="020B0604020202020204" pitchFamily="34" charset="0"/>
-              <a:ea typeface="Microsoft Sans Serif" panose="020B0604020202020204" pitchFamily="34" charset="0"/>
+              <a:latin typeface="Microsoft YaHei UI Light" panose="020B0502040204020203" pitchFamily="34" charset="-122"/>
+              <a:ea typeface="Microsoft YaHei UI Light" panose="020B0502040204020203" pitchFamily="34" charset="-122"/>
               <a:cs typeface="Microsoft Sans Serif" panose="020B0604020202020204" pitchFamily="34" charset="0"/>
             </a:endParaRPr>
           </a:p>
@@ -14913,7 +13593,7 @@
 </p:sld>
 </file>
 
-<file path=ppt/slides/slide9.xml><?xml version="1.0" encoding="utf-8"?>
+<file path=ppt/slides/slide8.xml><?xml version="1.0" encoding="utf-8"?>
 <p:sld xmlns:a="http://schemas.openxmlformats.org/drawingml/2006/main" xmlns:r="http://schemas.openxmlformats.org/officeDocument/2006/relationships" xmlns:p="http://schemas.openxmlformats.org/presentationml/2006/main">
   <p:cSld>
     <p:spTree>
@@ -14954,8 +13634,8 @@
                   <a:schemeClr val="tx1"/>
                 </a:solidFill>
                 <a:effectLst/>
-                <a:latin typeface="Microsoft Sans Serif" panose="020B0604020202020204" pitchFamily="34" charset="0"/>
-                <a:ea typeface="Microsoft Sans Serif" panose="020B0604020202020204" pitchFamily="34" charset="0"/>
+                <a:latin typeface="Microsoft YaHei UI Light" panose="020B0502040204020203" pitchFamily="34" charset="-122"/>
+                <a:ea typeface="Microsoft YaHei UI Light" panose="020B0502040204020203" pitchFamily="34" charset="-122"/>
                 <a:cs typeface="Microsoft Sans Serif" panose="020B0604020202020204" pitchFamily="34" charset="0"/>
               </a:rPr>
               <a:t>CVE-2016-1240</a:t>
@@ -14965,8 +13645,8 @@
                 <a:schemeClr val="tx1"/>
               </a:solidFill>
               <a:effectLst/>
-              <a:latin typeface="Microsoft Sans Serif" panose="020B0604020202020204" pitchFamily="34" charset="0"/>
-              <a:ea typeface="Microsoft Sans Serif" panose="020B0604020202020204" pitchFamily="34" charset="0"/>
+              <a:latin typeface="Microsoft YaHei UI Light" panose="020B0502040204020203" pitchFamily="34" charset="-122"/>
+              <a:ea typeface="Microsoft YaHei UI Light" panose="020B0502040204020203" pitchFamily="34" charset="-122"/>
               <a:cs typeface="Microsoft Sans Serif" panose="020B0604020202020204" pitchFamily="34" charset="0"/>
             </a:endParaRPr>
           </a:p>
@@ -14974,7 +13654,7 @@
       </p:sp>
       <p:sp>
         <p:nvSpPr>
-          <p:cNvPr id="4" name="Date Placeholder 3"/>
+          <p:cNvPr id="5" name="Date Placeholder 4"/>
           <p:cNvSpPr>
             <a:spLocks noGrp="1"/>
           </p:cNvSpPr>
@@ -14987,7 +13667,7 @@
           <a:bodyPr/>
           <a:lstStyle/>
           <a:p>
-            <a:fld id="{4818EFCD-E14A-4CB0-95C4-5A0763CD96DB}" type="datetime1">
+            <a:fld id="{7B4F249F-9B16-4A86-8580-3765005C631A}" type="datetime1">
               <a:rPr lang="en-GB" smtClean="0">
                 <a:solidFill>
                   <a:schemeClr val="tx2">
@@ -14995,11 +13675,11 @@
                   </a:schemeClr>
                 </a:solidFill>
                 <a:effectLst/>
-                <a:latin typeface="Microsoft Sans Serif" panose="020B0604020202020204" pitchFamily="34" charset="0"/>
-                <a:ea typeface="Microsoft Sans Serif" panose="020B0604020202020204" pitchFamily="34" charset="0"/>
-                <a:cs typeface="Microsoft Sans Serif" panose="020B0604020202020204" pitchFamily="34" charset="0"/>
-              </a:rPr>
-              <a:t>05/11/2016</a:t>
+                <a:latin typeface="Microsoft YaHei UI Light" panose="020B0502040204020203" pitchFamily="34" charset="-122"/>
+                <a:ea typeface="Microsoft YaHei UI Light" panose="020B0502040204020203" pitchFamily="34" charset="-122"/>
+                <a:cs typeface="Microsoft Sans Serif" panose="020B0604020202020204" pitchFamily="34" charset="0"/>
+              </a:rPr>
+              <a:t>06/11/2016</a:t>
             </a:fld>
             <a:endParaRPr lang="en-GB" dirty="0">
               <a:solidFill>
@@ -15008,8 +13688,8 @@
                 </a:schemeClr>
               </a:solidFill>
               <a:effectLst/>
-              <a:latin typeface="Microsoft Sans Serif" panose="020B0604020202020204" pitchFamily="34" charset="0"/>
-              <a:ea typeface="Microsoft Sans Serif" panose="020B0604020202020204" pitchFamily="34" charset="0"/>
+              <a:latin typeface="Microsoft YaHei UI Light" panose="020B0502040204020203" pitchFamily="34" charset="-122"/>
+              <a:ea typeface="Microsoft YaHei UI Light" panose="020B0502040204020203" pitchFamily="34" charset="-122"/>
               <a:cs typeface="Microsoft Sans Serif" panose="020B0604020202020204" pitchFamily="34" charset="0"/>
             </a:endParaRPr>
           </a:p>
@@ -15017,7 +13697,7 @@
       </p:sp>
       <p:sp>
         <p:nvSpPr>
-          <p:cNvPr id="5" name="Footer Placeholder 4"/>
+          <p:cNvPr id="8" name="Footer Placeholder 7"/>
           <p:cNvSpPr>
             <a:spLocks noGrp="1"/>
           </p:cNvSpPr>
@@ -15038,8 +13718,8 @@
                   </a:schemeClr>
                 </a:solidFill>
                 <a:effectLst/>
-                <a:latin typeface="Microsoft Sans Serif" panose="020B0604020202020204" pitchFamily="34" charset="0"/>
-                <a:ea typeface="Microsoft Sans Serif" panose="020B0604020202020204" pitchFamily="34" charset="0"/>
+                <a:latin typeface="Microsoft YaHei UI Light" panose="020B0502040204020203" pitchFamily="34" charset="-122"/>
+                <a:ea typeface="Microsoft YaHei UI Light" panose="020B0502040204020203" pitchFamily="34" charset="-122"/>
                 <a:cs typeface="Microsoft Sans Serif" panose="020B0604020202020204" pitchFamily="34" charset="0"/>
               </a:rPr>
               <a:t>Mattia Affabris - Alessandro Pezzé            Offensive Technologies 2016/2017</a:t>
@@ -15072,11 +13752,11 @@
                   </a:schemeClr>
                 </a:solidFill>
                 <a:effectLst/>
-                <a:latin typeface="Microsoft Sans Serif" panose="020B0604020202020204" pitchFamily="34" charset="0"/>
-                <a:ea typeface="Microsoft Sans Serif" panose="020B0604020202020204" pitchFamily="34" charset="0"/>
-                <a:cs typeface="Microsoft Sans Serif" panose="020B0604020202020204" pitchFamily="34" charset="0"/>
-              </a:rPr>
-              <a:t>9</a:t>
+                <a:latin typeface="Microsoft YaHei UI Light" panose="020B0502040204020203" pitchFamily="34" charset="-122"/>
+                <a:ea typeface="Microsoft YaHei UI Light" panose="020B0502040204020203" pitchFamily="34" charset="-122"/>
+                <a:cs typeface="Microsoft Sans Serif" panose="020B0604020202020204" pitchFamily="34" charset="0"/>
+              </a:rPr>
+              <a:t>8</a:t>
             </a:fld>
             <a:endParaRPr lang="en-GB" dirty="0">
               <a:solidFill>
@@ -15085,8 +13765,281 @@
                 </a:schemeClr>
               </a:solidFill>
               <a:effectLst/>
-              <a:latin typeface="Microsoft Sans Serif" panose="020B0604020202020204" pitchFamily="34" charset="0"/>
-              <a:ea typeface="Microsoft Sans Serif" panose="020B0604020202020204" pitchFamily="34" charset="0"/>
+              <a:latin typeface="Microsoft YaHei UI Light" panose="020B0502040204020203" pitchFamily="34" charset="-122"/>
+              <a:ea typeface="Microsoft YaHei UI Light" panose="020B0502040204020203" pitchFamily="34" charset="-122"/>
+              <a:cs typeface="Microsoft Sans Serif" panose="020B0604020202020204" pitchFamily="34" charset="0"/>
+            </a:endParaRPr>
+          </a:p>
+        </p:txBody>
+      </p:sp>
+      <p:sp>
+        <p:nvSpPr>
+          <p:cNvPr id="7" name="Content Placeholder 2"/>
+          <p:cNvSpPr txBox="1">
+            <a:spLocks/>
+          </p:cNvSpPr>
+          <p:nvPr/>
+        </p:nvSpPr>
+        <p:spPr>
+          <a:xfrm>
+            <a:off x="6400800" y="1828799"/>
+            <a:ext cx="4238596" cy="4351337"/>
+          </a:xfrm>
+          <a:prstGeom prst="rect">
+            <a:avLst/>
+          </a:prstGeom>
+        </p:spPr>
+        <p:txBody>
+          <a:bodyPr vert="horz" lIns="91440" tIns="45720" rIns="91440" bIns="45720" rtlCol="0">
+            <a:normAutofit/>
+          </a:bodyPr>
+          <a:lstStyle>
+            <a:lvl1pPr marL="182880" indent="-182880" algn="l" defTabSz="914400" rtl="0" eaLnBrk="1" latinLnBrk="0" hangingPunct="1">
+              <a:lnSpc>
+                <a:spcPct val="95000"/>
+              </a:lnSpc>
+              <a:spcBef>
+                <a:spcPts val="1400"/>
+              </a:spcBef>
+              <a:spcAft>
+                <a:spcPts val="200"/>
+              </a:spcAft>
+              <a:buClr>
+                <a:schemeClr val="accent1"/>
+              </a:buClr>
+              <a:buSzPct val="80000"/>
+              <a:buFont typeface="Arial" pitchFamily="34" charset="0"/>
+              <a:buChar char="•"/>
+              <a:defRPr sz="1800" kern="1200" spc="10" baseline="0">
+                <a:solidFill>
+                  <a:schemeClr val="tx1"/>
+                </a:solidFill>
+                <a:latin typeface="+mn-lt"/>
+                <a:ea typeface="+mn-ea"/>
+                <a:cs typeface="+mn-cs"/>
+              </a:defRPr>
+            </a:lvl1pPr>
+            <a:lvl2pPr marL="457200" indent="-182880" algn="l" defTabSz="914400" rtl="0" eaLnBrk="1" latinLnBrk="0" hangingPunct="1">
+              <a:lnSpc>
+                <a:spcPct val="90000"/>
+              </a:lnSpc>
+              <a:spcBef>
+                <a:spcPts val="300"/>
+              </a:spcBef>
+              <a:spcAft>
+                <a:spcPts val="300"/>
+              </a:spcAft>
+              <a:buClr>
+                <a:schemeClr val="accent1"/>
+              </a:buClr>
+              <a:buFont typeface="Wingdings 2" pitchFamily="18" charset="2"/>
+              <a:buChar char=""/>
+              <a:defRPr sz="1600" kern="1200">
+                <a:solidFill>
+                  <a:schemeClr val="tx1">
+                    <a:lumMod val="85000"/>
+                    <a:lumOff val="15000"/>
+                  </a:schemeClr>
+                </a:solidFill>
+                <a:latin typeface="+mn-lt"/>
+                <a:ea typeface="+mn-ea"/>
+                <a:cs typeface="+mn-cs"/>
+              </a:defRPr>
+            </a:lvl2pPr>
+            <a:lvl3pPr marL="731520" indent="-182880" algn="l" defTabSz="914400" rtl="0" eaLnBrk="1" latinLnBrk="0" hangingPunct="1">
+              <a:lnSpc>
+                <a:spcPct val="90000"/>
+              </a:lnSpc>
+              <a:spcBef>
+                <a:spcPts val="300"/>
+              </a:spcBef>
+              <a:spcAft>
+                <a:spcPts val="300"/>
+              </a:spcAft>
+              <a:buClr>
+                <a:schemeClr val="accent1"/>
+              </a:buClr>
+              <a:buFont typeface="Wingdings 2" pitchFamily="18" charset="2"/>
+              <a:buChar char=""/>
+              <a:defRPr sz="1400" kern="1200">
+                <a:solidFill>
+                  <a:schemeClr val="tx1">
+                    <a:lumMod val="85000"/>
+                    <a:lumOff val="15000"/>
+                  </a:schemeClr>
+                </a:solidFill>
+                <a:latin typeface="+mn-lt"/>
+                <a:ea typeface="+mn-ea"/>
+                <a:cs typeface="+mn-cs"/>
+              </a:defRPr>
+            </a:lvl3pPr>
+            <a:lvl4pPr marL="1005840" indent="-182880" algn="l" defTabSz="914400" rtl="0" eaLnBrk="1" latinLnBrk="0" hangingPunct="1">
+              <a:lnSpc>
+                <a:spcPct val="90000"/>
+              </a:lnSpc>
+              <a:spcBef>
+                <a:spcPts val="300"/>
+              </a:spcBef>
+              <a:spcAft>
+                <a:spcPts val="300"/>
+              </a:spcAft>
+              <a:buClr>
+                <a:schemeClr val="accent1"/>
+              </a:buClr>
+              <a:buFont typeface="Wingdings 2" pitchFamily="18" charset="2"/>
+              <a:buChar char=""/>
+              <a:defRPr sz="1400" kern="1200">
+                <a:solidFill>
+                  <a:schemeClr val="tx1">
+                    <a:lumMod val="85000"/>
+                    <a:lumOff val="15000"/>
+                  </a:schemeClr>
+                </a:solidFill>
+                <a:latin typeface="+mn-lt"/>
+                <a:ea typeface="+mn-ea"/>
+                <a:cs typeface="+mn-cs"/>
+              </a:defRPr>
+            </a:lvl4pPr>
+            <a:lvl5pPr marL="1280160" indent="-182880" algn="l" defTabSz="914400" rtl="0" eaLnBrk="1" latinLnBrk="0" hangingPunct="1">
+              <a:lnSpc>
+                <a:spcPct val="90000"/>
+              </a:lnSpc>
+              <a:spcBef>
+                <a:spcPts val="300"/>
+              </a:spcBef>
+              <a:spcAft>
+                <a:spcPts val="300"/>
+              </a:spcAft>
+              <a:buClr>
+                <a:schemeClr val="accent1"/>
+              </a:buClr>
+              <a:buFont typeface="Wingdings 2" pitchFamily="18" charset="2"/>
+              <a:buChar char=""/>
+              <a:defRPr sz="1400" kern="1200">
+                <a:solidFill>
+                  <a:schemeClr val="tx1">
+                    <a:lumMod val="85000"/>
+                    <a:lumOff val="15000"/>
+                  </a:schemeClr>
+                </a:solidFill>
+                <a:latin typeface="+mn-lt"/>
+                <a:ea typeface="+mn-ea"/>
+                <a:cs typeface="+mn-cs"/>
+              </a:defRPr>
+            </a:lvl5pPr>
+            <a:lvl6pPr marL="1600000" indent="-228600" algn="l" defTabSz="914400" rtl="0" eaLnBrk="1" latinLnBrk="0" hangingPunct="1">
+              <a:lnSpc>
+                <a:spcPct val="90000"/>
+              </a:lnSpc>
+              <a:spcBef>
+                <a:spcPts val="300"/>
+              </a:spcBef>
+              <a:spcAft>
+                <a:spcPts val="300"/>
+              </a:spcAft>
+              <a:buClr>
+                <a:schemeClr val="accent1"/>
+              </a:buClr>
+              <a:buFont typeface="Wingdings 2" pitchFamily="18" charset="2"/>
+              <a:buChar char=""/>
+              <a:defRPr sz="1400" kern="1200">
+                <a:solidFill>
+                  <a:schemeClr val="tx1">
+                    <a:lumMod val="85000"/>
+                    <a:lumOff val="15000"/>
+                  </a:schemeClr>
+                </a:solidFill>
+                <a:latin typeface="+mn-lt"/>
+                <a:ea typeface="+mn-ea"/>
+                <a:cs typeface="+mn-cs"/>
+              </a:defRPr>
+            </a:lvl6pPr>
+            <a:lvl7pPr marL="1900000" indent="-228600" algn="l" defTabSz="914400" rtl="0" eaLnBrk="1" latinLnBrk="0" hangingPunct="1">
+              <a:lnSpc>
+                <a:spcPct val="90000"/>
+              </a:lnSpc>
+              <a:spcBef>
+                <a:spcPts val="300"/>
+              </a:spcBef>
+              <a:spcAft>
+                <a:spcPts val="300"/>
+              </a:spcAft>
+              <a:buClr>
+                <a:schemeClr val="accent1"/>
+              </a:buClr>
+              <a:buFont typeface="Wingdings 2" pitchFamily="18" charset="2"/>
+              <a:buChar char=""/>
+              <a:defRPr sz="1400" kern="1200">
+                <a:solidFill>
+                  <a:schemeClr val="tx1">
+                    <a:lumMod val="85000"/>
+                    <a:lumOff val="15000"/>
+                  </a:schemeClr>
+                </a:solidFill>
+                <a:latin typeface="+mn-lt"/>
+                <a:ea typeface="+mn-ea"/>
+                <a:cs typeface="+mn-cs"/>
+              </a:defRPr>
+            </a:lvl7pPr>
+            <a:lvl8pPr marL="2200000" indent="-228600" algn="l" defTabSz="914400" rtl="0" eaLnBrk="1" latinLnBrk="0" hangingPunct="1">
+              <a:lnSpc>
+                <a:spcPct val="90000"/>
+              </a:lnSpc>
+              <a:spcBef>
+                <a:spcPts val="300"/>
+              </a:spcBef>
+              <a:spcAft>
+                <a:spcPts val="300"/>
+              </a:spcAft>
+              <a:buClr>
+                <a:schemeClr val="accent1"/>
+              </a:buClr>
+              <a:buFont typeface="Wingdings 2" pitchFamily="18" charset="2"/>
+              <a:buChar char=""/>
+              <a:defRPr sz="1400" kern="1200">
+                <a:solidFill>
+                  <a:schemeClr val="tx1">
+                    <a:lumMod val="85000"/>
+                    <a:lumOff val="15000"/>
+                  </a:schemeClr>
+                </a:solidFill>
+                <a:latin typeface="+mn-lt"/>
+                <a:ea typeface="+mn-ea"/>
+                <a:cs typeface="+mn-cs"/>
+              </a:defRPr>
+            </a:lvl8pPr>
+            <a:lvl9pPr marL="2500000" indent="-228600" algn="l" defTabSz="914400" rtl="0" eaLnBrk="1" latinLnBrk="0" hangingPunct="1">
+              <a:lnSpc>
+                <a:spcPct val="90000"/>
+              </a:lnSpc>
+              <a:spcBef>
+                <a:spcPts val="300"/>
+              </a:spcBef>
+              <a:spcAft>
+                <a:spcPts val="300"/>
+              </a:spcAft>
+              <a:buClr>
+                <a:schemeClr val="accent1"/>
+              </a:buClr>
+              <a:buFont typeface="Wingdings 2" pitchFamily="18" charset="2"/>
+              <a:buChar char=""/>
+              <a:defRPr sz="1400" kern="1200">
+                <a:solidFill>
+                  <a:schemeClr val="tx1">
+                    <a:lumMod val="85000"/>
+                    <a:lumOff val="15000"/>
+                  </a:schemeClr>
+                </a:solidFill>
+                <a:latin typeface="+mn-lt"/>
+                <a:ea typeface="+mn-ea"/>
+                <a:cs typeface="+mn-cs"/>
+              </a:defRPr>
+            </a:lvl9pPr>
+          </a:lstStyle>
+          <a:p>
+            <a:endParaRPr lang="en-GB" dirty="0">
+              <a:latin typeface="Microsoft YaHei UI Light" panose="020B0502040204020203" pitchFamily="34" charset="-122"/>
+              <a:ea typeface="Microsoft YaHei UI Light" panose="020B0502040204020203" pitchFamily="34" charset="-122"/>
               <a:cs typeface="Microsoft Sans Serif" panose="020B0604020202020204" pitchFamily="34" charset="0"/>
             </a:endParaRPr>
           </a:p>
@@ -15472,62 +14425,72 @@
             <a:r>
               <a:rPr lang="en-US" sz="2400" dirty="0">
                 <a:effectLst/>
-                <a:latin typeface="Ubuntu Mono" panose="020B0509030602030204" pitchFamily="49" charset="0"/>
-                <a:ea typeface="Microsoft Sans Serif" panose="020B0604020202020204" pitchFamily="34" charset="0"/>
-                <a:cs typeface="Microsoft Sans Serif" panose="020B0604020202020204" pitchFamily="34" charset="0"/>
-              </a:rPr>
-              <a:t>ld.so.preload</a:t>
-            </a:r>
-          </a:p>
-          <a:p>
-            <a:pPr marL="0" indent="0">
-              <a:buNone/>
+                <a:latin typeface="Microsoft YaHei UI Light" panose="020B0502040204020203" pitchFamily="34" charset="-122"/>
+                <a:ea typeface="Microsoft YaHei UI Light" panose="020B0502040204020203" pitchFamily="34" charset="-122"/>
+                <a:cs typeface="Microsoft Sans Serif" panose="020B0604020202020204" pitchFamily="34" charset="0"/>
+              </a:rPr>
+              <a:t>ENVIRONMENT</a:t>
+            </a:r>
+          </a:p>
+          <a:p>
+            <a:pPr indent="-342900" algn="just">
+              <a:buFont typeface="Wingdings" panose="05000000000000000000" pitchFamily="2" charset="2"/>
+              <a:buChar char="§"/>
             </a:pPr>
             <a:r>
+              <a:rPr lang="en-GB" sz="1800" dirty="0">
+                <a:effectLst/>
+                <a:latin typeface="Microsoft YaHei UI Light" panose="020B0502040204020203" pitchFamily="34" charset="-122"/>
+                <a:ea typeface="Microsoft YaHei UI Light" panose="020B0502040204020203" pitchFamily="34" charset="-122"/>
+                <a:cs typeface="Microsoft Sans Serif" panose="020B0604020202020204" pitchFamily="34" charset="0"/>
+              </a:rPr>
+              <a:t>Ubuntu 16.04 or Ubuntu 14.04</a:t>
+            </a:r>
+          </a:p>
+          <a:p>
+            <a:pPr indent="-342900" algn="just">
+              <a:buFont typeface="Wingdings" panose="05000000000000000000" pitchFamily="2" charset="2"/>
+              <a:buChar char="§"/>
+            </a:pPr>
+            <a:r>
               <a:rPr lang="en-US" sz="1800" dirty="0">
                 <a:effectLst/>
-                <a:latin typeface="Microsoft Sans Serif" panose="020B0604020202020204" pitchFamily="34" charset="0"/>
-                <a:ea typeface="Microsoft Sans Serif" panose="020B0604020202020204" pitchFamily="34" charset="0"/>
-                <a:cs typeface="Microsoft Sans Serif" panose="020B0604020202020204" pitchFamily="34" charset="0"/>
-              </a:rPr>
-              <a:t>Protected system file in </a:t>
-            </a:r>
+                <a:latin typeface="Microsoft YaHei UI Light" panose="020B0502040204020203" pitchFamily="34" charset="-122"/>
+                <a:ea typeface="Microsoft YaHei UI Light" panose="020B0502040204020203" pitchFamily="34" charset="-122"/>
+                <a:cs typeface="Microsoft Sans Serif" panose="020B0604020202020204" pitchFamily="34" charset="0"/>
+              </a:rPr>
+              <a:t>Tomcat 7.0.68-1 or Tomcat 6.0.39-1</a:t>
+            </a:r>
+          </a:p>
+          <a:p>
+            <a:pPr indent="-342900" algn="just">
+              <a:buFont typeface="Wingdings" panose="05000000000000000000" pitchFamily="2" charset="2"/>
+              <a:buChar char="§"/>
+            </a:pPr>
             <a:r>
               <a:rPr lang="en-US" sz="1800" dirty="0">
                 <a:effectLst/>
-                <a:latin typeface="Ubuntu Mono" panose="020B0509030602030204" pitchFamily="49" charset="0"/>
-                <a:ea typeface="Microsoft Sans Serif" panose="020B0604020202020204" pitchFamily="34" charset="0"/>
-                <a:cs typeface="Microsoft Sans Serif" panose="020B0604020202020204" pitchFamily="34" charset="0"/>
-              </a:rPr>
-              <a:t>/etc/</a:t>
+                <a:latin typeface="Microsoft YaHei UI Light" panose="020B0502040204020203" pitchFamily="34" charset="-122"/>
+                <a:ea typeface="Microsoft YaHei UI Light" panose="020B0502040204020203" pitchFamily="34" charset="-122"/>
+                <a:cs typeface="Microsoft Sans Serif" panose="020B0604020202020204" pitchFamily="34" charset="0"/>
+              </a:rPr>
+              <a:t>Tomcat installed through </a:t>
             </a:r>
             <a:r>
               <a:rPr lang="en-US" sz="1800" dirty="0">
                 <a:effectLst/>
-                <a:latin typeface="Microsoft Sans Serif" panose="020B0604020202020204" pitchFamily="34" charset="0"/>
-                <a:ea typeface="Microsoft Sans Serif" panose="020B0604020202020204" pitchFamily="34" charset="0"/>
-                <a:cs typeface="Microsoft Sans Serif" panose="020B0604020202020204" pitchFamily="34" charset="0"/>
-              </a:rPr>
-              <a:t> (</a:t>
-            </a:r>
-            <a:r>
-              <a:rPr lang="en-US" sz="1800" dirty="0">
-                <a:effectLst/>
-                <a:latin typeface="Ubuntu Mono" panose="020B0509030602030204" pitchFamily="49" charset="0"/>
-                <a:ea typeface="Microsoft Sans Serif" panose="020B0604020202020204" pitchFamily="34" charset="0"/>
-                <a:cs typeface="Microsoft Sans Serif" panose="020B0604020202020204" pitchFamily="34" charset="0"/>
-              </a:rPr>
-              <a:t>root</a:t>
-            </a:r>
-            <a:r>
-              <a:rPr lang="en-US" sz="1800" dirty="0">
-                <a:effectLst/>
-                <a:latin typeface="Microsoft Sans Serif" panose="020B0604020202020204" pitchFamily="34" charset="0"/>
-                <a:ea typeface="Microsoft Sans Serif" panose="020B0604020202020204" pitchFamily="34" charset="0"/>
-                <a:cs typeface="Microsoft Sans Serif" panose="020B0604020202020204" pitchFamily="34" charset="0"/>
-              </a:rPr>
-              <a:t> access is required to read, write, execute) that contains a comma separated list of paths to libraries (binary executables), that are loaded and ran before the execution of any command.</a:t>
-            </a:r>
+                <a:latin typeface="Ubuntu Mono" panose="020B0509030602030204"/>
+                <a:ea typeface="Microsoft YaHei UI Light" panose="020B0502040204020203" pitchFamily="34" charset="-122"/>
+                <a:cs typeface="Microsoft Sans Serif" panose="020B0604020202020204" pitchFamily="34" charset="0"/>
+              </a:rPr>
+              <a:t>apt-get</a:t>
+            </a:r>
+            <a:endParaRPr lang="en-GB" sz="1800" dirty="0">
+              <a:effectLst/>
+              <a:latin typeface="Ubuntu Mono" panose="020B0509030602030204"/>
+              <a:ea typeface="Microsoft YaHei UI Light" panose="020B0502040204020203" pitchFamily="34" charset="-122"/>
+              <a:cs typeface="Microsoft Sans Serif" panose="020B0604020202020204" pitchFamily="34" charset="0"/>
+            </a:endParaRPr>
           </a:p>
         </p:txBody>
       </p:sp>
@@ -15911,8 +14874,1078 @@
             <a:r>
               <a:rPr lang="en-US" sz="2400" dirty="0">
                 <a:effectLst/>
+                <a:latin typeface="Microsoft YaHei UI Light" panose="020B0502040204020203" pitchFamily="34" charset="-122"/>
+                <a:ea typeface="Microsoft YaHei UI Light" panose="020B0502040204020203" pitchFamily="34" charset="-122"/>
+                <a:cs typeface="Microsoft Sans Serif" panose="020B0604020202020204" pitchFamily="34" charset="0"/>
+              </a:rPr>
+              <a:t>SUCCESS CRITERIA</a:t>
+            </a:r>
+          </a:p>
+          <a:p>
+            <a:pPr indent="-342900" algn="just">
+              <a:buFont typeface="Wingdings" panose="05000000000000000000" pitchFamily="2" charset="2"/>
+              <a:buChar char="§"/>
+            </a:pPr>
+            <a:r>
+              <a:rPr lang="en-GB" sz="1800" dirty="0">
+                <a:effectLst/>
                 <a:latin typeface="Ubuntu Mono" panose="020B0509030602030204" pitchFamily="49" charset="0"/>
-                <a:ea typeface="Microsoft Sans Serif" panose="020B0604020202020204" pitchFamily="34" charset="0"/>
+                <a:ea typeface="Microsoft YaHei UI Light" panose="020B0502040204020203" pitchFamily="34" charset="-122"/>
+                <a:cs typeface="Microsoft Sans Serif" panose="020B0604020202020204" pitchFamily="34" charset="0"/>
+              </a:rPr>
+              <a:t>whoami</a:t>
+            </a:r>
+            <a:r>
+              <a:rPr lang="en-GB" sz="1800" dirty="0">
+                <a:effectLst/>
+                <a:latin typeface="Microsoft YaHei UI Light" panose="020B0502040204020203" pitchFamily="34" charset="-122"/>
+                <a:ea typeface="Microsoft YaHei UI Light" panose="020B0502040204020203" pitchFamily="34" charset="-122"/>
+                <a:cs typeface="Microsoft Sans Serif" panose="020B0604020202020204" pitchFamily="34" charset="0"/>
+              </a:rPr>
+              <a:t> </a:t>
+            </a:r>
+            <a:r>
+              <a:rPr lang="en-US" sz="1800" dirty="0">
+                <a:effectLst/>
+                <a:latin typeface="Microsoft YaHei UI Light" panose="020B0502040204020203" pitchFamily="34" charset="-122"/>
+                <a:ea typeface="Microsoft YaHei UI Light" panose="020B0502040204020203" pitchFamily="34" charset="-122"/>
+                <a:cs typeface="Microsoft Sans Serif" panose="020B0604020202020204" pitchFamily="34" charset="0"/>
+                <a:sym typeface="Wingdings" panose="05000000000000000000" pitchFamily="2" charset="2"/>
+              </a:rPr>
+              <a:t> </a:t>
+            </a:r>
+            <a:r>
+              <a:rPr lang="en-US" sz="1800" dirty="0">
+                <a:effectLst/>
+                <a:latin typeface="Ubuntu Mono" panose="020B0509030602030204" pitchFamily="49" charset="0"/>
+                <a:ea typeface="Microsoft YaHei UI Light" panose="020B0502040204020203" pitchFamily="34" charset="-122"/>
+                <a:cs typeface="Microsoft Sans Serif" panose="020B0604020202020204" pitchFamily="34" charset="0"/>
+                <a:sym typeface="Wingdings" panose="05000000000000000000" pitchFamily="2" charset="2"/>
+              </a:rPr>
+              <a:t>root</a:t>
+            </a:r>
+            <a:endParaRPr lang="en-GB" sz="1800" dirty="0">
+              <a:effectLst/>
+              <a:latin typeface="Microsoft YaHei UI Light" panose="020B0502040204020203" pitchFamily="34" charset="-122"/>
+              <a:ea typeface="Microsoft YaHei UI Light" panose="020B0502040204020203" pitchFamily="34" charset="-122"/>
+              <a:cs typeface="Microsoft Sans Serif" panose="020B0604020202020204" pitchFamily="34" charset="0"/>
+            </a:endParaRPr>
+          </a:p>
+        </p:txBody>
+      </p:sp>
+    </p:spTree>
+    <p:extLst>
+      <p:ext uri="{BB962C8B-B14F-4D97-AF65-F5344CB8AC3E}">
+        <p14:creationId xmlns:p14="http://schemas.microsoft.com/office/powerpoint/2010/main" val="730739525"/>
+      </p:ext>
+    </p:extLst>
+  </p:cSld>
+  <p:clrMapOvr>
+    <a:masterClrMapping/>
+  </p:clrMapOvr>
+</p:sld>
+</file>
+
+<file path=ppt/slides/slide9.xml><?xml version="1.0" encoding="utf-8"?>
+<p:sld xmlns:a="http://schemas.openxmlformats.org/drawingml/2006/main" xmlns:r="http://schemas.openxmlformats.org/officeDocument/2006/relationships" xmlns:p="http://schemas.openxmlformats.org/presentationml/2006/main">
+  <p:cSld>
+    <p:spTree>
+      <p:nvGrpSpPr>
+        <p:cNvPr id="1" name=""/>
+        <p:cNvGrpSpPr/>
+        <p:nvPr/>
+      </p:nvGrpSpPr>
+      <p:grpSpPr>
+        <a:xfrm>
+          <a:off x="0" y="0"/>
+          <a:ext cx="0" cy="0"/>
+          <a:chOff x="0" y="0"/>
+          <a:chExt cx="0" cy="0"/>
+        </a:xfrm>
+      </p:grpSpPr>
+      <p:sp>
+        <p:nvSpPr>
+          <p:cNvPr id="2" name="Title 1"/>
+          <p:cNvSpPr>
+            <a:spLocks noGrp="1"/>
+          </p:cNvSpPr>
+          <p:nvPr>
+            <p:ph type="title"/>
+          </p:nvPr>
+        </p:nvSpPr>
+        <p:spPr/>
+        <p:txBody>
+          <a:bodyPr anchor="ctr">
+            <a:normAutofit/>
+          </a:bodyPr>
+          <a:lstStyle/>
+          <a:p>
+            <a:pPr algn="ctr"/>
+            <a:r>
+              <a:rPr lang="en-US" sz="4800" dirty="0">
+                <a:solidFill>
+                  <a:schemeClr val="tx1"/>
+                </a:solidFill>
+                <a:effectLst/>
+                <a:latin typeface="Microsoft YaHei UI Light" panose="020B0502040204020203" pitchFamily="34" charset="-122"/>
+                <a:ea typeface="Microsoft YaHei UI Light" panose="020B0502040204020203" pitchFamily="34" charset="-122"/>
+                <a:cs typeface="Microsoft Sans Serif" panose="020B0604020202020204" pitchFamily="34" charset="0"/>
+              </a:rPr>
+              <a:t>CVE-2016-1240</a:t>
+            </a:r>
+            <a:endParaRPr lang="en-GB" sz="4800" dirty="0">
+              <a:solidFill>
+                <a:schemeClr val="tx1"/>
+              </a:solidFill>
+              <a:effectLst/>
+              <a:latin typeface="Microsoft YaHei UI Light" panose="020B0502040204020203" pitchFamily="34" charset="-122"/>
+              <a:ea typeface="Microsoft YaHei UI Light" panose="020B0502040204020203" pitchFamily="34" charset="-122"/>
+              <a:cs typeface="Microsoft Sans Serif" panose="020B0604020202020204" pitchFamily="34" charset="0"/>
+            </a:endParaRPr>
+          </a:p>
+        </p:txBody>
+      </p:sp>
+      <p:sp>
+        <p:nvSpPr>
+          <p:cNvPr id="4" name="Date Placeholder 3"/>
+          <p:cNvSpPr>
+            <a:spLocks noGrp="1"/>
+          </p:cNvSpPr>
+          <p:nvPr>
+            <p:ph type="dt" sz="half" idx="10"/>
+          </p:nvPr>
+        </p:nvSpPr>
+        <p:spPr/>
+        <p:txBody>
+          <a:bodyPr/>
+          <a:lstStyle/>
+          <a:p>
+            <a:fld id="{4818EFCD-E14A-4CB0-95C4-5A0763CD96DB}" type="datetime1">
+              <a:rPr lang="en-GB" smtClean="0">
+                <a:solidFill>
+                  <a:schemeClr val="tx2">
+                    <a:lumMod val="50000"/>
+                  </a:schemeClr>
+                </a:solidFill>
+                <a:effectLst/>
+                <a:latin typeface="Microsoft YaHei UI Light" panose="020B0502040204020203" pitchFamily="34" charset="-122"/>
+                <a:ea typeface="Microsoft YaHei UI Light" panose="020B0502040204020203" pitchFamily="34" charset="-122"/>
+                <a:cs typeface="Microsoft Sans Serif" panose="020B0604020202020204" pitchFamily="34" charset="0"/>
+              </a:rPr>
+              <a:t>06/11/2016</a:t>
+            </a:fld>
+            <a:endParaRPr lang="en-GB" dirty="0">
+              <a:solidFill>
+                <a:schemeClr val="tx2">
+                  <a:lumMod val="50000"/>
+                </a:schemeClr>
+              </a:solidFill>
+              <a:effectLst/>
+              <a:latin typeface="Microsoft YaHei UI Light" panose="020B0502040204020203" pitchFamily="34" charset="-122"/>
+              <a:ea typeface="Microsoft YaHei UI Light" panose="020B0502040204020203" pitchFamily="34" charset="-122"/>
+              <a:cs typeface="Microsoft Sans Serif" panose="020B0604020202020204" pitchFamily="34" charset="0"/>
+            </a:endParaRPr>
+          </a:p>
+        </p:txBody>
+      </p:sp>
+      <p:sp>
+        <p:nvSpPr>
+          <p:cNvPr id="5" name="Footer Placeholder 4"/>
+          <p:cNvSpPr>
+            <a:spLocks noGrp="1"/>
+          </p:cNvSpPr>
+          <p:nvPr>
+            <p:ph type="ftr" sz="quarter" idx="11"/>
+          </p:nvPr>
+        </p:nvSpPr>
+        <p:spPr/>
+        <p:txBody>
+          <a:bodyPr/>
+          <a:lstStyle/>
+          <a:p>
+            <a:r>
+              <a:rPr lang="en-GB" dirty="0">
+                <a:solidFill>
+                  <a:schemeClr val="tx2">
+                    <a:lumMod val="50000"/>
+                  </a:schemeClr>
+                </a:solidFill>
+                <a:effectLst/>
+                <a:latin typeface="Microsoft YaHei UI Light" panose="020B0502040204020203" pitchFamily="34" charset="-122"/>
+                <a:ea typeface="Microsoft YaHei UI Light" panose="020B0502040204020203" pitchFamily="34" charset="-122"/>
+                <a:cs typeface="Microsoft Sans Serif" panose="020B0604020202020204" pitchFamily="34" charset="0"/>
+              </a:rPr>
+              <a:t>Mattia Affabris - Alessandro Pezzé            Offensive Technologies 2016/2017</a:t>
+            </a:r>
+          </a:p>
+        </p:txBody>
+      </p:sp>
+      <p:sp>
+        <p:nvSpPr>
+          <p:cNvPr id="9" name="Slide Number Placeholder 8"/>
+          <p:cNvSpPr>
+            <a:spLocks noGrp="1"/>
+          </p:cNvSpPr>
+          <p:nvPr>
+            <p:ph type="sldNum" sz="quarter" idx="12"/>
+          </p:nvPr>
+        </p:nvSpPr>
+        <p:spPr/>
+        <p:txBody>
+          <a:bodyPr>
+            <a:normAutofit/>
+          </a:bodyPr>
+          <a:lstStyle/>
+          <a:p>
+            <a:fld id="{F4B4BBA8-8F23-41D6-9C2C-09C456314A51}" type="slidenum">
+              <a:rPr lang="en-GB" smtClean="0">
+                <a:solidFill>
+                  <a:schemeClr val="tx2">
+                    <a:lumMod val="50000"/>
+                  </a:schemeClr>
+                </a:solidFill>
+                <a:effectLst/>
+                <a:latin typeface="Microsoft YaHei UI Light" panose="020B0502040204020203" pitchFamily="34" charset="-122"/>
+                <a:ea typeface="Microsoft YaHei UI Light" panose="020B0502040204020203" pitchFamily="34" charset="-122"/>
+                <a:cs typeface="Microsoft Sans Serif" panose="020B0604020202020204" pitchFamily="34" charset="0"/>
+              </a:rPr>
+              <a:t>9</a:t>
+            </a:fld>
+            <a:endParaRPr lang="en-GB" dirty="0">
+              <a:solidFill>
+                <a:schemeClr val="tx2">
+                  <a:lumMod val="50000"/>
+                </a:schemeClr>
+              </a:solidFill>
+              <a:effectLst/>
+              <a:latin typeface="Microsoft YaHei UI Light" panose="020B0502040204020203" pitchFamily="34" charset="-122"/>
+              <a:ea typeface="Microsoft YaHei UI Light" panose="020B0502040204020203" pitchFamily="34" charset="-122"/>
+              <a:cs typeface="Microsoft Sans Serif" panose="020B0604020202020204" pitchFamily="34" charset="0"/>
+            </a:endParaRPr>
+          </a:p>
+        </p:txBody>
+      </p:sp>
+      <p:sp>
+        <p:nvSpPr>
+          <p:cNvPr id="10" name="Content Placeholder 2"/>
+          <p:cNvSpPr txBox="1">
+            <a:spLocks/>
+          </p:cNvSpPr>
+          <p:nvPr/>
+        </p:nvSpPr>
+        <p:spPr>
+          <a:xfrm>
+            <a:off x="913795" y="1580050"/>
+            <a:ext cx="4640400" cy="4054474"/>
+          </a:xfrm>
+          <a:prstGeom prst="rect">
+            <a:avLst/>
+          </a:prstGeom>
+          <a:effectLst>
+            <a:outerShdw blurRad="25400" dir="17880000">
+              <a:srgbClr val="000000">
+                <a:alpha val="46000"/>
+              </a:srgbClr>
+            </a:outerShdw>
+          </a:effectLst>
+        </p:spPr>
+        <p:txBody>
+          <a:bodyPr vert="horz" lIns="91440" tIns="45720" rIns="91440" bIns="45720" rtlCol="0" anchor="t">
+            <a:noAutofit/>
+          </a:bodyPr>
+          <a:lstStyle>
+            <a:lvl1pPr marL="342900" indent="-306000" algn="l" defTabSz="457200" rtl="0" eaLnBrk="1" latinLnBrk="0" hangingPunct="1">
+              <a:spcBef>
+                <a:spcPct val="20000"/>
+              </a:spcBef>
+              <a:spcAft>
+                <a:spcPts val="600"/>
+              </a:spcAft>
+              <a:buClr>
+                <a:schemeClr val="tx2"/>
+              </a:buClr>
+              <a:buSzPct val="70000"/>
+              <a:buFont typeface="Wingdings 2" charset="2"/>
+              <a:buChar char=""/>
+              <a:defRPr sz="2000" kern="1200">
+                <a:ln>
+                  <a:solidFill>
+                    <a:schemeClr val="bg1">
+                      <a:lumMod val="75000"/>
+                      <a:lumOff val="25000"/>
+                      <a:alpha val="10000"/>
+                    </a:schemeClr>
+                  </a:solidFill>
+                </a:ln>
+                <a:solidFill>
+                  <a:schemeClr val="tx2"/>
+                </a:solidFill>
+                <a:effectLst>
+                  <a:outerShdw blurRad="9525" dist="25400" dir="14640000" algn="tl" rotWithShape="0">
+                    <a:schemeClr val="bg1">
+                      <a:alpha val="30000"/>
+                    </a:schemeClr>
+                  </a:outerShdw>
+                </a:effectLst>
+                <a:latin typeface="+mn-lt"/>
+                <a:ea typeface="+mn-ea"/>
+                <a:cs typeface="+mn-cs"/>
+              </a:defRPr>
+            </a:lvl1pPr>
+            <a:lvl2pPr marL="720000" indent="-270000" algn="l" defTabSz="457200" rtl="0" eaLnBrk="1" latinLnBrk="0" hangingPunct="1">
+              <a:spcBef>
+                <a:spcPct val="20000"/>
+              </a:spcBef>
+              <a:spcAft>
+                <a:spcPts val="600"/>
+              </a:spcAft>
+              <a:buClr>
+                <a:schemeClr val="tx2"/>
+              </a:buClr>
+              <a:buSzPct val="70000"/>
+              <a:buFont typeface="Wingdings 2" charset="2"/>
+              <a:buChar char=""/>
+              <a:defRPr sz="1800" kern="1200">
+                <a:ln>
+                  <a:solidFill>
+                    <a:schemeClr val="bg1">
+                      <a:lumMod val="75000"/>
+                      <a:lumOff val="25000"/>
+                      <a:alpha val="10000"/>
+                    </a:schemeClr>
+                  </a:solidFill>
+                </a:ln>
+                <a:solidFill>
+                  <a:schemeClr val="tx2"/>
+                </a:solidFill>
+                <a:effectLst>
+                  <a:outerShdw blurRad="9525" dist="25400" dir="14640000" algn="tl" rotWithShape="0">
+                    <a:schemeClr val="bg1">
+                      <a:alpha val="30000"/>
+                    </a:schemeClr>
+                  </a:outerShdw>
+                </a:effectLst>
+                <a:latin typeface="+mn-lt"/>
+                <a:ea typeface="+mn-ea"/>
+                <a:cs typeface="+mn-cs"/>
+              </a:defRPr>
+            </a:lvl2pPr>
+            <a:lvl3pPr marL="1026000" indent="-216000" algn="l" defTabSz="457200" rtl="0" eaLnBrk="1" latinLnBrk="0" hangingPunct="1">
+              <a:spcBef>
+                <a:spcPct val="20000"/>
+              </a:spcBef>
+              <a:spcAft>
+                <a:spcPts val="600"/>
+              </a:spcAft>
+              <a:buClr>
+                <a:schemeClr val="tx2"/>
+              </a:buClr>
+              <a:buSzPct val="70000"/>
+              <a:buFont typeface="Wingdings 2" charset="2"/>
+              <a:buChar char=""/>
+              <a:defRPr sz="1600" kern="1200">
+                <a:ln>
+                  <a:solidFill>
+                    <a:schemeClr val="bg1">
+                      <a:lumMod val="75000"/>
+                      <a:lumOff val="25000"/>
+                      <a:alpha val="10000"/>
+                    </a:schemeClr>
+                  </a:solidFill>
+                </a:ln>
+                <a:solidFill>
+                  <a:schemeClr val="tx2"/>
+                </a:solidFill>
+                <a:effectLst>
+                  <a:outerShdw blurRad="9525" dist="25400" dir="14640000" algn="tl" rotWithShape="0">
+                    <a:schemeClr val="bg1">
+                      <a:alpha val="30000"/>
+                    </a:schemeClr>
+                  </a:outerShdw>
+                </a:effectLst>
+                <a:latin typeface="+mn-lt"/>
+                <a:ea typeface="+mn-ea"/>
+                <a:cs typeface="+mn-cs"/>
+              </a:defRPr>
+            </a:lvl3pPr>
+            <a:lvl4pPr marL="1386000" indent="-216000" algn="l" defTabSz="457200" rtl="0" eaLnBrk="1" latinLnBrk="0" hangingPunct="1">
+              <a:spcBef>
+                <a:spcPct val="20000"/>
+              </a:spcBef>
+              <a:spcAft>
+                <a:spcPts val="600"/>
+              </a:spcAft>
+              <a:buClr>
+                <a:schemeClr val="tx2"/>
+              </a:buClr>
+              <a:buSzPct val="70000"/>
+              <a:buFont typeface="Wingdings 2" charset="2"/>
+              <a:buChar char=""/>
+              <a:defRPr sz="1400" kern="1200">
+                <a:ln>
+                  <a:solidFill>
+                    <a:schemeClr val="bg1">
+                      <a:lumMod val="75000"/>
+                      <a:lumOff val="25000"/>
+                      <a:alpha val="10000"/>
+                    </a:schemeClr>
+                  </a:solidFill>
+                </a:ln>
+                <a:solidFill>
+                  <a:schemeClr val="tx2"/>
+                </a:solidFill>
+                <a:effectLst>
+                  <a:outerShdw blurRad="9525" dist="25400" dir="14640000" algn="tl" rotWithShape="0">
+                    <a:schemeClr val="bg1">
+                      <a:alpha val="30000"/>
+                    </a:schemeClr>
+                  </a:outerShdw>
+                </a:effectLst>
+                <a:latin typeface="+mn-lt"/>
+                <a:ea typeface="+mn-ea"/>
+                <a:cs typeface="+mn-cs"/>
+              </a:defRPr>
+            </a:lvl4pPr>
+            <a:lvl5pPr marL="1674000" indent="-216000" algn="l" defTabSz="457200" rtl="0" eaLnBrk="1" latinLnBrk="0" hangingPunct="1">
+              <a:spcBef>
+                <a:spcPct val="20000"/>
+              </a:spcBef>
+              <a:spcAft>
+                <a:spcPts val="600"/>
+              </a:spcAft>
+              <a:buClr>
+                <a:schemeClr val="tx2"/>
+              </a:buClr>
+              <a:buSzPct val="70000"/>
+              <a:buFont typeface="Wingdings 2" charset="2"/>
+              <a:buChar char=""/>
+              <a:defRPr sz="1400" kern="1200">
+                <a:ln>
+                  <a:solidFill>
+                    <a:schemeClr val="bg1">
+                      <a:lumMod val="75000"/>
+                      <a:lumOff val="25000"/>
+                      <a:alpha val="10000"/>
+                    </a:schemeClr>
+                  </a:solidFill>
+                </a:ln>
+                <a:solidFill>
+                  <a:schemeClr val="tx2"/>
+                </a:solidFill>
+                <a:effectLst>
+                  <a:outerShdw blurRad="9525" dist="25400" dir="14640000" algn="tl" rotWithShape="0">
+                    <a:schemeClr val="bg1">
+                      <a:alpha val="30000"/>
+                    </a:schemeClr>
+                  </a:outerShdw>
+                </a:effectLst>
+                <a:latin typeface="+mn-lt"/>
+                <a:ea typeface="+mn-ea"/>
+                <a:cs typeface="+mn-cs"/>
+              </a:defRPr>
+            </a:lvl5pPr>
+            <a:lvl6pPr marL="2014600" indent="-228600" algn="l" defTabSz="457200" rtl="0" eaLnBrk="1" latinLnBrk="0" hangingPunct="1">
+              <a:spcBef>
+                <a:spcPct val="20000"/>
+              </a:spcBef>
+              <a:spcAft>
+                <a:spcPts val="600"/>
+              </a:spcAft>
+              <a:buClr>
+                <a:schemeClr val="tx2"/>
+              </a:buClr>
+              <a:buSzPct val="70000"/>
+              <a:buFont typeface="Wingdings 2" charset="2"/>
+              <a:buChar char=""/>
+              <a:defRPr sz="1400" kern="1200">
+                <a:ln>
+                  <a:solidFill>
+                    <a:schemeClr val="bg1">
+                      <a:lumMod val="75000"/>
+                      <a:lumOff val="25000"/>
+                      <a:alpha val="10000"/>
+                    </a:schemeClr>
+                  </a:solidFill>
+                </a:ln>
+                <a:solidFill>
+                  <a:schemeClr val="tx2"/>
+                </a:solidFill>
+                <a:effectLst>
+                  <a:outerShdw blurRad="9525" dist="25400" dir="14640000" algn="tl" rotWithShape="0">
+                    <a:schemeClr val="bg1">
+                      <a:alpha val="30000"/>
+                    </a:schemeClr>
+                  </a:outerShdw>
+                </a:effectLst>
+                <a:latin typeface="+mn-lt"/>
+                <a:ea typeface="+mn-ea"/>
+                <a:cs typeface="+mn-cs"/>
+              </a:defRPr>
+            </a:lvl6pPr>
+            <a:lvl7pPr marL="2401800" indent="-228600" algn="l" defTabSz="457200" rtl="0" eaLnBrk="1" latinLnBrk="0" hangingPunct="1">
+              <a:spcBef>
+                <a:spcPct val="20000"/>
+              </a:spcBef>
+              <a:spcAft>
+                <a:spcPts val="600"/>
+              </a:spcAft>
+              <a:buClr>
+                <a:schemeClr val="tx2"/>
+              </a:buClr>
+              <a:buSzPct val="70000"/>
+              <a:buFont typeface="Wingdings 2" charset="2"/>
+              <a:buChar char=""/>
+              <a:defRPr sz="1400" kern="1200">
+                <a:ln>
+                  <a:solidFill>
+                    <a:schemeClr val="bg1">
+                      <a:lumMod val="75000"/>
+                      <a:lumOff val="25000"/>
+                      <a:alpha val="10000"/>
+                    </a:schemeClr>
+                  </a:solidFill>
+                </a:ln>
+                <a:solidFill>
+                  <a:schemeClr val="tx2"/>
+                </a:solidFill>
+                <a:effectLst>
+                  <a:outerShdw blurRad="9525" dist="25400" dir="14640000" algn="tl" rotWithShape="0">
+                    <a:schemeClr val="bg1">
+                      <a:alpha val="30000"/>
+                    </a:schemeClr>
+                  </a:outerShdw>
+                </a:effectLst>
+                <a:latin typeface="+mn-lt"/>
+                <a:ea typeface="+mn-ea"/>
+                <a:cs typeface="+mn-cs"/>
+              </a:defRPr>
+            </a:lvl7pPr>
+            <a:lvl8pPr marL="2789000" indent="-228600" algn="l" defTabSz="457200" rtl="0" eaLnBrk="1" latinLnBrk="0" hangingPunct="1">
+              <a:spcBef>
+                <a:spcPct val="20000"/>
+              </a:spcBef>
+              <a:spcAft>
+                <a:spcPts val="600"/>
+              </a:spcAft>
+              <a:buClr>
+                <a:schemeClr val="tx2"/>
+              </a:buClr>
+              <a:buSzPct val="70000"/>
+              <a:buFont typeface="Wingdings 2" charset="2"/>
+              <a:buChar char=""/>
+              <a:defRPr sz="1400" kern="1200">
+                <a:ln>
+                  <a:solidFill>
+                    <a:schemeClr val="bg1">
+                      <a:lumMod val="75000"/>
+                      <a:lumOff val="25000"/>
+                      <a:alpha val="10000"/>
+                    </a:schemeClr>
+                  </a:solidFill>
+                </a:ln>
+                <a:solidFill>
+                  <a:schemeClr val="tx2"/>
+                </a:solidFill>
+                <a:effectLst>
+                  <a:outerShdw blurRad="9525" dist="25400" dir="14640000" algn="tl" rotWithShape="0">
+                    <a:schemeClr val="bg1">
+                      <a:alpha val="30000"/>
+                    </a:schemeClr>
+                  </a:outerShdw>
+                </a:effectLst>
+                <a:latin typeface="+mn-lt"/>
+                <a:ea typeface="+mn-ea"/>
+                <a:cs typeface="+mn-cs"/>
+              </a:defRPr>
+            </a:lvl8pPr>
+            <a:lvl9pPr marL="3106200" indent="-228600" algn="l" defTabSz="457200" rtl="0" eaLnBrk="1" latinLnBrk="0" hangingPunct="1">
+              <a:spcBef>
+                <a:spcPct val="20000"/>
+              </a:spcBef>
+              <a:spcAft>
+                <a:spcPts val="600"/>
+              </a:spcAft>
+              <a:buClr>
+                <a:schemeClr val="tx2"/>
+              </a:buClr>
+              <a:buSzPct val="70000"/>
+              <a:buFont typeface="Wingdings 2" charset="2"/>
+              <a:buChar char=""/>
+              <a:defRPr sz="1400" kern="1200">
+                <a:ln>
+                  <a:solidFill>
+                    <a:schemeClr val="bg1">
+                      <a:lumMod val="75000"/>
+                      <a:lumOff val="25000"/>
+                      <a:alpha val="10000"/>
+                    </a:schemeClr>
+                  </a:solidFill>
+                </a:ln>
+                <a:solidFill>
+                  <a:schemeClr val="tx2"/>
+                </a:solidFill>
+                <a:effectLst>
+                  <a:outerShdw blurRad="9525" dist="25400" dir="14640000" algn="tl" rotWithShape="0">
+                    <a:schemeClr val="bg1">
+                      <a:alpha val="30000"/>
+                    </a:schemeClr>
+                  </a:outerShdw>
+                </a:effectLst>
+                <a:latin typeface="+mn-lt"/>
+                <a:ea typeface="+mn-ea"/>
+                <a:cs typeface="+mn-cs"/>
+              </a:defRPr>
+            </a:lvl9pPr>
+          </a:lstStyle>
+          <a:p>
+            <a:pPr marL="0" indent="0" algn="ctr">
+              <a:buFont typeface="Wingdings 2" charset="2"/>
+              <a:buNone/>
+            </a:pPr>
+            <a:r>
+              <a:rPr lang="en-US" sz="2400" dirty="0">
+                <a:effectLst/>
+                <a:latin typeface="Ubuntu Mono" panose="020B0509030602030204" pitchFamily="49" charset="0"/>
+                <a:ea typeface="Microsoft YaHei UI Light" panose="020B0502040204020203" pitchFamily="34" charset="-122"/>
+                <a:cs typeface="Microsoft Sans Serif" panose="020B0604020202020204" pitchFamily="34" charset="0"/>
+              </a:rPr>
+              <a:t>ld.so.preload</a:t>
+            </a:r>
+          </a:p>
+          <a:p>
+            <a:pPr marL="0" indent="0">
+              <a:buNone/>
+            </a:pPr>
+            <a:r>
+              <a:rPr lang="en-US" sz="1800" dirty="0">
+                <a:effectLst/>
+                <a:latin typeface="Microsoft YaHei UI Light" panose="020B0502040204020203" pitchFamily="34" charset="-122"/>
+                <a:ea typeface="Microsoft YaHei UI Light" panose="020B0502040204020203" pitchFamily="34" charset="-122"/>
+                <a:cs typeface="Microsoft Sans Serif" panose="020B0604020202020204" pitchFamily="34" charset="0"/>
+              </a:rPr>
+              <a:t>Protected system file in </a:t>
+            </a:r>
+            <a:r>
+              <a:rPr lang="en-US" sz="1800" dirty="0">
+                <a:effectLst/>
+                <a:latin typeface="Ubuntu Mono" panose="020B0509030602030204" pitchFamily="49" charset="0"/>
+                <a:ea typeface="Microsoft YaHei UI Light" panose="020B0502040204020203" pitchFamily="34" charset="-122"/>
+                <a:cs typeface="Microsoft Sans Serif" panose="020B0604020202020204" pitchFamily="34" charset="0"/>
+              </a:rPr>
+              <a:t>/etc/</a:t>
+            </a:r>
+            <a:r>
+              <a:rPr lang="en-US" sz="1800" dirty="0">
+                <a:effectLst/>
+                <a:latin typeface="Microsoft YaHei UI Light" panose="020B0502040204020203" pitchFamily="34" charset="-122"/>
+                <a:ea typeface="Microsoft YaHei UI Light" panose="020B0502040204020203" pitchFamily="34" charset="-122"/>
+                <a:cs typeface="Microsoft Sans Serif" panose="020B0604020202020204" pitchFamily="34" charset="0"/>
+              </a:rPr>
+              <a:t> (</a:t>
+            </a:r>
+            <a:r>
+              <a:rPr lang="en-US" sz="1800" dirty="0">
+                <a:effectLst/>
+                <a:latin typeface="Ubuntu Mono" panose="020B0509030602030204" pitchFamily="49" charset="0"/>
+                <a:ea typeface="Microsoft YaHei UI Light" panose="020B0502040204020203" pitchFamily="34" charset="-122"/>
+                <a:cs typeface="Microsoft Sans Serif" panose="020B0604020202020204" pitchFamily="34" charset="0"/>
+              </a:rPr>
+              <a:t>root</a:t>
+            </a:r>
+            <a:r>
+              <a:rPr lang="en-US" sz="1800" dirty="0">
+                <a:effectLst/>
+                <a:latin typeface="Microsoft YaHei UI Light" panose="020B0502040204020203" pitchFamily="34" charset="-122"/>
+                <a:ea typeface="Microsoft YaHei UI Light" panose="020B0502040204020203" pitchFamily="34" charset="-122"/>
+                <a:cs typeface="Microsoft Sans Serif" panose="020B0604020202020204" pitchFamily="34" charset="0"/>
+              </a:rPr>
+              <a:t> access is required to read, write, execute) that contains a comma separated list of paths to libraries (binary executables), that are loaded and ran before the execution of any command.</a:t>
+            </a:r>
+          </a:p>
+        </p:txBody>
+      </p:sp>
+      <p:sp>
+        <p:nvSpPr>
+          <p:cNvPr id="11" name="Content Placeholder 2"/>
+          <p:cNvSpPr txBox="1">
+            <a:spLocks/>
+          </p:cNvSpPr>
+          <p:nvPr/>
+        </p:nvSpPr>
+        <p:spPr>
+          <a:xfrm>
+            <a:off x="6627156" y="1580050"/>
+            <a:ext cx="4640400" cy="4054474"/>
+          </a:xfrm>
+          <a:prstGeom prst="rect">
+            <a:avLst/>
+          </a:prstGeom>
+          <a:effectLst>
+            <a:outerShdw blurRad="25400" dir="17880000">
+              <a:srgbClr val="000000">
+                <a:alpha val="46000"/>
+              </a:srgbClr>
+            </a:outerShdw>
+          </a:effectLst>
+        </p:spPr>
+        <p:txBody>
+          <a:bodyPr vert="horz" lIns="91440" tIns="45720" rIns="91440" bIns="45720" rtlCol="0" anchor="t">
+            <a:noAutofit/>
+          </a:bodyPr>
+          <a:lstStyle>
+            <a:lvl1pPr marL="342900" indent="-306000" algn="l" defTabSz="457200" rtl="0" eaLnBrk="1" latinLnBrk="0" hangingPunct="1">
+              <a:spcBef>
+                <a:spcPct val="20000"/>
+              </a:spcBef>
+              <a:spcAft>
+                <a:spcPts val="600"/>
+              </a:spcAft>
+              <a:buClr>
+                <a:schemeClr val="tx2"/>
+              </a:buClr>
+              <a:buSzPct val="70000"/>
+              <a:buFont typeface="Wingdings 2" charset="2"/>
+              <a:buChar char=""/>
+              <a:defRPr sz="2000" kern="1200">
+                <a:ln>
+                  <a:solidFill>
+                    <a:schemeClr val="bg1">
+                      <a:lumMod val="75000"/>
+                      <a:lumOff val="25000"/>
+                      <a:alpha val="10000"/>
+                    </a:schemeClr>
+                  </a:solidFill>
+                </a:ln>
+                <a:solidFill>
+                  <a:schemeClr val="tx2"/>
+                </a:solidFill>
+                <a:effectLst>
+                  <a:outerShdw blurRad="9525" dist="25400" dir="14640000" algn="tl" rotWithShape="0">
+                    <a:schemeClr val="bg1">
+                      <a:alpha val="30000"/>
+                    </a:schemeClr>
+                  </a:outerShdw>
+                </a:effectLst>
+                <a:latin typeface="+mn-lt"/>
+                <a:ea typeface="+mn-ea"/>
+                <a:cs typeface="+mn-cs"/>
+              </a:defRPr>
+            </a:lvl1pPr>
+            <a:lvl2pPr marL="720000" indent="-270000" algn="l" defTabSz="457200" rtl="0" eaLnBrk="1" latinLnBrk="0" hangingPunct="1">
+              <a:spcBef>
+                <a:spcPct val="20000"/>
+              </a:spcBef>
+              <a:spcAft>
+                <a:spcPts val="600"/>
+              </a:spcAft>
+              <a:buClr>
+                <a:schemeClr val="tx2"/>
+              </a:buClr>
+              <a:buSzPct val="70000"/>
+              <a:buFont typeface="Wingdings 2" charset="2"/>
+              <a:buChar char=""/>
+              <a:defRPr sz="1800" kern="1200">
+                <a:ln>
+                  <a:solidFill>
+                    <a:schemeClr val="bg1">
+                      <a:lumMod val="75000"/>
+                      <a:lumOff val="25000"/>
+                      <a:alpha val="10000"/>
+                    </a:schemeClr>
+                  </a:solidFill>
+                </a:ln>
+                <a:solidFill>
+                  <a:schemeClr val="tx2"/>
+                </a:solidFill>
+                <a:effectLst>
+                  <a:outerShdw blurRad="9525" dist="25400" dir="14640000" algn="tl" rotWithShape="0">
+                    <a:schemeClr val="bg1">
+                      <a:alpha val="30000"/>
+                    </a:schemeClr>
+                  </a:outerShdw>
+                </a:effectLst>
+                <a:latin typeface="+mn-lt"/>
+                <a:ea typeface="+mn-ea"/>
+                <a:cs typeface="+mn-cs"/>
+              </a:defRPr>
+            </a:lvl2pPr>
+            <a:lvl3pPr marL="1026000" indent="-216000" algn="l" defTabSz="457200" rtl="0" eaLnBrk="1" latinLnBrk="0" hangingPunct="1">
+              <a:spcBef>
+                <a:spcPct val="20000"/>
+              </a:spcBef>
+              <a:spcAft>
+                <a:spcPts val="600"/>
+              </a:spcAft>
+              <a:buClr>
+                <a:schemeClr val="tx2"/>
+              </a:buClr>
+              <a:buSzPct val="70000"/>
+              <a:buFont typeface="Wingdings 2" charset="2"/>
+              <a:buChar char=""/>
+              <a:defRPr sz="1600" kern="1200">
+                <a:ln>
+                  <a:solidFill>
+                    <a:schemeClr val="bg1">
+                      <a:lumMod val="75000"/>
+                      <a:lumOff val="25000"/>
+                      <a:alpha val="10000"/>
+                    </a:schemeClr>
+                  </a:solidFill>
+                </a:ln>
+                <a:solidFill>
+                  <a:schemeClr val="tx2"/>
+                </a:solidFill>
+                <a:effectLst>
+                  <a:outerShdw blurRad="9525" dist="25400" dir="14640000" algn="tl" rotWithShape="0">
+                    <a:schemeClr val="bg1">
+                      <a:alpha val="30000"/>
+                    </a:schemeClr>
+                  </a:outerShdw>
+                </a:effectLst>
+                <a:latin typeface="+mn-lt"/>
+                <a:ea typeface="+mn-ea"/>
+                <a:cs typeface="+mn-cs"/>
+              </a:defRPr>
+            </a:lvl3pPr>
+            <a:lvl4pPr marL="1386000" indent="-216000" algn="l" defTabSz="457200" rtl="0" eaLnBrk="1" latinLnBrk="0" hangingPunct="1">
+              <a:spcBef>
+                <a:spcPct val="20000"/>
+              </a:spcBef>
+              <a:spcAft>
+                <a:spcPts val="600"/>
+              </a:spcAft>
+              <a:buClr>
+                <a:schemeClr val="tx2"/>
+              </a:buClr>
+              <a:buSzPct val="70000"/>
+              <a:buFont typeface="Wingdings 2" charset="2"/>
+              <a:buChar char=""/>
+              <a:defRPr sz="1400" kern="1200">
+                <a:ln>
+                  <a:solidFill>
+                    <a:schemeClr val="bg1">
+                      <a:lumMod val="75000"/>
+                      <a:lumOff val="25000"/>
+                      <a:alpha val="10000"/>
+                    </a:schemeClr>
+                  </a:solidFill>
+                </a:ln>
+                <a:solidFill>
+                  <a:schemeClr val="tx2"/>
+                </a:solidFill>
+                <a:effectLst>
+                  <a:outerShdw blurRad="9525" dist="25400" dir="14640000" algn="tl" rotWithShape="0">
+                    <a:schemeClr val="bg1">
+                      <a:alpha val="30000"/>
+                    </a:schemeClr>
+                  </a:outerShdw>
+                </a:effectLst>
+                <a:latin typeface="+mn-lt"/>
+                <a:ea typeface="+mn-ea"/>
+                <a:cs typeface="+mn-cs"/>
+              </a:defRPr>
+            </a:lvl4pPr>
+            <a:lvl5pPr marL="1674000" indent="-216000" algn="l" defTabSz="457200" rtl="0" eaLnBrk="1" latinLnBrk="0" hangingPunct="1">
+              <a:spcBef>
+                <a:spcPct val="20000"/>
+              </a:spcBef>
+              <a:spcAft>
+                <a:spcPts val="600"/>
+              </a:spcAft>
+              <a:buClr>
+                <a:schemeClr val="tx2"/>
+              </a:buClr>
+              <a:buSzPct val="70000"/>
+              <a:buFont typeface="Wingdings 2" charset="2"/>
+              <a:buChar char=""/>
+              <a:defRPr sz="1400" kern="1200">
+                <a:ln>
+                  <a:solidFill>
+                    <a:schemeClr val="bg1">
+                      <a:lumMod val="75000"/>
+                      <a:lumOff val="25000"/>
+                      <a:alpha val="10000"/>
+                    </a:schemeClr>
+                  </a:solidFill>
+                </a:ln>
+                <a:solidFill>
+                  <a:schemeClr val="tx2"/>
+                </a:solidFill>
+                <a:effectLst>
+                  <a:outerShdw blurRad="9525" dist="25400" dir="14640000" algn="tl" rotWithShape="0">
+                    <a:schemeClr val="bg1">
+                      <a:alpha val="30000"/>
+                    </a:schemeClr>
+                  </a:outerShdw>
+                </a:effectLst>
+                <a:latin typeface="+mn-lt"/>
+                <a:ea typeface="+mn-ea"/>
+                <a:cs typeface="+mn-cs"/>
+              </a:defRPr>
+            </a:lvl5pPr>
+            <a:lvl6pPr marL="2014600" indent="-228600" algn="l" defTabSz="457200" rtl="0" eaLnBrk="1" latinLnBrk="0" hangingPunct="1">
+              <a:spcBef>
+                <a:spcPct val="20000"/>
+              </a:spcBef>
+              <a:spcAft>
+                <a:spcPts val="600"/>
+              </a:spcAft>
+              <a:buClr>
+                <a:schemeClr val="tx2"/>
+              </a:buClr>
+              <a:buSzPct val="70000"/>
+              <a:buFont typeface="Wingdings 2" charset="2"/>
+              <a:buChar char=""/>
+              <a:defRPr sz="1400" kern="1200">
+                <a:ln>
+                  <a:solidFill>
+                    <a:schemeClr val="bg1">
+                      <a:lumMod val="75000"/>
+                      <a:lumOff val="25000"/>
+                      <a:alpha val="10000"/>
+                    </a:schemeClr>
+                  </a:solidFill>
+                </a:ln>
+                <a:solidFill>
+                  <a:schemeClr val="tx2"/>
+                </a:solidFill>
+                <a:effectLst>
+                  <a:outerShdw blurRad="9525" dist="25400" dir="14640000" algn="tl" rotWithShape="0">
+                    <a:schemeClr val="bg1">
+                      <a:alpha val="30000"/>
+                    </a:schemeClr>
+                  </a:outerShdw>
+                </a:effectLst>
+                <a:latin typeface="+mn-lt"/>
+                <a:ea typeface="+mn-ea"/>
+                <a:cs typeface="+mn-cs"/>
+              </a:defRPr>
+            </a:lvl6pPr>
+            <a:lvl7pPr marL="2401800" indent="-228600" algn="l" defTabSz="457200" rtl="0" eaLnBrk="1" latinLnBrk="0" hangingPunct="1">
+              <a:spcBef>
+                <a:spcPct val="20000"/>
+              </a:spcBef>
+              <a:spcAft>
+                <a:spcPts val="600"/>
+              </a:spcAft>
+              <a:buClr>
+                <a:schemeClr val="tx2"/>
+              </a:buClr>
+              <a:buSzPct val="70000"/>
+              <a:buFont typeface="Wingdings 2" charset="2"/>
+              <a:buChar char=""/>
+              <a:defRPr sz="1400" kern="1200">
+                <a:ln>
+                  <a:solidFill>
+                    <a:schemeClr val="bg1">
+                      <a:lumMod val="75000"/>
+                      <a:lumOff val="25000"/>
+                      <a:alpha val="10000"/>
+                    </a:schemeClr>
+                  </a:solidFill>
+                </a:ln>
+                <a:solidFill>
+                  <a:schemeClr val="tx2"/>
+                </a:solidFill>
+                <a:effectLst>
+                  <a:outerShdw blurRad="9525" dist="25400" dir="14640000" algn="tl" rotWithShape="0">
+                    <a:schemeClr val="bg1">
+                      <a:alpha val="30000"/>
+                    </a:schemeClr>
+                  </a:outerShdw>
+                </a:effectLst>
+                <a:latin typeface="+mn-lt"/>
+                <a:ea typeface="+mn-ea"/>
+                <a:cs typeface="+mn-cs"/>
+              </a:defRPr>
+            </a:lvl7pPr>
+            <a:lvl8pPr marL="2789000" indent="-228600" algn="l" defTabSz="457200" rtl="0" eaLnBrk="1" latinLnBrk="0" hangingPunct="1">
+              <a:spcBef>
+                <a:spcPct val="20000"/>
+              </a:spcBef>
+              <a:spcAft>
+                <a:spcPts val="600"/>
+              </a:spcAft>
+              <a:buClr>
+                <a:schemeClr val="tx2"/>
+              </a:buClr>
+              <a:buSzPct val="70000"/>
+              <a:buFont typeface="Wingdings 2" charset="2"/>
+              <a:buChar char=""/>
+              <a:defRPr sz="1400" kern="1200">
+                <a:ln>
+                  <a:solidFill>
+                    <a:schemeClr val="bg1">
+                      <a:lumMod val="75000"/>
+                      <a:lumOff val="25000"/>
+                      <a:alpha val="10000"/>
+                    </a:schemeClr>
+                  </a:solidFill>
+                </a:ln>
+                <a:solidFill>
+                  <a:schemeClr val="tx2"/>
+                </a:solidFill>
+                <a:effectLst>
+                  <a:outerShdw blurRad="9525" dist="25400" dir="14640000" algn="tl" rotWithShape="0">
+                    <a:schemeClr val="bg1">
+                      <a:alpha val="30000"/>
+                    </a:schemeClr>
+                  </a:outerShdw>
+                </a:effectLst>
+                <a:latin typeface="+mn-lt"/>
+                <a:ea typeface="+mn-ea"/>
+                <a:cs typeface="+mn-cs"/>
+              </a:defRPr>
+            </a:lvl8pPr>
+            <a:lvl9pPr marL="3106200" indent="-228600" algn="l" defTabSz="457200" rtl="0" eaLnBrk="1" latinLnBrk="0" hangingPunct="1">
+              <a:spcBef>
+                <a:spcPct val="20000"/>
+              </a:spcBef>
+              <a:spcAft>
+                <a:spcPts val="600"/>
+              </a:spcAft>
+              <a:buClr>
+                <a:schemeClr val="tx2"/>
+              </a:buClr>
+              <a:buSzPct val="70000"/>
+              <a:buFont typeface="Wingdings 2" charset="2"/>
+              <a:buChar char=""/>
+              <a:defRPr sz="1400" kern="1200">
+                <a:ln>
+                  <a:solidFill>
+                    <a:schemeClr val="bg1">
+                      <a:lumMod val="75000"/>
+                      <a:lumOff val="25000"/>
+                      <a:alpha val="10000"/>
+                    </a:schemeClr>
+                  </a:solidFill>
+                </a:ln>
+                <a:solidFill>
+                  <a:schemeClr val="tx2"/>
+                </a:solidFill>
+                <a:effectLst>
+                  <a:outerShdw blurRad="9525" dist="25400" dir="14640000" algn="tl" rotWithShape="0">
+                    <a:schemeClr val="bg1">
+                      <a:alpha val="30000"/>
+                    </a:schemeClr>
+                  </a:outerShdw>
+                </a:effectLst>
+                <a:latin typeface="+mn-lt"/>
+                <a:ea typeface="+mn-ea"/>
+                <a:cs typeface="+mn-cs"/>
+              </a:defRPr>
+            </a:lvl9pPr>
+          </a:lstStyle>
+          <a:p>
+            <a:pPr marL="0" indent="0" algn="ctr">
+              <a:buFont typeface="Wingdings 2" charset="2"/>
+              <a:buNone/>
+            </a:pPr>
+            <a:r>
+              <a:rPr lang="en-US" sz="2400" dirty="0">
+                <a:effectLst/>
+                <a:latin typeface="Ubuntu Mono" panose="020B0509030602030204" pitchFamily="49" charset="0"/>
+                <a:ea typeface="Microsoft YaHei UI Light" panose="020B0502040204020203" pitchFamily="34" charset="-122"/>
                 <a:cs typeface="Microsoft Sans Serif" panose="020B0604020202020204" pitchFamily="34" charset="0"/>
               </a:rPr>
               <a:t>chown</a:t>
@@ -15925,8 +15958,8 @@
             <a:r>
               <a:rPr lang="en-US" sz="1800" dirty="0">
                 <a:effectLst/>
-                <a:latin typeface="Microsoft Sans Serif" panose="020B0604020202020204" pitchFamily="34" charset="0"/>
-                <a:ea typeface="Microsoft Sans Serif" panose="020B0604020202020204" pitchFamily="34" charset="0"/>
+                <a:latin typeface="Microsoft YaHei UI Light" panose="020B0502040204020203" pitchFamily="34" charset="-122"/>
+                <a:ea typeface="Microsoft YaHei UI Light" panose="020B0502040204020203" pitchFamily="34" charset="-122"/>
                 <a:cs typeface="Microsoft Sans Serif" panose="020B0604020202020204" pitchFamily="34" charset="0"/>
               </a:rPr>
               <a:t>Change read, write, execute, permissions on a file or folder. Accepts up to 5 bits.</a:t>
@@ -15939,8 +15972,8 @@
             <a:r>
               <a:rPr lang="en-US" sz="1800" dirty="0">
                 <a:effectLst/>
-                <a:latin typeface="Microsoft Sans Serif" panose="020B0604020202020204" pitchFamily="34" charset="0"/>
-                <a:ea typeface="Microsoft Sans Serif" panose="020B0604020202020204" pitchFamily="34" charset="0"/>
+                <a:latin typeface="Microsoft YaHei UI Light" panose="020B0502040204020203" pitchFamily="34" charset="-122"/>
+                <a:ea typeface="Microsoft YaHei UI Light" panose="020B0502040204020203" pitchFamily="34" charset="-122"/>
                 <a:cs typeface="Microsoft Sans Serif" panose="020B0604020202020204" pitchFamily="34" charset="0"/>
               </a:rPr>
               <a:t>e.g. 04777</a:t>
@@ -15954,8 +15987,8 @@
             <a:r>
               <a:rPr lang="en-US" sz="1800" dirty="0">
                 <a:effectLst/>
-                <a:latin typeface="Microsoft Sans Serif" panose="020B0604020202020204" pitchFamily="34" charset="0"/>
-                <a:ea typeface="Microsoft Sans Serif" panose="020B0604020202020204" pitchFamily="34" charset="0"/>
+                <a:latin typeface="Microsoft YaHei UI Light" panose="020B0502040204020203" pitchFamily="34" charset="-122"/>
+                <a:ea typeface="Microsoft YaHei UI Light" panose="020B0502040204020203" pitchFamily="34" charset="-122"/>
                 <a:cs typeface="Microsoft Sans Serif" panose="020B0604020202020204" pitchFamily="34" charset="0"/>
               </a:rPr>
               <a:t>0 </a:t>
@@ -15963,8 +15996,8 @@
             <a:r>
               <a:rPr lang="en-US" sz="1800" dirty="0">
                 <a:effectLst/>
-                <a:latin typeface="Microsoft Sans Serif" panose="020B0604020202020204" pitchFamily="34" charset="0"/>
-                <a:ea typeface="Microsoft Sans Serif" panose="020B0604020202020204" pitchFamily="34" charset="0"/>
+                <a:latin typeface="Microsoft YaHei UI Light" panose="020B0502040204020203" pitchFamily="34" charset="-122"/>
+                <a:ea typeface="Microsoft YaHei UI Light" panose="020B0502040204020203" pitchFamily="34" charset="-122"/>
                 <a:cs typeface="Microsoft Sans Serif" panose="020B0604020202020204" pitchFamily="34" charset="0"/>
                 <a:sym typeface="Wingdings" panose="05000000000000000000" pitchFamily="2" charset="2"/>
               </a:rPr>
@@ -15979,8 +16012,8 @@
             <a:r>
               <a:rPr lang="en-US" sz="1800" dirty="0">
                 <a:effectLst/>
-                <a:latin typeface="Microsoft Sans Serif" panose="020B0604020202020204" pitchFamily="34" charset="0"/>
-                <a:ea typeface="Microsoft Sans Serif" panose="020B0604020202020204" pitchFamily="34" charset="0"/>
+                <a:latin typeface="Microsoft YaHei UI Light" panose="020B0502040204020203" pitchFamily="34" charset="-122"/>
+                <a:ea typeface="Microsoft YaHei UI Light" panose="020B0502040204020203" pitchFamily="34" charset="-122"/>
                 <a:cs typeface="Microsoft Sans Serif" panose="020B0604020202020204" pitchFamily="34" charset="0"/>
                 <a:sym typeface="Wingdings" panose="05000000000000000000" pitchFamily="2" charset="2"/>
               </a:rPr>
@@ -15995,8 +16028,8 @@
             <a:r>
               <a:rPr lang="en-US" sz="1800" dirty="0">
                 <a:effectLst/>
-                <a:latin typeface="Microsoft Sans Serif" panose="020B0604020202020204" pitchFamily="34" charset="0"/>
-                <a:ea typeface="Microsoft Sans Serif" panose="020B0604020202020204" pitchFamily="34" charset="0"/>
+                <a:latin typeface="Microsoft YaHei UI Light" panose="020B0502040204020203" pitchFamily="34" charset="-122"/>
+                <a:ea typeface="Microsoft YaHei UI Light" panose="020B0502040204020203" pitchFamily="34" charset="-122"/>
                 <a:cs typeface="Microsoft Sans Serif" panose="020B0604020202020204" pitchFamily="34" charset="0"/>
                 <a:sym typeface="Wingdings" panose="05000000000000000000" pitchFamily="2" charset="2"/>
               </a:rPr>
@@ -16011,8 +16044,8 @@
             <a:r>
               <a:rPr lang="en-US" sz="1800" dirty="0">
                 <a:effectLst/>
-                <a:latin typeface="Microsoft Sans Serif" panose="020B0604020202020204" pitchFamily="34" charset="0"/>
-                <a:ea typeface="Microsoft Sans Serif" panose="020B0604020202020204" pitchFamily="34" charset="0"/>
+                <a:latin typeface="Microsoft YaHei UI Light" panose="020B0502040204020203" pitchFamily="34" charset="-122"/>
+                <a:ea typeface="Microsoft YaHei UI Light" panose="020B0502040204020203" pitchFamily="34" charset="-122"/>
                 <a:cs typeface="Microsoft Sans Serif" panose="020B0604020202020204" pitchFamily="34" charset="0"/>
                 <a:sym typeface="Wingdings" panose="05000000000000000000" pitchFamily="2" charset="2"/>
               </a:rPr>
@@ -16020,8 +16053,8 @@
             </a:r>
             <a:endParaRPr lang="en-US" sz="1800" dirty="0">
               <a:effectLst/>
-              <a:latin typeface="Microsoft Sans Serif" panose="020B0604020202020204" pitchFamily="34" charset="0"/>
-              <a:ea typeface="Microsoft Sans Serif" panose="020B0604020202020204" pitchFamily="34" charset="0"/>
+              <a:latin typeface="Microsoft YaHei UI Light" panose="020B0502040204020203" pitchFamily="34" charset="-122"/>
+              <a:ea typeface="Microsoft YaHei UI Light" panose="020B0502040204020203" pitchFamily="34" charset="-122"/>
               <a:cs typeface="Microsoft Sans Serif" panose="020B0604020202020204" pitchFamily="34" charset="0"/>
             </a:endParaRPr>
           </a:p>
@@ -16033,8 +16066,8 @@
             <a:r>
               <a:rPr lang="en-US" sz="1800" dirty="0">
                 <a:effectLst/>
-                <a:latin typeface="Microsoft Sans Serif" panose="020B0604020202020204" pitchFamily="34" charset="0"/>
-                <a:ea typeface="Microsoft Sans Serif" panose="020B0604020202020204" pitchFamily="34" charset="0"/>
+                <a:latin typeface="Microsoft YaHei UI Light" panose="020B0502040204020203" pitchFamily="34" charset="-122"/>
+                <a:ea typeface="Microsoft YaHei UI Light" panose="020B0502040204020203" pitchFamily="34" charset="-122"/>
                 <a:cs typeface="Microsoft Sans Serif" panose="020B0604020202020204" pitchFamily="34" charset="0"/>
                 <a:sym typeface="Wingdings" panose="05000000000000000000" pitchFamily="2" charset="2"/>
               </a:rPr>
@@ -16042,8 +16075,8 @@
             </a:r>
             <a:endParaRPr lang="en-US" sz="1800" dirty="0">
               <a:effectLst/>
-              <a:latin typeface="Microsoft Sans Serif" panose="020B0604020202020204" pitchFamily="34" charset="0"/>
-              <a:ea typeface="Microsoft Sans Serif" panose="020B0604020202020204" pitchFamily="34" charset="0"/>
+              <a:latin typeface="Microsoft YaHei UI Light" panose="020B0502040204020203" pitchFamily="34" charset="-122"/>
+              <a:ea typeface="Microsoft YaHei UI Light" panose="020B0502040204020203" pitchFamily="34" charset="-122"/>
               <a:cs typeface="Microsoft Sans Serif" panose="020B0604020202020204" pitchFamily="34" charset="0"/>
             </a:endParaRPr>
           </a:p>
@@ -16054,8 +16087,8 @@
             </a:pPr>
             <a:endParaRPr lang="en-US" sz="1800" dirty="0">
               <a:effectLst/>
-              <a:latin typeface="Microsoft Sans Serif" panose="020B0604020202020204" pitchFamily="34" charset="0"/>
-              <a:ea typeface="Microsoft Sans Serif" panose="020B0604020202020204" pitchFamily="34" charset="0"/>
+              <a:latin typeface="Microsoft YaHei UI Light" panose="020B0502040204020203" pitchFamily="34" charset="-122"/>
+              <a:ea typeface="Microsoft YaHei UI Light" panose="020B0502040204020203" pitchFamily="34" charset="-122"/>
               <a:cs typeface="Microsoft Sans Serif" panose="020B0604020202020204" pitchFamily="34" charset="0"/>
             </a:endParaRPr>
           </a:p>
